--- a/slides.pptx
+++ b/slides.pptx
@@ -13,10 +13,14 @@
     <p:sldId id="262" r:id="rId7"/>
     <p:sldId id="258" r:id="rId8"/>
     <p:sldId id="259" r:id="rId9"/>
-    <p:sldId id="260" r:id="rId10"/>
+    <p:sldId id="275" r:id="rId10"/>
     <p:sldId id="261" r:id="rId11"/>
-    <p:sldId id="270" r:id="rId12"/>
-    <p:sldId id="271" r:id="rId13"/>
+    <p:sldId id="274" r:id="rId12"/>
+    <p:sldId id="273" r:id="rId13"/>
+    <p:sldId id="272" r:id="rId14"/>
+    <p:sldId id="276" r:id="rId15"/>
+    <p:sldId id="270" r:id="rId16"/>
+    <p:sldId id="271" r:id="rId17"/>
   </p:sldIdLst>
   <p:sldSz cx="12192000" cy="6858000"/>
   <p:notesSz cx="7559675" cy="10691813"/>
@@ -115,6 +119,11 @@
       </a:defRPr>
     </a:lvl9pPr>
   </p:defaultTextStyle>
+  <p:extLst>
+    <p:ext uri="{EFAFB233-063F-42B5-8137-9DF3F51BA10A}">
+      <p15:sldGuideLst xmlns:p15="http://schemas.microsoft.com/office/powerpoint/2012/main"/>
+    </p:ext>
+  </p:extLst>
 </p:presentation>
 </file>
 
@@ -8640,30 +8649,6 @@
           <a:chExt cx="0" cy="0"/>
         </a:xfrm>
       </p:grpSpPr>
-      <p:pic>
-        <p:nvPicPr>
-          <p:cNvPr id="174" name="Picture Placeholder 7"/>
-          <p:cNvPicPr/>
-          <p:nvPr/>
-        </p:nvPicPr>
-        <p:blipFill>
-          <a:blip r:embed="rId2"/>
-          <a:srcRect t="258" b="26189"/>
-          <a:stretch/>
-        </p:blipFill>
-        <p:spPr>
-          <a:xfrm>
-            <a:off x="0" y="0"/>
-            <a:ext cx="12189600" cy="4480920"/>
-          </a:xfrm>
-          <a:prstGeom prst="rect">
-            <a:avLst/>
-          </a:prstGeom>
-          <a:ln>
-            <a:noFill/>
-          </a:ln>
-        </p:spPr>
-      </p:pic>
       <p:sp>
         <p:nvSpPr>
           <p:cNvPr id="175" name="CustomShape 1"/>
@@ -8775,17 +8760,7 @@
                 <a:spcPts val="601"/>
               </a:spcAft>
             </a:pPr>
-            <a:r>
-              <a:rPr lang="en-US" sz="1200" b="0" i="1" strike="noStrike" spc="-1">
-                <a:solidFill>
-                  <a:srgbClr val="FFCD6B"/>
-                </a:solidFill>
-                <a:latin typeface="Speak Pro"/>
-                <a:ea typeface="DejaVu Sans"/>
-              </a:rPr>
-              <a:t>What’s new in v2.x of FakeXrmEasy</a:t>
-            </a:r>
-            <a:endParaRPr lang="en-US" sz="1200" b="0" strike="noStrike" spc="-1">
+            <a:endParaRPr lang="en-US" sz="1200" b="0" strike="noStrike" spc="-1" dirty="0">
               <a:latin typeface="Arial"/>
             </a:endParaRPr>
           </a:p>
@@ -8846,6 +8821,3239 @@
             </a:fld>
             <a:endParaRPr lang="en-US" sz="1200" b="0" strike="noStrike" spc="-1">
               <a:latin typeface="Arial"/>
+            </a:endParaRPr>
+          </a:p>
+        </p:txBody>
+      </p:sp>
+      <p:pic>
+        <p:nvPicPr>
+          <p:cNvPr id="5" name="Picture 4">
+            <a:extLst>
+              <a:ext uri="{FF2B5EF4-FFF2-40B4-BE49-F238E27FC236}">
+                <a16:creationId xmlns:a16="http://schemas.microsoft.com/office/drawing/2014/main" id="{90E60B0C-F0E3-4A46-A4A6-A47A40A1C889}"/>
+              </a:ext>
+            </a:extLst>
+          </p:cNvPr>
+          <p:cNvPicPr>
+            <a:picLocks noChangeAspect="1"/>
+          </p:cNvPicPr>
+          <p:nvPr/>
+        </p:nvPicPr>
+        <p:blipFill rotWithShape="1">
+          <a:blip r:embed="rId2">
+            <a:extLst>
+              <a:ext uri="{28A0092B-C50C-407E-A947-70E740481C1C}">
+                <a14:useLocalDpi xmlns:a14="http://schemas.microsoft.com/office/drawing/2010/main" val="0"/>
+              </a:ext>
+            </a:extLst>
+          </a:blip>
+          <a:srcRect b="20343"/>
+          <a:stretch/>
+        </p:blipFill>
+        <p:spPr>
+          <a:xfrm>
+            <a:off x="0" y="0"/>
+            <a:ext cx="12192000" cy="4296792"/>
+          </a:xfrm>
+          <a:prstGeom prst="rect">
+            <a:avLst/>
+          </a:prstGeom>
+        </p:spPr>
+      </p:pic>
+      <p:sp>
+        <p:nvSpPr>
+          <p:cNvPr id="7" name="TextBox 6">
+            <a:extLst>
+              <a:ext uri="{FF2B5EF4-FFF2-40B4-BE49-F238E27FC236}">
+                <a16:creationId xmlns:a16="http://schemas.microsoft.com/office/drawing/2014/main" id="{FDD9FD6A-220E-4F5D-A559-0829BD5A7562}"/>
+              </a:ext>
+            </a:extLst>
+          </p:cNvPr>
+          <p:cNvSpPr txBox="1"/>
+          <p:nvPr/>
+        </p:nvSpPr>
+        <p:spPr>
+          <a:xfrm>
+            <a:off x="0" y="3344613"/>
+            <a:ext cx="12191999" cy="1200329"/>
+          </a:xfrm>
+          <a:prstGeom prst="rect">
+            <a:avLst/>
+          </a:prstGeom>
+          <a:solidFill>
+            <a:schemeClr val="tx1">
+              <a:lumMod val="75000"/>
+              <a:lumOff val="25000"/>
+            </a:schemeClr>
+          </a:solidFill>
+        </p:spPr>
+        <p:txBody>
+          <a:bodyPr wrap="square" rtlCol="0">
+            <a:spAutoFit/>
+          </a:bodyPr>
+          <a:lstStyle/>
+          <a:p>
+            <a:pPr algn="ctr"/>
+            <a:endParaRPr lang="es-ES_tradnl" dirty="0">
+              <a:solidFill>
+                <a:schemeClr val="bg1"/>
+              </a:solidFill>
+            </a:endParaRPr>
+          </a:p>
+          <a:p>
+            <a:pPr algn="ctr"/>
+            <a:r>
+              <a:rPr lang="es-ES_tradnl" dirty="0">
+                <a:solidFill>
+                  <a:schemeClr val="bg1"/>
+                </a:solidFill>
+              </a:rPr>
+              <a:t>20th June 2020</a:t>
+            </a:r>
+          </a:p>
+          <a:p>
+            <a:pPr algn="ctr"/>
+            <a:endParaRPr lang="es-ES_tradnl" dirty="0">
+              <a:solidFill>
+                <a:schemeClr val="bg1"/>
+              </a:solidFill>
+            </a:endParaRPr>
+          </a:p>
+          <a:p>
+            <a:pPr algn="ctr"/>
+            <a:endParaRPr lang="en-US" dirty="0">
+              <a:solidFill>
+                <a:schemeClr val="bg1"/>
+              </a:solidFill>
+            </a:endParaRPr>
+          </a:p>
+        </p:txBody>
+      </p:sp>
+    </p:spTree>
+  </p:cSld>
+  <p:clrMapOvr>
+    <a:masterClrMapping/>
+  </p:clrMapOvr>
+  <p:timing>
+    <p:tnLst>
+      <p:par>
+        <p:cTn id="1" dur="indefinite" restart="never" nodeType="tmRoot">
+          <p:childTnLst>
+            <p:seq>
+              <p:cTn id="2" dur="indefinite" nodeType="mainSeq"/>
+              <p:prevCondLst>
+                <p:cond evt="onPrev" delay="0">
+                  <p:tgtEl>
+                    <p:sldTgt/>
+                  </p:tgtEl>
+                </p:cond>
+              </p:prevCondLst>
+              <p:nextCondLst>
+                <p:cond evt="onNext" delay="0">
+                  <p:tgtEl>
+                    <p:sldTgt/>
+                  </p:tgtEl>
+                </p:cond>
+              </p:nextCondLst>
+            </p:seq>
+          </p:childTnLst>
+        </p:cTn>
+      </p:par>
+    </p:tnLst>
+  </p:timing>
+</p:sld>
+</file>
+
+<file path=ppt/slides/slide10.xml><?xml version="1.0" encoding="utf-8"?>
+<p:sld xmlns:a="http://schemas.openxmlformats.org/drawingml/2006/main" xmlns:r="http://schemas.openxmlformats.org/officeDocument/2006/relationships" xmlns:p="http://schemas.openxmlformats.org/presentationml/2006/main">
+  <p:cSld>
+    <p:bg>
+      <p:bgPr>
+        <a:blipFill rotWithShape="0">
+          <a:blip r:embed="rId2"/>
+          <a:stretch>
+            <a:fillRect/>
+          </a:stretch>
+        </a:blipFill>
+        <a:effectLst/>
+      </p:bgPr>
+    </p:bg>
+    <p:spTree>
+      <p:nvGrpSpPr>
+        <p:cNvPr id="1" name=""/>
+        <p:cNvGrpSpPr/>
+        <p:nvPr/>
+      </p:nvGrpSpPr>
+      <p:grpSpPr>
+        <a:xfrm>
+          <a:off x="0" y="0"/>
+          <a:ext cx="0" cy="0"/>
+          <a:chOff x="0" y="0"/>
+          <a:chExt cx="0" cy="0"/>
+        </a:xfrm>
+      </p:grpSpPr>
+      <p:sp>
+        <p:nvSpPr>
+          <p:cNvPr id="2" name="Rectangle 1">
+            <a:extLst>
+              <a:ext uri="{FF2B5EF4-FFF2-40B4-BE49-F238E27FC236}">
+                <a16:creationId xmlns:a16="http://schemas.microsoft.com/office/drawing/2014/main" id="{0A19AC19-DFD2-4B92-B26A-EECB7D079130}"/>
+              </a:ext>
+            </a:extLst>
+          </p:cNvPr>
+          <p:cNvSpPr/>
+          <p:nvPr/>
+        </p:nvSpPr>
+        <p:spPr>
+          <a:xfrm>
+            <a:off x="949141" y="1237939"/>
+            <a:ext cx="2090571" cy="2307455"/>
+          </a:xfrm>
+          <a:prstGeom prst="rect">
+            <a:avLst/>
+          </a:prstGeom>
+          <a:solidFill>
+            <a:schemeClr val="bg1"/>
+          </a:solidFill>
+          <a:ln>
+            <a:noFill/>
+          </a:ln>
+        </p:spPr>
+        <p:style>
+          <a:lnRef idx="2">
+            <a:schemeClr val="accent1">
+              <a:shade val="50000"/>
+            </a:schemeClr>
+          </a:lnRef>
+          <a:fillRef idx="1">
+            <a:schemeClr val="accent1"/>
+          </a:fillRef>
+          <a:effectRef idx="0">
+            <a:schemeClr val="accent1"/>
+          </a:effectRef>
+          <a:fontRef idx="minor">
+            <a:schemeClr val="lt1"/>
+          </a:fontRef>
+        </p:style>
+        <p:txBody>
+          <a:bodyPr rtlCol="0" anchor="ctr"/>
+          <a:lstStyle/>
+          <a:p>
+            <a:pPr algn="ctr"/>
+            <a:endParaRPr lang="en-US"/>
+          </a:p>
+        </p:txBody>
+      </p:sp>
+      <p:sp>
+        <p:nvSpPr>
+          <p:cNvPr id="298" name="CustomShape 1"/>
+          <p:cNvSpPr/>
+          <p:nvPr/>
+        </p:nvSpPr>
+        <p:spPr>
+          <a:xfrm>
+            <a:off x="42405" y="-26895"/>
+            <a:ext cx="8091981" cy="1533960"/>
+          </a:xfrm>
+          <a:prstGeom prst="rect">
+            <a:avLst/>
+          </a:prstGeom>
+          <a:noFill/>
+          <a:ln>
+            <a:noFill/>
+          </a:ln>
+        </p:spPr>
+        <p:style>
+          <a:lnRef idx="0">
+            <a:scrgbClr r="0" g="0" b="0"/>
+          </a:lnRef>
+          <a:fillRef idx="0">
+            <a:scrgbClr r="0" g="0" b="0"/>
+          </a:fillRef>
+          <a:effectRef idx="0">
+            <a:scrgbClr r="0" g="0" b="0"/>
+          </a:effectRef>
+          <a:fontRef idx="minor"/>
+        </p:style>
+        <p:txBody>
+          <a:bodyPr lIns="90000" tIns="45000" rIns="90000" bIns="45000" anchor="ctr"/>
+          <a:lstStyle/>
+          <a:p>
+            <a:pPr marL="0" marR="0" lvl="0" indent="0" algn="l" defTabSz="914400" rtl="0" eaLnBrk="1" fontAlgn="auto" latinLnBrk="0" hangingPunct="1">
+              <a:lnSpc>
+                <a:spcPct val="90000"/>
+              </a:lnSpc>
+              <a:spcBef>
+                <a:spcPts val="0"/>
+              </a:spcBef>
+              <a:spcAft>
+                <a:spcPts val="0"/>
+              </a:spcAft>
+              <a:buClrTx/>
+              <a:buSzTx/>
+              <a:buFontTx/>
+              <a:buNone/>
+              <a:tabLst/>
+              <a:defRPr/>
+            </a:pPr>
+            <a:r>
+              <a:rPr kumimoji="0" lang="en-US" sz="4000" b="1" i="0" u="none" strike="noStrike" kern="1200" cap="none" spc="-1" normalizeH="0" baseline="0" noProof="0" dirty="0" err="1">
+                <a:ln>
+                  <a:noFill/>
+                </a:ln>
+                <a:solidFill>
+                  <a:srgbClr val="BE005A"/>
+                </a:solidFill>
+                <a:effectLst/>
+                <a:uLnTx/>
+                <a:uFillTx/>
+                <a:latin typeface="Avenir Next LT Pro"/>
+                <a:ea typeface="DejaVu Sans"/>
+              </a:rPr>
+              <a:t>FakeXrmEasy</a:t>
+            </a:r>
+            <a:r>
+              <a:rPr kumimoji="0" lang="en-US" sz="4000" b="1" i="0" u="none" strike="noStrike" kern="1200" cap="none" spc="-1" normalizeH="0" baseline="0" noProof="0" dirty="0">
+                <a:ln>
+                  <a:noFill/>
+                </a:ln>
+                <a:solidFill>
+                  <a:srgbClr val="BE005A"/>
+                </a:solidFill>
+                <a:effectLst/>
+                <a:uLnTx/>
+                <a:uFillTx/>
+                <a:latin typeface="Avenir Next LT Pro"/>
+                <a:ea typeface="DejaVu Sans"/>
+              </a:rPr>
+              <a:t> Overview II</a:t>
+            </a:r>
+            <a:endParaRPr kumimoji="0" lang="en-US" sz="4000" b="0" i="0" u="none" strike="noStrike" kern="1200" cap="none" spc="-1" normalizeH="0" baseline="0" noProof="0" dirty="0">
+              <a:ln>
+                <a:noFill/>
+              </a:ln>
+              <a:solidFill>
+                <a:prstClr val="black"/>
+              </a:solidFill>
+              <a:effectLst/>
+              <a:uLnTx/>
+              <a:uFillTx/>
+              <a:latin typeface="Arial"/>
+            </a:endParaRPr>
+          </a:p>
+        </p:txBody>
+      </p:sp>
+      <p:sp>
+        <p:nvSpPr>
+          <p:cNvPr id="300" name="CustomShape 3"/>
+          <p:cNvSpPr/>
+          <p:nvPr/>
+        </p:nvSpPr>
+        <p:spPr>
+          <a:xfrm>
+            <a:off x="8870040" y="5364404"/>
+            <a:ext cx="2740680" cy="362520"/>
+          </a:xfrm>
+          <a:prstGeom prst="rect">
+            <a:avLst/>
+          </a:prstGeom>
+          <a:noFill/>
+          <a:ln>
+            <a:noFill/>
+          </a:ln>
+        </p:spPr>
+        <p:style>
+          <a:lnRef idx="0">
+            <a:scrgbClr r="0" g="0" b="0"/>
+          </a:lnRef>
+          <a:fillRef idx="0">
+            <a:scrgbClr r="0" g="0" b="0"/>
+          </a:fillRef>
+          <a:effectRef idx="0">
+            <a:scrgbClr r="0" g="0" b="0"/>
+          </a:effectRef>
+          <a:fontRef idx="minor"/>
+        </p:style>
+        <p:txBody>
+          <a:bodyPr lIns="90000" tIns="45000" rIns="90000" bIns="45000" anchor="ctr"/>
+          <a:lstStyle/>
+          <a:p>
+            <a:pPr marL="0" marR="0" lvl="0" indent="0" algn="r" defTabSz="914400" rtl="0" eaLnBrk="1" fontAlgn="auto" latinLnBrk="0" hangingPunct="1">
+              <a:lnSpc>
+                <a:spcPct val="100000"/>
+              </a:lnSpc>
+              <a:spcBef>
+                <a:spcPts val="0"/>
+              </a:spcBef>
+              <a:spcAft>
+                <a:spcPts val="0"/>
+              </a:spcAft>
+              <a:buClrTx/>
+              <a:buSzTx/>
+              <a:buFontTx/>
+              <a:buNone/>
+              <a:tabLst/>
+              <a:defRPr/>
+            </a:pPr>
+            <a:fld id="{4C2995D3-8C24-48C6-9F78-0D1D23F82B58}" type="slidenum">
+              <a:rPr kumimoji="0" lang="en-US" sz="1200" b="0" i="1" u="none" strike="noStrike" kern="1200" cap="none" spc="-1" normalizeH="0" baseline="0" noProof="0">
+                <a:ln>
+                  <a:noFill/>
+                </a:ln>
+                <a:solidFill>
+                  <a:srgbClr val="FFCD6B"/>
+                </a:solidFill>
+                <a:effectLst/>
+                <a:uLnTx/>
+                <a:uFillTx/>
+                <a:latin typeface="Speak Pro"/>
+                <a:ea typeface="DejaVu Sans"/>
+              </a:rPr>
+              <a:pPr marL="0" marR="0" lvl="0" indent="0" algn="r" defTabSz="914400" rtl="0" eaLnBrk="1" fontAlgn="auto" latinLnBrk="0" hangingPunct="1">
+                <a:lnSpc>
+                  <a:spcPct val="100000"/>
+                </a:lnSpc>
+                <a:spcBef>
+                  <a:spcPts val="0"/>
+                </a:spcBef>
+                <a:spcAft>
+                  <a:spcPts val="0"/>
+                </a:spcAft>
+                <a:buClrTx/>
+                <a:buSzTx/>
+                <a:buFontTx/>
+                <a:buNone/>
+                <a:tabLst/>
+                <a:defRPr/>
+              </a:pPr>
+              <a:t>10</a:t>
+            </a:fld>
+            <a:endParaRPr kumimoji="0" lang="en-US" sz="1200" b="0" i="0" u="none" strike="noStrike" kern="1200" cap="none" spc="-1" normalizeH="0" baseline="0" noProof="0">
+              <a:ln>
+                <a:noFill/>
+              </a:ln>
+              <a:solidFill>
+                <a:prstClr val="black"/>
+              </a:solidFill>
+              <a:effectLst/>
+              <a:uLnTx/>
+              <a:uFillTx/>
+              <a:latin typeface="Arial"/>
+            </a:endParaRPr>
+          </a:p>
+        </p:txBody>
+      </p:sp>
+      <p:sp>
+        <p:nvSpPr>
+          <p:cNvPr id="301" name="CustomShape 4"/>
+          <p:cNvSpPr/>
+          <p:nvPr/>
+        </p:nvSpPr>
+        <p:spPr>
+          <a:xfrm>
+            <a:off x="1574752" y="2452933"/>
+            <a:ext cx="4141080" cy="690120"/>
+          </a:xfrm>
+          <a:prstGeom prst="rect">
+            <a:avLst/>
+          </a:prstGeom>
+          <a:noFill/>
+          <a:ln>
+            <a:noFill/>
+          </a:ln>
+        </p:spPr>
+        <p:style>
+          <a:lnRef idx="0">
+            <a:scrgbClr r="0" g="0" b="0"/>
+          </a:lnRef>
+          <a:fillRef idx="0">
+            <a:scrgbClr r="0" g="0" b="0"/>
+          </a:fillRef>
+          <a:effectRef idx="0">
+            <a:scrgbClr r="0" g="0" b="0"/>
+          </a:effectRef>
+          <a:fontRef idx="minor"/>
+        </p:style>
+        <p:txBody>
+          <a:bodyPr lIns="90000" tIns="45000" rIns="90000" bIns="45000"/>
+          <a:lstStyle/>
+          <a:p>
+            <a:pPr marL="0" marR="0" lvl="0" indent="0" algn="l" defTabSz="914400" rtl="0" eaLnBrk="1" fontAlgn="auto" latinLnBrk="0" hangingPunct="1">
+              <a:lnSpc>
+                <a:spcPct val="90000"/>
+              </a:lnSpc>
+              <a:spcBef>
+                <a:spcPts val="1001"/>
+              </a:spcBef>
+              <a:spcAft>
+                <a:spcPts val="0"/>
+              </a:spcAft>
+              <a:buClrTx/>
+              <a:buSzTx/>
+              <a:buFontTx/>
+              <a:buNone/>
+              <a:tabLst/>
+              <a:defRPr/>
+            </a:pPr>
+            <a:endParaRPr kumimoji="0" lang="en-US" sz="2000" b="0" i="0" u="none" strike="noStrike" kern="1200" cap="none" spc="-1" normalizeH="0" baseline="0" noProof="0" dirty="0">
+              <a:ln>
+                <a:noFill/>
+              </a:ln>
+              <a:solidFill>
+                <a:prstClr val="black"/>
+              </a:solidFill>
+              <a:effectLst/>
+              <a:uLnTx/>
+              <a:uFillTx/>
+              <a:latin typeface="Arial"/>
+            </a:endParaRPr>
+          </a:p>
+        </p:txBody>
+      </p:sp>
+      <p:pic>
+        <p:nvPicPr>
+          <p:cNvPr id="302" name="Picture 9"/>
+          <p:cNvPicPr/>
+          <p:nvPr/>
+        </p:nvPicPr>
+        <p:blipFill>
+          <a:blip r:embed="rId3">
+            <a:lum bright="70000" contrast="-70000"/>
+          </a:blip>
+          <a:stretch/>
+        </p:blipFill>
+        <p:spPr>
+          <a:xfrm>
+            <a:off x="11210040" y="829800"/>
+            <a:ext cx="939240" cy="482040"/>
+          </a:xfrm>
+          <a:prstGeom prst="rect">
+            <a:avLst/>
+          </a:prstGeom>
+          <a:ln>
+            <a:noFill/>
+          </a:ln>
+        </p:spPr>
+      </p:pic>
+      <p:sp>
+        <p:nvSpPr>
+          <p:cNvPr id="303" name="CustomShape 5"/>
+          <p:cNvSpPr/>
+          <p:nvPr/>
+        </p:nvSpPr>
+        <p:spPr>
+          <a:xfrm>
+            <a:off x="6400800" y="1385280"/>
+            <a:ext cx="5209920" cy="3838320"/>
+          </a:xfrm>
+          <a:prstGeom prst="rect">
+            <a:avLst/>
+          </a:prstGeom>
+          <a:noFill/>
+          <a:ln>
+            <a:noFill/>
+          </a:ln>
+        </p:spPr>
+        <p:style>
+          <a:lnRef idx="0">
+            <a:scrgbClr r="0" g="0" b="0"/>
+          </a:lnRef>
+          <a:fillRef idx="0">
+            <a:scrgbClr r="0" g="0" b="0"/>
+          </a:fillRef>
+          <a:effectRef idx="0">
+            <a:scrgbClr r="0" g="0" b="0"/>
+          </a:effectRef>
+          <a:fontRef idx="minor"/>
+        </p:style>
+        <p:txBody>
+          <a:bodyPr lIns="90000" tIns="45000" rIns="90000" bIns="45000">
+            <a:normAutofit/>
+          </a:bodyPr>
+          <a:lstStyle/>
+          <a:p>
+            <a:pPr marL="0" marR="0" lvl="0" indent="0" algn="l" defTabSz="914400" rtl="0" eaLnBrk="1" fontAlgn="auto" latinLnBrk="0" hangingPunct="1">
+              <a:lnSpc>
+                <a:spcPct val="100000"/>
+              </a:lnSpc>
+              <a:spcBef>
+                <a:spcPts val="601"/>
+              </a:spcBef>
+              <a:spcAft>
+                <a:spcPts val="0"/>
+              </a:spcAft>
+              <a:buClrTx/>
+              <a:buSzTx/>
+              <a:buFontTx/>
+              <a:buNone/>
+              <a:tabLst/>
+              <a:defRPr/>
+            </a:pPr>
+            <a:endParaRPr kumimoji="0" lang="en-US" sz="1800" b="0" i="0" u="none" strike="noStrike" kern="1200" cap="none" spc="-1" normalizeH="0" baseline="0" noProof="0">
+              <a:ln>
+                <a:noFill/>
+              </a:ln>
+              <a:solidFill>
+                <a:prstClr val="black"/>
+              </a:solidFill>
+              <a:effectLst/>
+              <a:uLnTx/>
+              <a:uFillTx/>
+              <a:latin typeface="Arial"/>
+            </a:endParaRPr>
+          </a:p>
+          <a:p>
+            <a:pPr marL="0" marR="0" lvl="0" indent="0" algn="l" defTabSz="914400" rtl="0" eaLnBrk="1" fontAlgn="auto" latinLnBrk="0" hangingPunct="1">
+              <a:lnSpc>
+                <a:spcPct val="100000"/>
+              </a:lnSpc>
+              <a:spcBef>
+                <a:spcPts val="601"/>
+              </a:spcBef>
+              <a:spcAft>
+                <a:spcPts val="0"/>
+              </a:spcAft>
+              <a:buClrTx/>
+              <a:buSzTx/>
+              <a:buFontTx/>
+              <a:buNone/>
+              <a:tabLst/>
+              <a:defRPr/>
+            </a:pPr>
+            <a:endParaRPr kumimoji="0" lang="en-US" sz="1800" b="0" i="0" u="none" strike="noStrike" kern="1200" cap="none" spc="-1" normalizeH="0" baseline="0" noProof="0">
+              <a:ln>
+                <a:noFill/>
+              </a:ln>
+              <a:solidFill>
+                <a:prstClr val="black"/>
+              </a:solidFill>
+              <a:effectLst/>
+              <a:uLnTx/>
+              <a:uFillTx/>
+              <a:latin typeface="Arial"/>
+            </a:endParaRPr>
+          </a:p>
+          <a:p>
+            <a:pPr marL="0" marR="0" lvl="0" indent="0" algn="l" defTabSz="914400" rtl="0" eaLnBrk="1" fontAlgn="auto" latinLnBrk="0" hangingPunct="1">
+              <a:lnSpc>
+                <a:spcPct val="100000"/>
+              </a:lnSpc>
+              <a:spcBef>
+                <a:spcPts val="601"/>
+              </a:spcBef>
+              <a:spcAft>
+                <a:spcPts val="0"/>
+              </a:spcAft>
+              <a:buClrTx/>
+              <a:buSzTx/>
+              <a:buFontTx/>
+              <a:buNone/>
+              <a:tabLst/>
+              <a:defRPr/>
+            </a:pPr>
+            <a:endParaRPr kumimoji="0" lang="en-US" sz="1800" b="0" i="0" u="none" strike="noStrike" kern="1200" cap="none" spc="-1" normalizeH="0" baseline="0" noProof="0">
+              <a:ln>
+                <a:noFill/>
+              </a:ln>
+              <a:solidFill>
+                <a:prstClr val="black"/>
+              </a:solidFill>
+              <a:effectLst/>
+              <a:uLnTx/>
+              <a:uFillTx/>
+              <a:latin typeface="Arial"/>
+            </a:endParaRPr>
+          </a:p>
+        </p:txBody>
+      </p:sp>
+      <p:sp>
+        <p:nvSpPr>
+          <p:cNvPr id="10" name="Title 1">
+            <a:extLst>
+              <a:ext uri="{FF2B5EF4-FFF2-40B4-BE49-F238E27FC236}">
+                <a16:creationId xmlns:a16="http://schemas.microsoft.com/office/drawing/2014/main" id="{48269178-303C-4722-A7FC-1A4082EDC771}"/>
+              </a:ext>
+            </a:extLst>
+          </p:cNvPr>
+          <p:cNvSpPr txBox="1">
+            <a:spLocks/>
+          </p:cNvSpPr>
+          <p:nvPr/>
+        </p:nvSpPr>
+        <p:spPr>
+          <a:xfrm>
+            <a:off x="-882973" y="2163870"/>
+            <a:ext cx="12328624" cy="3749045"/>
+          </a:xfrm>
+          <a:prstGeom prst="rect">
+            <a:avLst/>
+          </a:prstGeom>
+        </p:spPr>
+        <p:txBody>
+          <a:bodyPr vert="horz" lIns="91440" tIns="45720" rIns="91440" bIns="45720" rtlCol="0" anchor="b">
+            <a:normAutofit/>
+          </a:bodyPr>
+          <a:lstStyle>
+            <a:lvl1pPr algn="ctr" defTabSz="914400" rtl="0" eaLnBrk="1" latinLnBrk="0" hangingPunct="1">
+              <a:lnSpc>
+                <a:spcPct val="90000"/>
+              </a:lnSpc>
+              <a:spcBef>
+                <a:spcPct val="0"/>
+              </a:spcBef>
+              <a:buNone/>
+              <a:defRPr sz="6000" kern="1200">
+                <a:solidFill>
+                  <a:schemeClr val="tx1"/>
+                </a:solidFill>
+                <a:latin typeface="+mj-lt"/>
+                <a:ea typeface="+mj-ea"/>
+                <a:cs typeface="+mj-cs"/>
+              </a:defRPr>
+            </a:lvl1pPr>
+          </a:lstStyle>
+          <a:p>
+            <a:r>
+              <a:rPr lang="en-GB" dirty="0">
+                <a:solidFill>
+                  <a:schemeClr val="bg1"/>
+                </a:solidFill>
+              </a:rPr>
+              <a:t>        </a:t>
+            </a:r>
+          </a:p>
+          <a:p>
+            <a:endParaRPr lang="en-GB" dirty="0">
+              <a:solidFill>
+                <a:schemeClr val="bg1"/>
+              </a:solidFill>
+            </a:endParaRPr>
+          </a:p>
+          <a:p>
+            <a:r>
+              <a:rPr lang="en-GB" dirty="0">
+                <a:solidFill>
+                  <a:schemeClr val="bg1"/>
+                </a:solidFill>
+              </a:rPr>
+              <a:t>                </a:t>
+            </a:r>
+            <a:endParaRPr lang="es-ES" b="1" dirty="0">
+              <a:solidFill>
+                <a:srgbClr val="FFFFFF"/>
+              </a:solidFill>
+            </a:endParaRPr>
+          </a:p>
+        </p:txBody>
+      </p:sp>
+      <p:sp>
+        <p:nvSpPr>
+          <p:cNvPr id="11" name="Rectangle 10">
+            <a:extLst>
+              <a:ext uri="{FF2B5EF4-FFF2-40B4-BE49-F238E27FC236}">
+                <a16:creationId xmlns:a16="http://schemas.microsoft.com/office/drawing/2014/main" id="{DA698FA3-B772-4C77-A6FD-70C416455815}"/>
+              </a:ext>
+            </a:extLst>
+          </p:cNvPr>
+          <p:cNvSpPr/>
+          <p:nvPr/>
+        </p:nvSpPr>
+        <p:spPr>
+          <a:xfrm>
+            <a:off x="511606" y="4626736"/>
+            <a:ext cx="11036740" cy="930420"/>
+          </a:xfrm>
+          <a:prstGeom prst="rect">
+            <a:avLst/>
+          </a:prstGeom>
+          <a:solidFill>
+            <a:schemeClr val="accent2">
+              <a:lumMod val="50000"/>
+            </a:schemeClr>
+          </a:solidFill>
+        </p:spPr>
+        <p:style>
+          <a:lnRef idx="2">
+            <a:schemeClr val="accent1">
+              <a:shade val="50000"/>
+            </a:schemeClr>
+          </a:lnRef>
+          <a:fillRef idx="1">
+            <a:schemeClr val="accent1"/>
+          </a:fillRef>
+          <a:effectRef idx="0">
+            <a:schemeClr val="accent1"/>
+          </a:effectRef>
+          <a:fontRef idx="minor">
+            <a:schemeClr val="lt1"/>
+          </a:fontRef>
+        </p:style>
+        <p:txBody>
+          <a:bodyPr rtlCol="0" anchor="ctr"/>
+          <a:lstStyle/>
+          <a:p>
+            <a:pPr algn="ctr"/>
+            <a:r>
+              <a:rPr lang="es-ES" sz="2400" b="1" dirty="0"/>
+              <a:t>In-</a:t>
+            </a:r>
+            <a:r>
+              <a:rPr lang="es-ES" sz="2400" b="1" dirty="0" err="1"/>
+              <a:t>Memory</a:t>
+            </a:r>
+            <a:r>
+              <a:rPr lang="es-ES" sz="2400" b="1" dirty="0"/>
+              <a:t> DB</a:t>
+            </a:r>
+            <a:r>
+              <a:rPr lang="es-ES" b="1" dirty="0"/>
+              <a:t> </a:t>
+            </a:r>
+            <a:r>
+              <a:rPr lang="es-ES" dirty="0"/>
+              <a:t>(</a:t>
+            </a:r>
+            <a:r>
+              <a:rPr lang="es-ES" dirty="0" err="1"/>
+              <a:t>Dictionaries</a:t>
+            </a:r>
+            <a:r>
+              <a:rPr lang="es-ES" dirty="0"/>
+              <a:t>)</a:t>
+            </a:r>
+            <a:endParaRPr lang="en-GB" dirty="0"/>
+          </a:p>
+        </p:txBody>
+      </p:sp>
+      <p:sp>
+        <p:nvSpPr>
+          <p:cNvPr id="22" name="Rectangle 21">
+            <a:extLst>
+              <a:ext uri="{FF2B5EF4-FFF2-40B4-BE49-F238E27FC236}">
+                <a16:creationId xmlns:a16="http://schemas.microsoft.com/office/drawing/2014/main" id="{942CEC24-5E1D-4CE6-B45D-AD08F2CBCC01}"/>
+              </a:ext>
+            </a:extLst>
+          </p:cNvPr>
+          <p:cNvSpPr/>
+          <p:nvPr/>
+        </p:nvSpPr>
+        <p:spPr>
+          <a:xfrm>
+            <a:off x="207521" y="2258805"/>
+            <a:ext cx="3580340" cy="930420"/>
+          </a:xfrm>
+          <a:prstGeom prst="rect">
+            <a:avLst/>
+          </a:prstGeom>
+          <a:solidFill>
+            <a:schemeClr val="tx1"/>
+          </a:solidFill>
+        </p:spPr>
+        <p:style>
+          <a:lnRef idx="2">
+            <a:schemeClr val="accent1">
+              <a:shade val="50000"/>
+            </a:schemeClr>
+          </a:lnRef>
+          <a:fillRef idx="1">
+            <a:schemeClr val="accent1"/>
+          </a:fillRef>
+          <a:effectRef idx="0">
+            <a:schemeClr val="accent1"/>
+          </a:effectRef>
+          <a:fontRef idx="minor">
+            <a:schemeClr val="lt1"/>
+          </a:fontRef>
+        </p:style>
+        <p:txBody>
+          <a:bodyPr rtlCol="0" anchor="ctr"/>
+          <a:lstStyle/>
+          <a:p>
+            <a:pPr algn="ctr"/>
+            <a:r>
+              <a:rPr lang="es-ES" sz="3200" dirty="0">
+                <a:solidFill>
+                  <a:schemeClr val="bg1"/>
+                </a:solidFill>
+              </a:rPr>
+              <a:t>CRUD</a:t>
+            </a:r>
+            <a:endParaRPr lang="en-GB" sz="3200" dirty="0">
+              <a:solidFill>
+                <a:schemeClr val="bg1"/>
+              </a:solidFill>
+            </a:endParaRPr>
+          </a:p>
+        </p:txBody>
+      </p:sp>
+      <p:sp>
+        <p:nvSpPr>
+          <p:cNvPr id="23" name="Arrow: Down 22">
+            <a:extLst>
+              <a:ext uri="{FF2B5EF4-FFF2-40B4-BE49-F238E27FC236}">
+                <a16:creationId xmlns:a16="http://schemas.microsoft.com/office/drawing/2014/main" id="{943C6F7A-3F00-4A21-817D-5DB13AF42771}"/>
+              </a:ext>
+            </a:extLst>
+          </p:cNvPr>
+          <p:cNvSpPr/>
+          <p:nvPr/>
+        </p:nvSpPr>
+        <p:spPr>
+          <a:xfrm>
+            <a:off x="2930941" y="2688128"/>
+            <a:ext cx="446772" cy="2269251"/>
+          </a:xfrm>
+          <a:prstGeom prst="downArrow">
+            <a:avLst/>
+          </a:prstGeom>
+          <a:solidFill>
+            <a:schemeClr val="bg1"/>
+          </a:solidFill>
+        </p:spPr>
+        <p:style>
+          <a:lnRef idx="2">
+            <a:schemeClr val="accent1">
+              <a:shade val="50000"/>
+            </a:schemeClr>
+          </a:lnRef>
+          <a:fillRef idx="1">
+            <a:schemeClr val="accent1"/>
+          </a:fillRef>
+          <a:effectRef idx="0">
+            <a:schemeClr val="accent1"/>
+          </a:effectRef>
+          <a:fontRef idx="minor">
+            <a:schemeClr val="lt1"/>
+          </a:fontRef>
+        </p:style>
+        <p:txBody>
+          <a:bodyPr rtlCol="0" anchor="ctr"/>
+          <a:lstStyle/>
+          <a:p>
+            <a:pPr algn="ctr"/>
+            <a:endParaRPr lang="en-GB" dirty="0"/>
+          </a:p>
+        </p:txBody>
+      </p:sp>
+      <p:sp>
+        <p:nvSpPr>
+          <p:cNvPr id="24" name="Rectangle 23">
+            <a:extLst>
+              <a:ext uri="{FF2B5EF4-FFF2-40B4-BE49-F238E27FC236}">
+                <a16:creationId xmlns:a16="http://schemas.microsoft.com/office/drawing/2014/main" id="{CE8C603C-19B9-45EC-AB99-6B05470557E3}"/>
+              </a:ext>
+            </a:extLst>
+          </p:cNvPr>
+          <p:cNvSpPr/>
+          <p:nvPr/>
+        </p:nvSpPr>
+        <p:spPr>
+          <a:xfrm>
+            <a:off x="7968006" y="2243269"/>
+            <a:ext cx="3580340" cy="930420"/>
+          </a:xfrm>
+          <a:prstGeom prst="rect">
+            <a:avLst/>
+          </a:prstGeom>
+          <a:solidFill>
+            <a:schemeClr val="tx1"/>
+          </a:solidFill>
+        </p:spPr>
+        <p:style>
+          <a:lnRef idx="2">
+            <a:schemeClr val="accent1">
+              <a:shade val="50000"/>
+            </a:schemeClr>
+          </a:lnRef>
+          <a:fillRef idx="1">
+            <a:schemeClr val="accent1"/>
+          </a:fillRef>
+          <a:effectRef idx="0">
+            <a:schemeClr val="accent1"/>
+          </a:effectRef>
+          <a:fontRef idx="minor">
+            <a:schemeClr val="lt1"/>
+          </a:fontRef>
+        </p:style>
+        <p:txBody>
+          <a:bodyPr rtlCol="0" anchor="ctr"/>
+          <a:lstStyle/>
+          <a:p>
+            <a:pPr algn="ctr"/>
+            <a:r>
+              <a:rPr lang="es-ES" sz="3200" dirty="0" err="1">
+                <a:solidFill>
+                  <a:schemeClr val="bg1"/>
+                </a:solidFill>
+              </a:rPr>
+              <a:t>OrgSvcMessages</a:t>
+            </a:r>
+            <a:endParaRPr lang="en-GB" sz="3200" dirty="0">
+              <a:solidFill>
+                <a:schemeClr val="bg1"/>
+              </a:solidFill>
+            </a:endParaRPr>
+          </a:p>
+        </p:txBody>
+      </p:sp>
+      <p:sp>
+        <p:nvSpPr>
+          <p:cNvPr id="25" name="Arrow: Down 24">
+            <a:extLst>
+              <a:ext uri="{FF2B5EF4-FFF2-40B4-BE49-F238E27FC236}">
+                <a16:creationId xmlns:a16="http://schemas.microsoft.com/office/drawing/2014/main" id="{A13DD00F-392B-4D99-994A-722D457B3EAE}"/>
+              </a:ext>
+            </a:extLst>
+          </p:cNvPr>
+          <p:cNvSpPr/>
+          <p:nvPr/>
+        </p:nvSpPr>
+        <p:spPr>
+          <a:xfrm>
+            <a:off x="10783428" y="3010658"/>
+            <a:ext cx="446772" cy="2002983"/>
+          </a:xfrm>
+          <a:prstGeom prst="downArrow">
+            <a:avLst/>
+          </a:prstGeom>
+          <a:solidFill>
+            <a:schemeClr val="bg1"/>
+          </a:solidFill>
+        </p:spPr>
+        <p:style>
+          <a:lnRef idx="2">
+            <a:schemeClr val="accent1">
+              <a:shade val="50000"/>
+            </a:schemeClr>
+          </a:lnRef>
+          <a:fillRef idx="1">
+            <a:schemeClr val="accent1"/>
+          </a:fillRef>
+          <a:effectRef idx="0">
+            <a:schemeClr val="accent1"/>
+          </a:effectRef>
+          <a:fontRef idx="minor">
+            <a:schemeClr val="lt1"/>
+          </a:fontRef>
+        </p:style>
+        <p:txBody>
+          <a:bodyPr rtlCol="0" anchor="ctr"/>
+          <a:lstStyle/>
+          <a:p>
+            <a:pPr algn="ctr"/>
+            <a:endParaRPr lang="en-GB" dirty="0"/>
+          </a:p>
+        </p:txBody>
+      </p:sp>
+      <p:sp>
+        <p:nvSpPr>
+          <p:cNvPr id="26" name="Rectangle 25">
+            <a:extLst>
+              <a:ext uri="{FF2B5EF4-FFF2-40B4-BE49-F238E27FC236}">
+                <a16:creationId xmlns:a16="http://schemas.microsoft.com/office/drawing/2014/main" id="{E2710A75-AAB2-48D5-81E4-0216CDB34438}"/>
+              </a:ext>
+            </a:extLst>
+          </p:cNvPr>
+          <p:cNvSpPr/>
+          <p:nvPr/>
+        </p:nvSpPr>
+        <p:spPr>
+          <a:xfrm>
+            <a:off x="4159841" y="2258805"/>
+            <a:ext cx="3580340" cy="930420"/>
+          </a:xfrm>
+          <a:prstGeom prst="rect">
+            <a:avLst/>
+          </a:prstGeom>
+          <a:solidFill>
+            <a:schemeClr val="tx1"/>
+          </a:solidFill>
+        </p:spPr>
+        <p:style>
+          <a:lnRef idx="2">
+            <a:schemeClr val="accent1">
+              <a:shade val="50000"/>
+            </a:schemeClr>
+          </a:lnRef>
+          <a:fillRef idx="1">
+            <a:schemeClr val="accent1"/>
+          </a:fillRef>
+          <a:effectRef idx="0">
+            <a:schemeClr val="accent1"/>
+          </a:effectRef>
+          <a:fontRef idx="minor">
+            <a:schemeClr val="lt1"/>
+          </a:fontRef>
+        </p:style>
+        <p:txBody>
+          <a:bodyPr rtlCol="0" anchor="ctr"/>
+          <a:lstStyle/>
+          <a:p>
+            <a:pPr algn="ctr"/>
+            <a:r>
+              <a:rPr lang="es-ES" sz="3200" dirty="0" err="1">
+                <a:solidFill>
+                  <a:schemeClr val="bg1"/>
+                </a:solidFill>
+              </a:rPr>
+              <a:t>Query</a:t>
+            </a:r>
+            <a:r>
+              <a:rPr lang="es-ES" sz="3200" dirty="0">
+                <a:solidFill>
+                  <a:schemeClr val="bg1"/>
+                </a:solidFill>
+              </a:rPr>
+              <a:t> </a:t>
+            </a:r>
+            <a:r>
+              <a:rPr lang="es-ES" sz="3200" dirty="0" err="1">
+                <a:solidFill>
+                  <a:schemeClr val="bg1"/>
+                </a:solidFill>
+              </a:rPr>
+              <a:t>Engine</a:t>
+            </a:r>
+            <a:endParaRPr lang="en-GB" sz="3200" dirty="0">
+              <a:solidFill>
+                <a:schemeClr val="bg1"/>
+              </a:solidFill>
+            </a:endParaRPr>
+          </a:p>
+        </p:txBody>
+      </p:sp>
+      <p:sp>
+        <p:nvSpPr>
+          <p:cNvPr id="27" name="Arrow: Down 26">
+            <a:extLst>
+              <a:ext uri="{FF2B5EF4-FFF2-40B4-BE49-F238E27FC236}">
+                <a16:creationId xmlns:a16="http://schemas.microsoft.com/office/drawing/2014/main" id="{644E884F-383B-415C-A85B-85C0FEEBEB63}"/>
+              </a:ext>
+            </a:extLst>
+          </p:cNvPr>
+          <p:cNvSpPr/>
+          <p:nvPr/>
+        </p:nvSpPr>
+        <p:spPr>
+          <a:xfrm>
+            <a:off x="5787426" y="3010658"/>
+            <a:ext cx="446772" cy="1864317"/>
+          </a:xfrm>
+          <a:prstGeom prst="downArrow">
+            <a:avLst/>
+          </a:prstGeom>
+          <a:solidFill>
+            <a:schemeClr val="bg1"/>
+          </a:solidFill>
+        </p:spPr>
+        <p:style>
+          <a:lnRef idx="2">
+            <a:schemeClr val="accent1">
+              <a:shade val="50000"/>
+            </a:schemeClr>
+          </a:lnRef>
+          <a:fillRef idx="1">
+            <a:schemeClr val="accent1"/>
+          </a:fillRef>
+          <a:effectRef idx="0">
+            <a:schemeClr val="accent1"/>
+          </a:effectRef>
+          <a:fontRef idx="minor">
+            <a:schemeClr val="lt1"/>
+          </a:fontRef>
+        </p:style>
+        <p:txBody>
+          <a:bodyPr rtlCol="0" anchor="ctr"/>
+          <a:lstStyle/>
+          <a:p>
+            <a:pPr algn="ctr"/>
+            <a:endParaRPr lang="en-GB" dirty="0"/>
+          </a:p>
+        </p:txBody>
+      </p:sp>
+    </p:spTree>
+    <p:extLst>
+      <p:ext uri="{BB962C8B-B14F-4D97-AF65-F5344CB8AC3E}">
+        <p14:creationId xmlns:p14="http://schemas.microsoft.com/office/powerpoint/2010/main" val="3700037864"/>
+      </p:ext>
+    </p:extLst>
+  </p:cSld>
+  <p:clrMapOvr>
+    <a:masterClrMapping/>
+  </p:clrMapOvr>
+  <p:timing>
+    <p:tnLst>
+      <p:par>
+        <p:cTn id="1" dur="indefinite" restart="never" nodeType="tmRoot">
+          <p:childTnLst>
+            <p:seq>
+              <p:cTn id="2" dur="indefinite" nodeType="mainSeq"/>
+              <p:prevCondLst>
+                <p:cond evt="onPrev" delay="0">
+                  <p:tgtEl>
+                    <p:sldTgt/>
+                  </p:tgtEl>
+                </p:cond>
+              </p:prevCondLst>
+              <p:nextCondLst>
+                <p:cond evt="onNext" delay="0">
+                  <p:tgtEl>
+                    <p:sldTgt/>
+                  </p:tgtEl>
+                </p:cond>
+              </p:nextCondLst>
+            </p:seq>
+          </p:childTnLst>
+        </p:cTn>
+      </p:par>
+    </p:tnLst>
+  </p:timing>
+</p:sld>
+</file>
+
+<file path=ppt/slides/slide11.xml><?xml version="1.0" encoding="utf-8"?>
+<p:sld xmlns:a="http://schemas.openxmlformats.org/drawingml/2006/main" xmlns:r="http://schemas.openxmlformats.org/officeDocument/2006/relationships" xmlns:p="http://schemas.openxmlformats.org/presentationml/2006/main">
+  <p:cSld>
+    <p:spTree>
+      <p:nvGrpSpPr>
+        <p:cNvPr id="1" name=""/>
+        <p:cNvGrpSpPr/>
+        <p:nvPr/>
+      </p:nvGrpSpPr>
+      <p:grpSpPr>
+        <a:xfrm>
+          <a:off x="0" y="0"/>
+          <a:ext cx="0" cy="0"/>
+          <a:chOff x="0" y="0"/>
+          <a:chExt cx="0" cy="0"/>
+        </a:xfrm>
+      </p:grpSpPr>
+      <p:sp>
+        <p:nvSpPr>
+          <p:cNvPr id="2" name="Rectangle 1">
+            <a:extLst>
+              <a:ext uri="{FF2B5EF4-FFF2-40B4-BE49-F238E27FC236}">
+                <a16:creationId xmlns:a16="http://schemas.microsoft.com/office/drawing/2014/main" id="{0A19AC19-DFD2-4B92-B26A-EECB7D079130}"/>
+              </a:ext>
+            </a:extLst>
+          </p:cNvPr>
+          <p:cNvSpPr/>
+          <p:nvPr/>
+        </p:nvSpPr>
+        <p:spPr>
+          <a:xfrm>
+            <a:off x="949141" y="1237939"/>
+            <a:ext cx="2090571" cy="2307455"/>
+          </a:xfrm>
+          <a:prstGeom prst="rect">
+            <a:avLst/>
+          </a:prstGeom>
+          <a:solidFill>
+            <a:schemeClr val="bg1"/>
+          </a:solidFill>
+          <a:ln>
+            <a:noFill/>
+          </a:ln>
+        </p:spPr>
+        <p:style>
+          <a:lnRef idx="2">
+            <a:schemeClr val="accent1">
+              <a:shade val="50000"/>
+            </a:schemeClr>
+          </a:lnRef>
+          <a:fillRef idx="1">
+            <a:schemeClr val="accent1"/>
+          </a:fillRef>
+          <a:effectRef idx="0">
+            <a:schemeClr val="accent1"/>
+          </a:effectRef>
+          <a:fontRef idx="minor">
+            <a:schemeClr val="lt1"/>
+          </a:fontRef>
+        </p:style>
+        <p:txBody>
+          <a:bodyPr rtlCol="0" anchor="ctr"/>
+          <a:lstStyle/>
+          <a:p>
+            <a:pPr algn="ctr"/>
+            <a:endParaRPr lang="en-US"/>
+          </a:p>
+        </p:txBody>
+      </p:sp>
+      <p:sp>
+        <p:nvSpPr>
+          <p:cNvPr id="298" name="CustomShape 1"/>
+          <p:cNvSpPr/>
+          <p:nvPr/>
+        </p:nvSpPr>
+        <p:spPr>
+          <a:xfrm>
+            <a:off x="42405" y="-26895"/>
+            <a:ext cx="8091981" cy="1533960"/>
+          </a:xfrm>
+          <a:prstGeom prst="rect">
+            <a:avLst/>
+          </a:prstGeom>
+          <a:noFill/>
+          <a:ln>
+            <a:noFill/>
+          </a:ln>
+        </p:spPr>
+        <p:style>
+          <a:lnRef idx="0">
+            <a:scrgbClr r="0" g="0" b="0"/>
+          </a:lnRef>
+          <a:fillRef idx="0">
+            <a:scrgbClr r="0" g="0" b="0"/>
+          </a:fillRef>
+          <a:effectRef idx="0">
+            <a:scrgbClr r="0" g="0" b="0"/>
+          </a:effectRef>
+          <a:fontRef idx="minor"/>
+        </p:style>
+        <p:txBody>
+          <a:bodyPr lIns="90000" tIns="45000" rIns="90000" bIns="45000" anchor="ctr"/>
+          <a:lstStyle/>
+          <a:p>
+            <a:pPr marL="0" marR="0" lvl="0" indent="0" algn="l" defTabSz="914400" rtl="0" eaLnBrk="1" fontAlgn="auto" latinLnBrk="0" hangingPunct="1">
+              <a:lnSpc>
+                <a:spcPct val="90000"/>
+              </a:lnSpc>
+              <a:spcBef>
+                <a:spcPts val="0"/>
+              </a:spcBef>
+              <a:spcAft>
+                <a:spcPts val="0"/>
+              </a:spcAft>
+              <a:buClrTx/>
+              <a:buSzTx/>
+              <a:buFontTx/>
+              <a:buNone/>
+              <a:tabLst/>
+              <a:defRPr/>
+            </a:pPr>
+            <a:r>
+              <a:rPr kumimoji="0" lang="en-US" sz="4000" b="1" i="0" u="none" strike="noStrike" kern="1200" cap="none" spc="-1" normalizeH="0" baseline="0" noProof="0" dirty="0" err="1">
+                <a:ln>
+                  <a:noFill/>
+                </a:ln>
+                <a:solidFill>
+                  <a:srgbClr val="BE005A"/>
+                </a:solidFill>
+                <a:effectLst/>
+                <a:uLnTx/>
+                <a:uFillTx/>
+                <a:latin typeface="Avenir Next LT Pro"/>
+                <a:ea typeface="DejaVu Sans"/>
+              </a:rPr>
+              <a:t>FakeXrmEasy</a:t>
+            </a:r>
+            <a:r>
+              <a:rPr kumimoji="0" lang="en-US" sz="4000" b="1" i="0" u="none" strike="noStrike" kern="1200" cap="none" spc="-1" normalizeH="0" baseline="0" noProof="0" dirty="0">
+                <a:ln>
+                  <a:noFill/>
+                </a:ln>
+                <a:solidFill>
+                  <a:srgbClr val="BE005A"/>
+                </a:solidFill>
+                <a:effectLst/>
+                <a:uLnTx/>
+                <a:uFillTx/>
+                <a:latin typeface="Avenir Next LT Pro"/>
+                <a:ea typeface="DejaVu Sans"/>
+              </a:rPr>
+              <a:t> Overview II</a:t>
+            </a:r>
+            <a:endParaRPr kumimoji="0" lang="en-US" sz="4000" b="0" i="0" u="none" strike="noStrike" kern="1200" cap="none" spc="-1" normalizeH="0" baseline="0" noProof="0" dirty="0">
+              <a:ln>
+                <a:noFill/>
+              </a:ln>
+              <a:solidFill>
+                <a:prstClr val="black"/>
+              </a:solidFill>
+              <a:effectLst/>
+              <a:uLnTx/>
+              <a:uFillTx/>
+              <a:latin typeface="Arial"/>
+            </a:endParaRPr>
+          </a:p>
+        </p:txBody>
+      </p:sp>
+      <p:sp>
+        <p:nvSpPr>
+          <p:cNvPr id="299" name="CustomShape 2"/>
+          <p:cNvSpPr/>
+          <p:nvPr/>
+        </p:nvSpPr>
+        <p:spPr>
+          <a:xfrm>
+            <a:off x="614880" y="6187680"/>
+            <a:ext cx="3254040" cy="362520"/>
+          </a:xfrm>
+          <a:prstGeom prst="rect">
+            <a:avLst/>
+          </a:prstGeom>
+          <a:noFill/>
+          <a:ln>
+            <a:noFill/>
+          </a:ln>
+        </p:spPr>
+        <p:style>
+          <a:lnRef idx="0">
+            <a:scrgbClr r="0" g="0" b="0"/>
+          </a:lnRef>
+          <a:fillRef idx="0">
+            <a:scrgbClr r="0" g="0" b="0"/>
+          </a:fillRef>
+          <a:effectRef idx="0">
+            <a:scrgbClr r="0" g="0" b="0"/>
+          </a:effectRef>
+          <a:fontRef idx="minor"/>
+        </p:style>
+        <p:txBody>
+          <a:bodyPr lIns="90000" tIns="45000" rIns="90000" bIns="45000" anchor="ctr"/>
+          <a:lstStyle/>
+          <a:p>
+            <a:pPr marL="0" marR="0" lvl="0" indent="0" algn="l" defTabSz="914400" rtl="0" eaLnBrk="1" fontAlgn="auto" latinLnBrk="0" hangingPunct="1">
+              <a:lnSpc>
+                <a:spcPct val="100000"/>
+              </a:lnSpc>
+              <a:spcBef>
+                <a:spcPts val="0"/>
+              </a:spcBef>
+              <a:spcAft>
+                <a:spcPts val="0"/>
+              </a:spcAft>
+              <a:buClrTx/>
+              <a:buSzTx/>
+              <a:buFontTx/>
+              <a:buNone/>
+              <a:tabLst/>
+              <a:defRPr/>
+            </a:pPr>
+            <a:r>
+              <a:rPr kumimoji="0" lang="en-US" sz="1200" b="0" i="1" u="none" strike="noStrike" kern="1200" cap="none" spc="-1" normalizeH="0" baseline="0" noProof="0">
+                <a:ln>
+                  <a:noFill/>
+                </a:ln>
+                <a:solidFill>
+                  <a:srgbClr val="3B2CAC"/>
+                </a:solidFill>
+                <a:effectLst/>
+                <a:uLnTx/>
+                <a:uFillTx/>
+                <a:latin typeface="Speak Pro"/>
+                <a:ea typeface="DejaVu Sans"/>
+              </a:rPr>
+              <a:t>What’s new in FakeXrmEasy v2.x</a:t>
+            </a:r>
+            <a:endParaRPr kumimoji="0" lang="en-US" sz="1200" b="0" i="0" u="none" strike="noStrike" kern="1200" cap="none" spc="-1" normalizeH="0" baseline="0" noProof="0">
+              <a:ln>
+                <a:noFill/>
+              </a:ln>
+              <a:solidFill>
+                <a:prstClr val="black"/>
+              </a:solidFill>
+              <a:effectLst/>
+              <a:uLnTx/>
+              <a:uFillTx/>
+              <a:latin typeface="Arial"/>
+            </a:endParaRPr>
+          </a:p>
+        </p:txBody>
+      </p:sp>
+      <p:sp>
+        <p:nvSpPr>
+          <p:cNvPr id="300" name="CustomShape 3"/>
+          <p:cNvSpPr/>
+          <p:nvPr/>
+        </p:nvSpPr>
+        <p:spPr>
+          <a:xfrm>
+            <a:off x="8849880" y="6187680"/>
+            <a:ext cx="2740680" cy="362520"/>
+          </a:xfrm>
+          <a:prstGeom prst="rect">
+            <a:avLst/>
+          </a:prstGeom>
+          <a:noFill/>
+          <a:ln>
+            <a:noFill/>
+          </a:ln>
+        </p:spPr>
+        <p:style>
+          <a:lnRef idx="0">
+            <a:scrgbClr r="0" g="0" b="0"/>
+          </a:lnRef>
+          <a:fillRef idx="0">
+            <a:scrgbClr r="0" g="0" b="0"/>
+          </a:fillRef>
+          <a:effectRef idx="0">
+            <a:scrgbClr r="0" g="0" b="0"/>
+          </a:effectRef>
+          <a:fontRef idx="minor"/>
+        </p:style>
+        <p:txBody>
+          <a:bodyPr lIns="90000" tIns="45000" rIns="90000" bIns="45000" anchor="ctr"/>
+          <a:lstStyle/>
+          <a:p>
+            <a:pPr marL="0" marR="0" lvl="0" indent="0" algn="r" defTabSz="914400" rtl="0" eaLnBrk="1" fontAlgn="auto" latinLnBrk="0" hangingPunct="1">
+              <a:lnSpc>
+                <a:spcPct val="100000"/>
+              </a:lnSpc>
+              <a:spcBef>
+                <a:spcPts val="0"/>
+              </a:spcBef>
+              <a:spcAft>
+                <a:spcPts val="0"/>
+              </a:spcAft>
+              <a:buClrTx/>
+              <a:buSzTx/>
+              <a:buFontTx/>
+              <a:buNone/>
+              <a:tabLst/>
+              <a:defRPr/>
+            </a:pPr>
+            <a:fld id="{4C2995D3-8C24-48C6-9F78-0D1D23F82B58}" type="slidenum">
+              <a:rPr kumimoji="0" lang="en-US" sz="1200" b="0" i="1" u="none" strike="noStrike" kern="1200" cap="none" spc="-1" normalizeH="0" baseline="0" noProof="0">
+                <a:ln>
+                  <a:noFill/>
+                </a:ln>
+                <a:solidFill>
+                  <a:srgbClr val="FFCD6B"/>
+                </a:solidFill>
+                <a:effectLst/>
+                <a:uLnTx/>
+                <a:uFillTx/>
+                <a:latin typeface="Speak Pro"/>
+                <a:ea typeface="DejaVu Sans"/>
+              </a:rPr>
+              <a:pPr marL="0" marR="0" lvl="0" indent="0" algn="r" defTabSz="914400" rtl="0" eaLnBrk="1" fontAlgn="auto" latinLnBrk="0" hangingPunct="1">
+                <a:lnSpc>
+                  <a:spcPct val="100000"/>
+                </a:lnSpc>
+                <a:spcBef>
+                  <a:spcPts val="0"/>
+                </a:spcBef>
+                <a:spcAft>
+                  <a:spcPts val="0"/>
+                </a:spcAft>
+                <a:buClrTx/>
+                <a:buSzTx/>
+                <a:buFontTx/>
+                <a:buNone/>
+                <a:tabLst/>
+                <a:defRPr/>
+              </a:pPr>
+              <a:t>11</a:t>
+            </a:fld>
+            <a:endParaRPr kumimoji="0" lang="en-US" sz="1200" b="0" i="0" u="none" strike="noStrike" kern="1200" cap="none" spc="-1" normalizeH="0" baseline="0" noProof="0">
+              <a:ln>
+                <a:noFill/>
+              </a:ln>
+              <a:solidFill>
+                <a:prstClr val="black"/>
+              </a:solidFill>
+              <a:effectLst/>
+              <a:uLnTx/>
+              <a:uFillTx/>
+              <a:latin typeface="Arial"/>
+            </a:endParaRPr>
+          </a:p>
+        </p:txBody>
+      </p:sp>
+      <p:sp>
+        <p:nvSpPr>
+          <p:cNvPr id="301" name="CustomShape 4"/>
+          <p:cNvSpPr/>
+          <p:nvPr/>
+        </p:nvSpPr>
+        <p:spPr>
+          <a:xfrm>
+            <a:off x="1554592" y="3276209"/>
+            <a:ext cx="4141080" cy="690120"/>
+          </a:xfrm>
+          <a:prstGeom prst="rect">
+            <a:avLst/>
+          </a:prstGeom>
+          <a:noFill/>
+          <a:ln>
+            <a:noFill/>
+          </a:ln>
+        </p:spPr>
+        <p:style>
+          <a:lnRef idx="0">
+            <a:scrgbClr r="0" g="0" b="0"/>
+          </a:lnRef>
+          <a:fillRef idx="0">
+            <a:scrgbClr r="0" g="0" b="0"/>
+          </a:fillRef>
+          <a:effectRef idx="0">
+            <a:scrgbClr r="0" g="0" b="0"/>
+          </a:effectRef>
+          <a:fontRef idx="minor"/>
+        </p:style>
+        <p:txBody>
+          <a:bodyPr lIns="90000" tIns="45000" rIns="90000" bIns="45000"/>
+          <a:lstStyle/>
+          <a:p>
+            <a:pPr marL="0" marR="0" lvl="0" indent="0" algn="l" defTabSz="914400" rtl="0" eaLnBrk="1" fontAlgn="auto" latinLnBrk="0" hangingPunct="1">
+              <a:lnSpc>
+                <a:spcPct val="90000"/>
+              </a:lnSpc>
+              <a:spcBef>
+                <a:spcPts val="1001"/>
+              </a:spcBef>
+              <a:spcAft>
+                <a:spcPts val="0"/>
+              </a:spcAft>
+              <a:buClrTx/>
+              <a:buSzTx/>
+              <a:buFontTx/>
+              <a:buNone/>
+              <a:tabLst/>
+              <a:defRPr/>
+            </a:pPr>
+            <a:endParaRPr kumimoji="0" lang="en-US" sz="2000" b="0" i="0" u="none" strike="noStrike" kern="1200" cap="none" spc="-1" normalizeH="0" baseline="0" noProof="0" dirty="0">
+              <a:ln>
+                <a:noFill/>
+              </a:ln>
+              <a:solidFill>
+                <a:prstClr val="black"/>
+              </a:solidFill>
+              <a:effectLst/>
+              <a:uLnTx/>
+              <a:uFillTx/>
+              <a:latin typeface="Arial"/>
+            </a:endParaRPr>
+          </a:p>
+        </p:txBody>
+      </p:sp>
+      <p:pic>
+        <p:nvPicPr>
+          <p:cNvPr id="302" name="Picture 9"/>
+          <p:cNvPicPr/>
+          <p:nvPr/>
+        </p:nvPicPr>
+        <p:blipFill>
+          <a:blip r:embed="rId2">
+            <a:lum bright="70000" contrast="-70000"/>
+          </a:blip>
+          <a:stretch/>
+        </p:blipFill>
+        <p:spPr>
+          <a:xfrm>
+            <a:off x="11210040" y="829800"/>
+            <a:ext cx="939240" cy="482040"/>
+          </a:xfrm>
+          <a:prstGeom prst="rect">
+            <a:avLst/>
+          </a:prstGeom>
+          <a:ln>
+            <a:noFill/>
+          </a:ln>
+        </p:spPr>
+      </p:pic>
+      <p:sp>
+        <p:nvSpPr>
+          <p:cNvPr id="303" name="CustomShape 5"/>
+          <p:cNvSpPr/>
+          <p:nvPr/>
+        </p:nvSpPr>
+        <p:spPr>
+          <a:xfrm>
+            <a:off x="6400800" y="1385280"/>
+            <a:ext cx="5209920" cy="3838320"/>
+          </a:xfrm>
+          <a:prstGeom prst="rect">
+            <a:avLst/>
+          </a:prstGeom>
+          <a:noFill/>
+          <a:ln>
+            <a:noFill/>
+          </a:ln>
+        </p:spPr>
+        <p:style>
+          <a:lnRef idx="0">
+            <a:scrgbClr r="0" g="0" b="0"/>
+          </a:lnRef>
+          <a:fillRef idx="0">
+            <a:scrgbClr r="0" g="0" b="0"/>
+          </a:fillRef>
+          <a:effectRef idx="0">
+            <a:scrgbClr r="0" g="0" b="0"/>
+          </a:effectRef>
+          <a:fontRef idx="minor"/>
+        </p:style>
+        <p:txBody>
+          <a:bodyPr lIns="90000" tIns="45000" rIns="90000" bIns="45000">
+            <a:normAutofit/>
+          </a:bodyPr>
+          <a:lstStyle/>
+          <a:p>
+            <a:pPr marL="0" marR="0" lvl="0" indent="0" algn="l" defTabSz="914400" rtl="0" eaLnBrk="1" fontAlgn="auto" latinLnBrk="0" hangingPunct="1">
+              <a:lnSpc>
+                <a:spcPct val="100000"/>
+              </a:lnSpc>
+              <a:spcBef>
+                <a:spcPts val="601"/>
+              </a:spcBef>
+              <a:spcAft>
+                <a:spcPts val="0"/>
+              </a:spcAft>
+              <a:buClrTx/>
+              <a:buSzTx/>
+              <a:buFontTx/>
+              <a:buNone/>
+              <a:tabLst/>
+              <a:defRPr/>
+            </a:pPr>
+            <a:endParaRPr kumimoji="0" lang="en-US" sz="1800" b="0" i="0" u="none" strike="noStrike" kern="1200" cap="none" spc="-1" normalizeH="0" baseline="0" noProof="0">
+              <a:ln>
+                <a:noFill/>
+              </a:ln>
+              <a:solidFill>
+                <a:prstClr val="black"/>
+              </a:solidFill>
+              <a:effectLst/>
+              <a:uLnTx/>
+              <a:uFillTx/>
+              <a:latin typeface="Arial"/>
+            </a:endParaRPr>
+          </a:p>
+          <a:p>
+            <a:pPr marL="0" marR="0" lvl="0" indent="0" algn="l" defTabSz="914400" rtl="0" eaLnBrk="1" fontAlgn="auto" latinLnBrk="0" hangingPunct="1">
+              <a:lnSpc>
+                <a:spcPct val="100000"/>
+              </a:lnSpc>
+              <a:spcBef>
+                <a:spcPts val="601"/>
+              </a:spcBef>
+              <a:spcAft>
+                <a:spcPts val="0"/>
+              </a:spcAft>
+              <a:buClrTx/>
+              <a:buSzTx/>
+              <a:buFontTx/>
+              <a:buNone/>
+              <a:tabLst/>
+              <a:defRPr/>
+            </a:pPr>
+            <a:endParaRPr kumimoji="0" lang="en-US" sz="1800" b="0" i="0" u="none" strike="noStrike" kern="1200" cap="none" spc="-1" normalizeH="0" baseline="0" noProof="0">
+              <a:ln>
+                <a:noFill/>
+              </a:ln>
+              <a:solidFill>
+                <a:prstClr val="black"/>
+              </a:solidFill>
+              <a:effectLst/>
+              <a:uLnTx/>
+              <a:uFillTx/>
+              <a:latin typeface="Arial"/>
+            </a:endParaRPr>
+          </a:p>
+          <a:p>
+            <a:pPr marL="0" marR="0" lvl="0" indent="0" algn="l" defTabSz="914400" rtl="0" eaLnBrk="1" fontAlgn="auto" latinLnBrk="0" hangingPunct="1">
+              <a:lnSpc>
+                <a:spcPct val="100000"/>
+              </a:lnSpc>
+              <a:spcBef>
+                <a:spcPts val="601"/>
+              </a:spcBef>
+              <a:spcAft>
+                <a:spcPts val="0"/>
+              </a:spcAft>
+              <a:buClrTx/>
+              <a:buSzTx/>
+              <a:buFontTx/>
+              <a:buNone/>
+              <a:tabLst/>
+              <a:defRPr/>
+            </a:pPr>
+            <a:endParaRPr kumimoji="0" lang="en-US" sz="1800" b="0" i="0" u="none" strike="noStrike" kern="1200" cap="none" spc="-1" normalizeH="0" baseline="0" noProof="0">
+              <a:ln>
+                <a:noFill/>
+              </a:ln>
+              <a:solidFill>
+                <a:prstClr val="black"/>
+              </a:solidFill>
+              <a:effectLst/>
+              <a:uLnTx/>
+              <a:uFillTx/>
+              <a:latin typeface="Arial"/>
+            </a:endParaRPr>
+          </a:p>
+        </p:txBody>
+      </p:sp>
+      <p:sp>
+        <p:nvSpPr>
+          <p:cNvPr id="9" name="Rectangle 8">
+            <a:extLst>
+              <a:ext uri="{FF2B5EF4-FFF2-40B4-BE49-F238E27FC236}">
+                <a16:creationId xmlns:a16="http://schemas.microsoft.com/office/drawing/2014/main" id="{10D1D636-7FE6-45A6-A39A-47011103400C}"/>
+              </a:ext>
+            </a:extLst>
+          </p:cNvPr>
+          <p:cNvSpPr/>
+          <p:nvPr/>
+        </p:nvSpPr>
+        <p:spPr>
+          <a:xfrm>
+            <a:off x="3988214" y="3082081"/>
+            <a:ext cx="3580340" cy="930420"/>
+          </a:xfrm>
+          <a:prstGeom prst="rect">
+            <a:avLst/>
+          </a:prstGeom>
+          <a:solidFill>
+            <a:schemeClr val="tx1"/>
+          </a:solidFill>
+        </p:spPr>
+        <p:style>
+          <a:lnRef idx="2">
+            <a:schemeClr val="accent1">
+              <a:shade val="50000"/>
+            </a:schemeClr>
+          </a:lnRef>
+          <a:fillRef idx="1">
+            <a:schemeClr val="accent1"/>
+          </a:fillRef>
+          <a:effectRef idx="0">
+            <a:schemeClr val="accent1"/>
+          </a:effectRef>
+          <a:fontRef idx="minor">
+            <a:schemeClr val="lt1"/>
+          </a:fontRef>
+        </p:style>
+        <p:txBody>
+          <a:bodyPr rtlCol="0" anchor="ctr"/>
+          <a:lstStyle/>
+          <a:p>
+            <a:pPr algn="ctr"/>
+            <a:r>
+              <a:rPr lang="es-ES" sz="3200" dirty="0" err="1">
+                <a:solidFill>
+                  <a:schemeClr val="bg1"/>
+                </a:solidFill>
+              </a:rPr>
+              <a:t>QueryExpression</a:t>
+            </a:r>
+            <a:endParaRPr lang="en-GB" sz="3200" dirty="0">
+              <a:solidFill>
+                <a:schemeClr val="bg1"/>
+              </a:solidFill>
+            </a:endParaRPr>
+          </a:p>
+        </p:txBody>
+      </p:sp>
+      <p:sp>
+        <p:nvSpPr>
+          <p:cNvPr id="10" name="Title 1">
+            <a:extLst>
+              <a:ext uri="{FF2B5EF4-FFF2-40B4-BE49-F238E27FC236}">
+                <a16:creationId xmlns:a16="http://schemas.microsoft.com/office/drawing/2014/main" id="{48269178-303C-4722-A7FC-1A4082EDC771}"/>
+              </a:ext>
+            </a:extLst>
+          </p:cNvPr>
+          <p:cNvSpPr txBox="1">
+            <a:spLocks/>
+          </p:cNvSpPr>
+          <p:nvPr/>
+        </p:nvSpPr>
+        <p:spPr>
+          <a:xfrm>
+            <a:off x="-882973" y="2163870"/>
+            <a:ext cx="12328624" cy="3749045"/>
+          </a:xfrm>
+          <a:prstGeom prst="rect">
+            <a:avLst/>
+          </a:prstGeom>
+        </p:spPr>
+        <p:txBody>
+          <a:bodyPr vert="horz" lIns="91440" tIns="45720" rIns="91440" bIns="45720" rtlCol="0" anchor="b">
+            <a:normAutofit/>
+          </a:bodyPr>
+          <a:lstStyle>
+            <a:lvl1pPr algn="ctr" defTabSz="914400" rtl="0" eaLnBrk="1" latinLnBrk="0" hangingPunct="1">
+              <a:lnSpc>
+                <a:spcPct val="90000"/>
+              </a:lnSpc>
+              <a:spcBef>
+                <a:spcPct val="0"/>
+              </a:spcBef>
+              <a:buNone/>
+              <a:defRPr sz="6000" kern="1200">
+                <a:solidFill>
+                  <a:schemeClr val="tx1"/>
+                </a:solidFill>
+                <a:latin typeface="+mj-lt"/>
+                <a:ea typeface="+mj-ea"/>
+                <a:cs typeface="+mj-cs"/>
+              </a:defRPr>
+            </a:lvl1pPr>
+          </a:lstStyle>
+          <a:p>
+            <a:r>
+              <a:rPr lang="en-GB" dirty="0">
+                <a:solidFill>
+                  <a:schemeClr val="bg1"/>
+                </a:solidFill>
+              </a:rPr>
+              <a:t>        </a:t>
+            </a:r>
+          </a:p>
+          <a:p>
+            <a:endParaRPr lang="en-GB" dirty="0">
+              <a:solidFill>
+                <a:schemeClr val="bg1"/>
+              </a:solidFill>
+            </a:endParaRPr>
+          </a:p>
+          <a:p>
+            <a:r>
+              <a:rPr lang="en-GB" dirty="0">
+                <a:solidFill>
+                  <a:schemeClr val="bg1"/>
+                </a:solidFill>
+              </a:rPr>
+              <a:t>                </a:t>
+            </a:r>
+            <a:endParaRPr lang="es-ES" b="1" dirty="0">
+              <a:solidFill>
+                <a:srgbClr val="FFFFFF"/>
+              </a:solidFill>
+            </a:endParaRPr>
+          </a:p>
+        </p:txBody>
+      </p:sp>
+      <p:sp>
+        <p:nvSpPr>
+          <p:cNvPr id="11" name="Rectangle 10">
+            <a:extLst>
+              <a:ext uri="{FF2B5EF4-FFF2-40B4-BE49-F238E27FC236}">
+                <a16:creationId xmlns:a16="http://schemas.microsoft.com/office/drawing/2014/main" id="{DA698FA3-B772-4C77-A6FD-70C416455815}"/>
+              </a:ext>
+            </a:extLst>
+          </p:cNvPr>
+          <p:cNvSpPr/>
+          <p:nvPr/>
+        </p:nvSpPr>
+        <p:spPr>
+          <a:xfrm>
+            <a:off x="491446" y="5450012"/>
+            <a:ext cx="11036740" cy="930420"/>
+          </a:xfrm>
+          <a:prstGeom prst="rect">
+            <a:avLst/>
+          </a:prstGeom>
+          <a:solidFill>
+            <a:schemeClr val="accent2">
+              <a:lumMod val="50000"/>
+            </a:schemeClr>
+          </a:solidFill>
+        </p:spPr>
+        <p:style>
+          <a:lnRef idx="2">
+            <a:schemeClr val="accent1">
+              <a:shade val="50000"/>
+            </a:schemeClr>
+          </a:lnRef>
+          <a:fillRef idx="1">
+            <a:schemeClr val="accent1"/>
+          </a:fillRef>
+          <a:effectRef idx="0">
+            <a:schemeClr val="accent1"/>
+          </a:effectRef>
+          <a:fontRef idx="minor">
+            <a:schemeClr val="lt1"/>
+          </a:fontRef>
+        </p:style>
+        <p:txBody>
+          <a:bodyPr rtlCol="0" anchor="ctr"/>
+          <a:lstStyle/>
+          <a:p>
+            <a:pPr algn="ctr"/>
+            <a:r>
+              <a:rPr lang="es-ES" sz="2400" b="1" dirty="0"/>
+              <a:t>In-</a:t>
+            </a:r>
+            <a:r>
+              <a:rPr lang="es-ES" sz="2400" b="1" dirty="0" err="1"/>
+              <a:t>Memory</a:t>
+            </a:r>
+            <a:r>
+              <a:rPr lang="es-ES" sz="2400" b="1" dirty="0"/>
+              <a:t> DB</a:t>
+            </a:r>
+            <a:r>
+              <a:rPr lang="es-ES" b="1" dirty="0"/>
+              <a:t> </a:t>
+            </a:r>
+            <a:r>
+              <a:rPr lang="es-ES" dirty="0"/>
+              <a:t>(</a:t>
+            </a:r>
+            <a:r>
+              <a:rPr lang="es-ES" dirty="0" err="1"/>
+              <a:t>Dictionaries</a:t>
+            </a:r>
+            <a:r>
+              <a:rPr lang="es-ES" dirty="0"/>
+              <a:t>)</a:t>
+            </a:r>
+            <a:endParaRPr lang="en-GB" dirty="0"/>
+          </a:p>
+        </p:txBody>
+      </p:sp>
+      <p:sp>
+        <p:nvSpPr>
+          <p:cNvPr id="12" name="Rectangle 11">
+            <a:extLst>
+              <a:ext uri="{FF2B5EF4-FFF2-40B4-BE49-F238E27FC236}">
+                <a16:creationId xmlns:a16="http://schemas.microsoft.com/office/drawing/2014/main" id="{BB191CE6-9BF9-4559-A45F-BBB577ED5291}"/>
+              </a:ext>
+            </a:extLst>
+          </p:cNvPr>
+          <p:cNvSpPr/>
+          <p:nvPr/>
+        </p:nvSpPr>
+        <p:spPr>
+          <a:xfrm>
+            <a:off x="726991" y="1410890"/>
+            <a:ext cx="3261223" cy="820055"/>
+          </a:xfrm>
+          <a:prstGeom prst="rect">
+            <a:avLst/>
+          </a:prstGeom>
+          <a:solidFill>
+            <a:schemeClr val="tx1"/>
+          </a:solidFill>
+        </p:spPr>
+        <p:style>
+          <a:lnRef idx="2">
+            <a:schemeClr val="accent1">
+              <a:shade val="50000"/>
+            </a:schemeClr>
+          </a:lnRef>
+          <a:fillRef idx="1">
+            <a:schemeClr val="accent1"/>
+          </a:fillRef>
+          <a:effectRef idx="0">
+            <a:schemeClr val="accent1"/>
+          </a:effectRef>
+          <a:fontRef idx="minor">
+            <a:schemeClr val="lt1"/>
+          </a:fontRef>
+        </p:style>
+        <p:txBody>
+          <a:bodyPr rtlCol="0" anchor="ctr"/>
+          <a:lstStyle/>
+          <a:p>
+            <a:pPr algn="ctr"/>
+            <a:r>
+              <a:rPr lang="es-ES" sz="3200" dirty="0">
+                <a:solidFill>
+                  <a:schemeClr val="bg1"/>
+                </a:solidFill>
+              </a:rPr>
+              <a:t>CRM LINQ</a:t>
+            </a:r>
+            <a:endParaRPr lang="en-GB" sz="3200" dirty="0">
+              <a:solidFill>
+                <a:schemeClr val="bg1"/>
+              </a:solidFill>
+            </a:endParaRPr>
+          </a:p>
+        </p:txBody>
+      </p:sp>
+      <p:sp>
+        <p:nvSpPr>
+          <p:cNvPr id="13" name="Rectangle 12">
+            <a:extLst>
+              <a:ext uri="{FF2B5EF4-FFF2-40B4-BE49-F238E27FC236}">
+                <a16:creationId xmlns:a16="http://schemas.microsoft.com/office/drawing/2014/main" id="{C440DAD1-EED0-4F44-959E-0A62F8D3420F}"/>
+              </a:ext>
+            </a:extLst>
+          </p:cNvPr>
+          <p:cNvSpPr/>
+          <p:nvPr/>
+        </p:nvSpPr>
+        <p:spPr>
+          <a:xfrm>
+            <a:off x="3988214" y="4383744"/>
+            <a:ext cx="3580340" cy="930420"/>
+          </a:xfrm>
+          <a:prstGeom prst="rect">
+            <a:avLst/>
+          </a:prstGeom>
+          <a:solidFill>
+            <a:schemeClr val="accent1">
+              <a:lumMod val="50000"/>
+            </a:schemeClr>
+          </a:solidFill>
+        </p:spPr>
+        <p:style>
+          <a:lnRef idx="2">
+            <a:schemeClr val="accent1">
+              <a:shade val="50000"/>
+            </a:schemeClr>
+          </a:lnRef>
+          <a:fillRef idx="1">
+            <a:schemeClr val="accent1"/>
+          </a:fillRef>
+          <a:effectRef idx="0">
+            <a:schemeClr val="accent1"/>
+          </a:effectRef>
+          <a:fontRef idx="minor">
+            <a:schemeClr val="lt1"/>
+          </a:fontRef>
+        </p:style>
+        <p:txBody>
+          <a:bodyPr rtlCol="0" anchor="ctr"/>
+          <a:lstStyle/>
+          <a:p>
+            <a:pPr algn="ctr"/>
+            <a:r>
+              <a:rPr lang="es-ES" sz="3200" dirty="0">
+                <a:solidFill>
+                  <a:schemeClr val="bg1"/>
+                </a:solidFill>
+              </a:rPr>
+              <a:t>LINQ</a:t>
+            </a:r>
+            <a:endParaRPr lang="en-GB" sz="3200" dirty="0">
+              <a:solidFill>
+                <a:schemeClr val="bg1"/>
+              </a:solidFill>
+            </a:endParaRPr>
+          </a:p>
+        </p:txBody>
+      </p:sp>
+      <p:sp>
+        <p:nvSpPr>
+          <p:cNvPr id="14" name="Arrow: Down 13">
+            <a:extLst>
+              <a:ext uri="{FF2B5EF4-FFF2-40B4-BE49-F238E27FC236}">
+                <a16:creationId xmlns:a16="http://schemas.microsoft.com/office/drawing/2014/main" id="{5BCC943B-89FB-410D-810A-6F48BF3F3672}"/>
+              </a:ext>
+            </a:extLst>
+          </p:cNvPr>
+          <p:cNvSpPr/>
+          <p:nvPr/>
+        </p:nvSpPr>
+        <p:spPr>
+          <a:xfrm>
+            <a:off x="6647740" y="3908126"/>
+            <a:ext cx="491366" cy="890979"/>
+          </a:xfrm>
+          <a:prstGeom prst="downArrow">
+            <a:avLst/>
+          </a:prstGeom>
+          <a:solidFill>
+            <a:schemeClr val="bg1"/>
+          </a:solidFill>
+        </p:spPr>
+        <p:style>
+          <a:lnRef idx="2">
+            <a:schemeClr val="accent1">
+              <a:shade val="50000"/>
+            </a:schemeClr>
+          </a:lnRef>
+          <a:fillRef idx="1">
+            <a:schemeClr val="accent1"/>
+          </a:fillRef>
+          <a:effectRef idx="0">
+            <a:schemeClr val="accent1"/>
+          </a:effectRef>
+          <a:fontRef idx="minor">
+            <a:schemeClr val="lt1"/>
+          </a:fontRef>
+        </p:style>
+        <p:txBody>
+          <a:bodyPr rtlCol="0" anchor="ctr"/>
+          <a:lstStyle/>
+          <a:p>
+            <a:pPr algn="ctr"/>
+            <a:endParaRPr lang="en-GB"/>
+          </a:p>
+        </p:txBody>
+      </p:sp>
+      <p:sp>
+        <p:nvSpPr>
+          <p:cNvPr id="15" name="Arrow: Down 14">
+            <a:extLst>
+              <a:ext uri="{FF2B5EF4-FFF2-40B4-BE49-F238E27FC236}">
+                <a16:creationId xmlns:a16="http://schemas.microsoft.com/office/drawing/2014/main" id="{21D94B95-4CCF-478B-8266-82EF9D2CB4B1}"/>
+              </a:ext>
+            </a:extLst>
+          </p:cNvPr>
+          <p:cNvSpPr/>
+          <p:nvPr/>
+        </p:nvSpPr>
+        <p:spPr>
+          <a:xfrm>
+            <a:off x="4470193" y="4897226"/>
+            <a:ext cx="454143" cy="784220"/>
+          </a:xfrm>
+          <a:prstGeom prst="downArrow">
+            <a:avLst/>
+          </a:prstGeom>
+          <a:solidFill>
+            <a:schemeClr val="bg1"/>
+          </a:solidFill>
+        </p:spPr>
+        <p:style>
+          <a:lnRef idx="2">
+            <a:schemeClr val="accent1">
+              <a:shade val="50000"/>
+            </a:schemeClr>
+          </a:lnRef>
+          <a:fillRef idx="1">
+            <a:schemeClr val="accent1"/>
+          </a:fillRef>
+          <a:effectRef idx="0">
+            <a:schemeClr val="accent1"/>
+          </a:effectRef>
+          <a:fontRef idx="minor">
+            <a:schemeClr val="lt1"/>
+          </a:fontRef>
+        </p:style>
+        <p:txBody>
+          <a:bodyPr rtlCol="0" anchor="ctr"/>
+          <a:lstStyle/>
+          <a:p>
+            <a:pPr algn="ctr"/>
+            <a:endParaRPr lang="en-GB"/>
+          </a:p>
+        </p:txBody>
+      </p:sp>
+      <p:sp>
+        <p:nvSpPr>
+          <p:cNvPr id="16" name="Rectangle 15">
+            <a:extLst>
+              <a:ext uri="{FF2B5EF4-FFF2-40B4-BE49-F238E27FC236}">
+                <a16:creationId xmlns:a16="http://schemas.microsoft.com/office/drawing/2014/main" id="{47F63B88-CBA5-43E9-9723-A3CB6E0B8731}"/>
+              </a:ext>
+            </a:extLst>
+          </p:cNvPr>
+          <p:cNvSpPr/>
+          <p:nvPr/>
+        </p:nvSpPr>
+        <p:spPr>
+          <a:xfrm>
+            <a:off x="4088396" y="1382120"/>
+            <a:ext cx="3405609" cy="848826"/>
+          </a:xfrm>
+          <a:prstGeom prst="rect">
+            <a:avLst/>
+          </a:prstGeom>
+          <a:solidFill>
+            <a:schemeClr val="accent5">
+              <a:lumMod val="75000"/>
+            </a:schemeClr>
+          </a:solidFill>
+        </p:spPr>
+        <p:style>
+          <a:lnRef idx="2">
+            <a:schemeClr val="accent1">
+              <a:shade val="50000"/>
+            </a:schemeClr>
+          </a:lnRef>
+          <a:fillRef idx="1">
+            <a:schemeClr val="accent1"/>
+          </a:fillRef>
+          <a:effectRef idx="0">
+            <a:schemeClr val="accent1"/>
+          </a:effectRef>
+          <a:fontRef idx="minor">
+            <a:schemeClr val="lt1"/>
+          </a:fontRef>
+        </p:style>
+        <p:txBody>
+          <a:bodyPr rtlCol="0" anchor="ctr"/>
+          <a:lstStyle/>
+          <a:p>
+            <a:pPr algn="ctr"/>
+            <a:r>
+              <a:rPr lang="es-ES" sz="3200" dirty="0" err="1">
+                <a:solidFill>
+                  <a:schemeClr val="bg1"/>
+                </a:solidFill>
+              </a:rPr>
+              <a:t>QueryByAttribute</a:t>
+            </a:r>
+            <a:endParaRPr lang="en-GB" sz="3200" dirty="0">
+              <a:solidFill>
+                <a:schemeClr val="bg1"/>
+              </a:solidFill>
+            </a:endParaRPr>
+          </a:p>
+        </p:txBody>
+      </p:sp>
+      <p:sp>
+        <p:nvSpPr>
+          <p:cNvPr id="17" name="Arrow: Down 16">
+            <a:extLst>
+              <a:ext uri="{FF2B5EF4-FFF2-40B4-BE49-F238E27FC236}">
+                <a16:creationId xmlns:a16="http://schemas.microsoft.com/office/drawing/2014/main" id="{14D284F7-6390-4786-AA85-EA7220DAF467}"/>
+              </a:ext>
+            </a:extLst>
+          </p:cNvPr>
+          <p:cNvSpPr/>
+          <p:nvPr/>
+        </p:nvSpPr>
+        <p:spPr>
+          <a:xfrm>
+            <a:off x="5604255" y="2073490"/>
+            <a:ext cx="517286" cy="1158464"/>
+          </a:xfrm>
+          <a:prstGeom prst="downArrow">
+            <a:avLst/>
+          </a:prstGeom>
+          <a:solidFill>
+            <a:schemeClr val="bg1"/>
+          </a:solidFill>
+        </p:spPr>
+        <p:style>
+          <a:lnRef idx="2">
+            <a:schemeClr val="accent1">
+              <a:shade val="50000"/>
+            </a:schemeClr>
+          </a:lnRef>
+          <a:fillRef idx="1">
+            <a:schemeClr val="accent1"/>
+          </a:fillRef>
+          <a:effectRef idx="0">
+            <a:schemeClr val="accent1"/>
+          </a:effectRef>
+          <a:fontRef idx="minor">
+            <a:schemeClr val="lt1"/>
+          </a:fontRef>
+        </p:style>
+        <p:txBody>
+          <a:bodyPr rtlCol="0" anchor="ctr"/>
+          <a:lstStyle/>
+          <a:p>
+            <a:pPr algn="ctr"/>
+            <a:endParaRPr lang="en-GB" dirty="0"/>
+          </a:p>
+        </p:txBody>
+      </p:sp>
+      <p:sp>
+        <p:nvSpPr>
+          <p:cNvPr id="18" name="Arrow: Down 17">
+            <a:extLst>
+              <a:ext uri="{FF2B5EF4-FFF2-40B4-BE49-F238E27FC236}">
+                <a16:creationId xmlns:a16="http://schemas.microsoft.com/office/drawing/2014/main" id="{DF05D1B6-FA14-4025-867E-EC0C75F975A6}"/>
+              </a:ext>
+            </a:extLst>
+          </p:cNvPr>
+          <p:cNvSpPr/>
+          <p:nvPr/>
+        </p:nvSpPr>
+        <p:spPr>
+          <a:xfrm rot="18501444">
+            <a:off x="4018171" y="1387867"/>
+            <a:ext cx="446772" cy="2269251"/>
+          </a:xfrm>
+          <a:prstGeom prst="downArrow">
+            <a:avLst/>
+          </a:prstGeom>
+          <a:solidFill>
+            <a:schemeClr val="bg1"/>
+          </a:solidFill>
+        </p:spPr>
+        <p:style>
+          <a:lnRef idx="2">
+            <a:schemeClr val="accent1">
+              <a:shade val="50000"/>
+            </a:schemeClr>
+          </a:lnRef>
+          <a:fillRef idx="1">
+            <a:schemeClr val="accent1"/>
+          </a:fillRef>
+          <a:effectRef idx="0">
+            <a:schemeClr val="accent1"/>
+          </a:effectRef>
+          <a:fontRef idx="minor">
+            <a:schemeClr val="lt1"/>
+          </a:fontRef>
+        </p:style>
+        <p:txBody>
+          <a:bodyPr rtlCol="0" anchor="ctr"/>
+          <a:lstStyle/>
+          <a:p>
+            <a:pPr algn="ctr"/>
+            <a:endParaRPr lang="en-GB" dirty="0"/>
+          </a:p>
+        </p:txBody>
+      </p:sp>
+      <p:sp>
+        <p:nvSpPr>
+          <p:cNvPr id="19" name="Rectangle 18">
+            <a:extLst>
+              <a:ext uri="{FF2B5EF4-FFF2-40B4-BE49-F238E27FC236}">
+                <a16:creationId xmlns:a16="http://schemas.microsoft.com/office/drawing/2014/main" id="{862361A7-4DEF-4748-BF65-A01BC923B54C}"/>
+              </a:ext>
+            </a:extLst>
+          </p:cNvPr>
+          <p:cNvSpPr/>
+          <p:nvPr/>
+        </p:nvSpPr>
+        <p:spPr>
+          <a:xfrm>
+            <a:off x="7675993" y="1382120"/>
+            <a:ext cx="3580340" cy="930420"/>
+          </a:xfrm>
+          <a:prstGeom prst="rect">
+            <a:avLst/>
+          </a:prstGeom>
+          <a:solidFill>
+            <a:schemeClr val="accent5">
+              <a:lumMod val="75000"/>
+            </a:schemeClr>
+          </a:solidFill>
+        </p:spPr>
+        <p:style>
+          <a:lnRef idx="2">
+            <a:schemeClr val="accent1">
+              <a:shade val="50000"/>
+            </a:schemeClr>
+          </a:lnRef>
+          <a:fillRef idx="1">
+            <a:schemeClr val="accent1"/>
+          </a:fillRef>
+          <a:effectRef idx="0">
+            <a:schemeClr val="accent1"/>
+          </a:effectRef>
+          <a:fontRef idx="minor">
+            <a:schemeClr val="lt1"/>
+          </a:fontRef>
+        </p:style>
+        <p:txBody>
+          <a:bodyPr rtlCol="0" anchor="ctr"/>
+          <a:lstStyle/>
+          <a:p>
+            <a:pPr algn="ctr"/>
+            <a:r>
+              <a:rPr lang="es-ES" sz="3200" dirty="0" err="1">
+                <a:solidFill>
+                  <a:schemeClr val="bg1"/>
+                </a:solidFill>
+              </a:rPr>
+              <a:t>FetchXml</a:t>
+            </a:r>
+            <a:endParaRPr lang="en-GB" sz="3200" dirty="0">
+              <a:solidFill>
+                <a:schemeClr val="bg1"/>
+              </a:solidFill>
+            </a:endParaRPr>
+          </a:p>
+        </p:txBody>
+      </p:sp>
+      <p:sp>
+        <p:nvSpPr>
+          <p:cNvPr id="20" name="Arrow: Down 19">
+            <a:extLst>
+              <a:ext uri="{FF2B5EF4-FFF2-40B4-BE49-F238E27FC236}">
+                <a16:creationId xmlns:a16="http://schemas.microsoft.com/office/drawing/2014/main" id="{87035F6A-8D57-4EEB-8132-73DC6895C6BD}"/>
+              </a:ext>
+            </a:extLst>
+          </p:cNvPr>
+          <p:cNvSpPr/>
+          <p:nvPr/>
+        </p:nvSpPr>
+        <p:spPr>
+          <a:xfrm rot="2627166">
+            <a:off x="7325802" y="1567126"/>
+            <a:ext cx="517286" cy="1878489"/>
+          </a:xfrm>
+          <a:prstGeom prst="downArrow">
+            <a:avLst/>
+          </a:prstGeom>
+          <a:solidFill>
+            <a:schemeClr val="bg1"/>
+          </a:solidFill>
+        </p:spPr>
+        <p:style>
+          <a:lnRef idx="2">
+            <a:schemeClr val="accent1">
+              <a:shade val="50000"/>
+            </a:schemeClr>
+          </a:lnRef>
+          <a:fillRef idx="1">
+            <a:schemeClr val="accent1"/>
+          </a:fillRef>
+          <a:effectRef idx="0">
+            <a:schemeClr val="accent1"/>
+          </a:effectRef>
+          <a:fontRef idx="minor">
+            <a:schemeClr val="lt1"/>
+          </a:fontRef>
+        </p:style>
+        <p:txBody>
+          <a:bodyPr rtlCol="0" anchor="ctr"/>
+          <a:lstStyle/>
+          <a:p>
+            <a:pPr algn="ctr"/>
+            <a:endParaRPr lang="en-GB" dirty="0"/>
+          </a:p>
+        </p:txBody>
+      </p:sp>
+    </p:spTree>
+    <p:extLst>
+      <p:ext uri="{BB962C8B-B14F-4D97-AF65-F5344CB8AC3E}">
+        <p14:creationId xmlns:p14="http://schemas.microsoft.com/office/powerpoint/2010/main" val="2128918726"/>
+      </p:ext>
+    </p:extLst>
+  </p:cSld>
+  <p:clrMapOvr>
+    <a:masterClrMapping/>
+  </p:clrMapOvr>
+  <p:timing>
+    <p:tnLst>
+      <p:par>
+        <p:cTn id="1" dur="indefinite" restart="never" nodeType="tmRoot">
+          <p:childTnLst>
+            <p:seq>
+              <p:cTn id="2" dur="indefinite" nodeType="mainSeq"/>
+              <p:prevCondLst>
+                <p:cond evt="onPrev" delay="0">
+                  <p:tgtEl>
+                    <p:sldTgt/>
+                  </p:tgtEl>
+                </p:cond>
+              </p:prevCondLst>
+              <p:nextCondLst>
+                <p:cond evt="onNext" delay="0">
+                  <p:tgtEl>
+                    <p:sldTgt/>
+                  </p:tgtEl>
+                </p:cond>
+              </p:nextCondLst>
+            </p:seq>
+          </p:childTnLst>
+        </p:cTn>
+      </p:par>
+    </p:tnLst>
+  </p:timing>
+</p:sld>
+</file>
+
+<file path=ppt/slides/slide12.xml><?xml version="1.0" encoding="utf-8"?>
+<p:sld xmlns:a="http://schemas.openxmlformats.org/drawingml/2006/main" xmlns:r="http://schemas.openxmlformats.org/officeDocument/2006/relationships" xmlns:p="http://schemas.openxmlformats.org/presentationml/2006/main">
+  <p:cSld>
+    <p:bg>
+      <p:bgPr>
+        <a:blipFill rotWithShape="0">
+          <a:blip r:embed="rId2"/>
+          <a:stretch>
+            <a:fillRect/>
+          </a:stretch>
+        </a:blipFill>
+        <a:effectLst/>
+      </p:bgPr>
+    </p:bg>
+    <p:spTree>
+      <p:nvGrpSpPr>
+        <p:cNvPr id="1" name=""/>
+        <p:cNvGrpSpPr/>
+        <p:nvPr/>
+      </p:nvGrpSpPr>
+      <p:grpSpPr>
+        <a:xfrm>
+          <a:off x="0" y="0"/>
+          <a:ext cx="0" cy="0"/>
+          <a:chOff x="0" y="0"/>
+          <a:chExt cx="0" cy="0"/>
+        </a:xfrm>
+      </p:grpSpPr>
+      <p:sp>
+        <p:nvSpPr>
+          <p:cNvPr id="298" name="CustomShape 1"/>
+          <p:cNvSpPr/>
+          <p:nvPr/>
+        </p:nvSpPr>
+        <p:spPr>
+          <a:xfrm>
+            <a:off x="1527480" y="1700280"/>
+            <a:ext cx="4141080" cy="1533960"/>
+          </a:xfrm>
+          <a:prstGeom prst="rect">
+            <a:avLst/>
+          </a:prstGeom>
+          <a:noFill/>
+          <a:ln>
+            <a:noFill/>
+          </a:ln>
+        </p:spPr>
+        <p:style>
+          <a:lnRef idx="0">
+            <a:scrgbClr r="0" g="0" b="0"/>
+          </a:lnRef>
+          <a:fillRef idx="0">
+            <a:scrgbClr r="0" g="0" b="0"/>
+          </a:fillRef>
+          <a:effectRef idx="0">
+            <a:scrgbClr r="0" g="0" b="0"/>
+          </a:effectRef>
+          <a:fontRef idx="minor"/>
+        </p:style>
+        <p:txBody>
+          <a:bodyPr lIns="90000" tIns="45000" rIns="90000" bIns="45000" anchor="ctr"/>
+          <a:lstStyle/>
+          <a:p>
+            <a:pPr>
+              <a:lnSpc>
+                <a:spcPct val="90000"/>
+              </a:lnSpc>
+            </a:pPr>
+            <a:r>
+              <a:rPr lang="en-US" sz="4000" b="1" strike="noStrike" spc="-1" dirty="0">
+                <a:solidFill>
+                  <a:srgbClr val="BE005A"/>
+                </a:solidFill>
+                <a:latin typeface="Avenir Next LT Pro"/>
+                <a:ea typeface="DejaVu Sans"/>
+              </a:rPr>
+              <a:t>Getting Started with </a:t>
+            </a:r>
+            <a:r>
+              <a:rPr lang="en-US" sz="4000" b="1" strike="noStrike" spc="-1" dirty="0" err="1">
+                <a:solidFill>
+                  <a:srgbClr val="BE005A"/>
+                </a:solidFill>
+                <a:latin typeface="Avenir Next LT Pro"/>
+                <a:ea typeface="DejaVu Sans"/>
+              </a:rPr>
+              <a:t>FakeXrmEasy</a:t>
+            </a:r>
+            <a:endParaRPr lang="en-US" sz="4000" b="0" strike="noStrike" spc="-1" dirty="0">
+              <a:latin typeface="Arial"/>
+            </a:endParaRPr>
+          </a:p>
+        </p:txBody>
+      </p:sp>
+      <p:sp>
+        <p:nvSpPr>
+          <p:cNvPr id="299" name="CustomShape 2"/>
+          <p:cNvSpPr/>
+          <p:nvPr/>
+        </p:nvSpPr>
+        <p:spPr>
+          <a:xfrm>
+            <a:off x="614880" y="6187680"/>
+            <a:ext cx="3254040" cy="362520"/>
+          </a:xfrm>
+          <a:prstGeom prst="rect">
+            <a:avLst/>
+          </a:prstGeom>
+          <a:noFill/>
+          <a:ln>
+            <a:noFill/>
+          </a:ln>
+        </p:spPr>
+        <p:style>
+          <a:lnRef idx="0">
+            <a:scrgbClr r="0" g="0" b="0"/>
+          </a:lnRef>
+          <a:fillRef idx="0">
+            <a:scrgbClr r="0" g="0" b="0"/>
+          </a:fillRef>
+          <a:effectRef idx="0">
+            <a:scrgbClr r="0" g="0" b="0"/>
+          </a:effectRef>
+          <a:fontRef idx="minor"/>
+        </p:style>
+        <p:txBody>
+          <a:bodyPr lIns="90000" tIns="45000" rIns="90000" bIns="45000" anchor="ctr"/>
+          <a:lstStyle/>
+          <a:p>
+            <a:pPr>
+              <a:lnSpc>
+                <a:spcPct val="100000"/>
+              </a:lnSpc>
+            </a:pPr>
+            <a:r>
+              <a:rPr lang="en-US" sz="1200" b="0" i="1" strike="noStrike" spc="-1">
+                <a:solidFill>
+                  <a:srgbClr val="3B2CAC"/>
+                </a:solidFill>
+                <a:latin typeface="Speak Pro"/>
+                <a:ea typeface="DejaVu Sans"/>
+              </a:rPr>
+              <a:t>What’s new in FakeXrmEasy v2.x</a:t>
+            </a:r>
+            <a:endParaRPr lang="en-US" sz="1200" b="0" strike="noStrike" spc="-1">
+              <a:latin typeface="Arial"/>
+            </a:endParaRPr>
+          </a:p>
+        </p:txBody>
+      </p:sp>
+      <p:sp>
+        <p:nvSpPr>
+          <p:cNvPr id="300" name="CustomShape 3"/>
+          <p:cNvSpPr/>
+          <p:nvPr/>
+        </p:nvSpPr>
+        <p:spPr>
+          <a:xfrm>
+            <a:off x="8849880" y="6187680"/>
+            <a:ext cx="2740680" cy="362520"/>
+          </a:xfrm>
+          <a:prstGeom prst="rect">
+            <a:avLst/>
+          </a:prstGeom>
+          <a:noFill/>
+          <a:ln>
+            <a:noFill/>
+          </a:ln>
+        </p:spPr>
+        <p:style>
+          <a:lnRef idx="0">
+            <a:scrgbClr r="0" g="0" b="0"/>
+          </a:lnRef>
+          <a:fillRef idx="0">
+            <a:scrgbClr r="0" g="0" b="0"/>
+          </a:fillRef>
+          <a:effectRef idx="0">
+            <a:scrgbClr r="0" g="0" b="0"/>
+          </a:effectRef>
+          <a:fontRef idx="minor"/>
+        </p:style>
+        <p:txBody>
+          <a:bodyPr lIns="90000" tIns="45000" rIns="90000" bIns="45000" anchor="ctr"/>
+          <a:lstStyle/>
+          <a:p>
+            <a:pPr algn="r">
+              <a:lnSpc>
+                <a:spcPct val="100000"/>
+              </a:lnSpc>
+            </a:pPr>
+            <a:fld id="{4C2995D3-8C24-48C6-9F78-0D1D23F82B58}" type="slidenum">
+              <a:rPr lang="en-US" sz="1200" b="0" i="1" strike="noStrike" spc="-1">
+                <a:solidFill>
+                  <a:srgbClr val="FFCD6B"/>
+                </a:solidFill>
+                <a:latin typeface="Speak Pro"/>
+                <a:ea typeface="DejaVu Sans"/>
+              </a:rPr>
+              <a:t>12</a:t>
+            </a:fld>
+            <a:endParaRPr lang="en-US" sz="1200" b="0" strike="noStrike" spc="-1">
+              <a:latin typeface="Arial"/>
+            </a:endParaRPr>
+          </a:p>
+        </p:txBody>
+      </p:sp>
+      <p:sp>
+        <p:nvSpPr>
+          <p:cNvPr id="301" name="CustomShape 4"/>
+          <p:cNvSpPr/>
+          <p:nvPr/>
+        </p:nvSpPr>
+        <p:spPr>
+          <a:xfrm>
+            <a:off x="1527480" y="3279960"/>
+            <a:ext cx="4141080" cy="690120"/>
+          </a:xfrm>
+          <a:prstGeom prst="rect">
+            <a:avLst/>
+          </a:prstGeom>
+          <a:noFill/>
+          <a:ln>
+            <a:noFill/>
+          </a:ln>
+        </p:spPr>
+        <p:style>
+          <a:lnRef idx="0">
+            <a:scrgbClr r="0" g="0" b="0"/>
+          </a:lnRef>
+          <a:fillRef idx="0">
+            <a:scrgbClr r="0" g="0" b="0"/>
+          </a:fillRef>
+          <a:effectRef idx="0">
+            <a:scrgbClr r="0" g="0" b="0"/>
+          </a:effectRef>
+          <a:fontRef idx="minor"/>
+        </p:style>
+        <p:txBody>
+          <a:bodyPr lIns="90000" tIns="45000" rIns="90000" bIns="45000"/>
+          <a:lstStyle/>
+          <a:p>
+            <a:pPr>
+              <a:lnSpc>
+                <a:spcPct val="90000"/>
+              </a:lnSpc>
+              <a:spcBef>
+                <a:spcPts val="1001"/>
+              </a:spcBef>
+            </a:pPr>
+            <a:r>
+              <a:rPr lang="en-US" sz="2000" b="1" strike="noStrike" spc="-1">
+                <a:solidFill>
+                  <a:srgbClr val="BE005A"/>
+                </a:solidFill>
+                <a:latin typeface="Speak Pro"/>
+                <a:ea typeface="DejaVu Sans"/>
+              </a:rPr>
+              <a:t>DEMO</a:t>
+            </a:r>
+            <a:endParaRPr lang="en-US" sz="2000" b="0" strike="noStrike" spc="-1">
+              <a:latin typeface="Arial"/>
+            </a:endParaRPr>
+          </a:p>
+        </p:txBody>
+      </p:sp>
+      <p:pic>
+        <p:nvPicPr>
+          <p:cNvPr id="302" name="Picture 9"/>
+          <p:cNvPicPr/>
+          <p:nvPr/>
+        </p:nvPicPr>
+        <p:blipFill>
+          <a:blip r:embed="rId3">
+            <a:lum bright="70000" contrast="-70000"/>
+          </a:blip>
+          <a:stretch/>
+        </p:blipFill>
+        <p:spPr>
+          <a:xfrm>
+            <a:off x="11210040" y="829800"/>
+            <a:ext cx="939240" cy="482040"/>
+          </a:xfrm>
+          <a:prstGeom prst="rect">
+            <a:avLst/>
+          </a:prstGeom>
+          <a:ln>
+            <a:noFill/>
+          </a:ln>
+        </p:spPr>
+      </p:pic>
+      <p:sp>
+        <p:nvSpPr>
+          <p:cNvPr id="303" name="CustomShape 5"/>
+          <p:cNvSpPr/>
+          <p:nvPr/>
+        </p:nvSpPr>
+        <p:spPr>
+          <a:xfrm>
+            <a:off x="6400800" y="1385280"/>
+            <a:ext cx="5209920" cy="3838320"/>
+          </a:xfrm>
+          <a:prstGeom prst="rect">
+            <a:avLst/>
+          </a:prstGeom>
+          <a:noFill/>
+          <a:ln>
+            <a:noFill/>
+          </a:ln>
+        </p:spPr>
+        <p:style>
+          <a:lnRef idx="0">
+            <a:scrgbClr r="0" g="0" b="0"/>
+          </a:lnRef>
+          <a:fillRef idx="0">
+            <a:scrgbClr r="0" g="0" b="0"/>
+          </a:fillRef>
+          <a:effectRef idx="0">
+            <a:scrgbClr r="0" g="0" b="0"/>
+          </a:effectRef>
+          <a:fontRef idx="minor"/>
+        </p:style>
+        <p:txBody>
+          <a:bodyPr lIns="90000" tIns="45000" rIns="90000" bIns="45000">
+            <a:normAutofit/>
+          </a:bodyPr>
+          <a:lstStyle/>
+          <a:p>
+            <a:pPr>
+              <a:lnSpc>
+                <a:spcPct val="100000"/>
+              </a:lnSpc>
+              <a:spcBef>
+                <a:spcPts val="601"/>
+              </a:spcBef>
+            </a:pPr>
+            <a:endParaRPr lang="en-US" sz="1800" b="0" strike="noStrike" spc="-1">
+              <a:latin typeface="Arial"/>
+            </a:endParaRPr>
+          </a:p>
+          <a:p>
+            <a:pPr>
+              <a:lnSpc>
+                <a:spcPct val="100000"/>
+              </a:lnSpc>
+              <a:spcBef>
+                <a:spcPts val="601"/>
+              </a:spcBef>
+            </a:pPr>
+            <a:endParaRPr lang="en-US" sz="1800" b="0" strike="noStrike" spc="-1">
+              <a:latin typeface="Arial"/>
+            </a:endParaRPr>
+          </a:p>
+          <a:p>
+            <a:pPr>
+              <a:lnSpc>
+                <a:spcPct val="100000"/>
+              </a:lnSpc>
+              <a:spcBef>
+                <a:spcPts val="601"/>
+              </a:spcBef>
+            </a:pPr>
+            <a:endParaRPr lang="en-US" sz="1800" b="0" strike="noStrike" spc="-1">
+              <a:latin typeface="Arial"/>
+            </a:endParaRPr>
+          </a:p>
+        </p:txBody>
+      </p:sp>
+      <p:sp>
+        <p:nvSpPr>
+          <p:cNvPr id="304" name="TextShape 6"/>
+          <p:cNvSpPr txBox="1"/>
+          <p:nvPr/>
+        </p:nvSpPr>
+        <p:spPr>
+          <a:xfrm>
+            <a:off x="6583680" y="3310920"/>
+            <a:ext cx="5394960" cy="346680"/>
+          </a:xfrm>
+          <a:prstGeom prst="rect">
+            <a:avLst/>
+          </a:prstGeom>
+          <a:noFill/>
+          <a:ln>
+            <a:noFill/>
+          </a:ln>
+        </p:spPr>
+        <p:txBody>
+          <a:bodyPr lIns="90000" tIns="45000" rIns="90000" bIns="45000"/>
+          <a:lstStyle/>
+          <a:p>
+            <a:r>
+              <a:rPr lang="en-US" sz="1400" b="0" strike="noStrike" spc="-1" dirty="0">
+                <a:solidFill>
+                  <a:srgbClr val="FFFFFF"/>
+                </a:solidFill>
+                <a:latin typeface="Arial"/>
+              </a:rPr>
+              <a:t>https://github.com/DynamicsValue/power-platform-devops-saturday</a:t>
+            </a:r>
+          </a:p>
+        </p:txBody>
+      </p:sp>
+    </p:spTree>
+  </p:cSld>
+  <p:clrMapOvr>
+    <a:masterClrMapping/>
+  </p:clrMapOvr>
+  <p:timing>
+    <p:tnLst>
+      <p:par>
+        <p:cTn id="1" dur="indefinite" restart="never" nodeType="tmRoot">
+          <p:childTnLst>
+            <p:seq>
+              <p:cTn id="2" dur="indefinite" nodeType="mainSeq"/>
+              <p:prevCondLst>
+                <p:cond evt="onPrev" delay="0">
+                  <p:tgtEl>
+                    <p:sldTgt/>
+                  </p:tgtEl>
+                </p:cond>
+              </p:prevCondLst>
+              <p:nextCondLst>
+                <p:cond evt="onNext" delay="0">
+                  <p:tgtEl>
+                    <p:sldTgt/>
+                  </p:tgtEl>
+                </p:cond>
+              </p:nextCondLst>
+            </p:seq>
+          </p:childTnLst>
+        </p:cTn>
+      </p:par>
+    </p:tnLst>
+  </p:timing>
+</p:sld>
+</file>
+
+<file path=ppt/slides/slide13.xml><?xml version="1.0" encoding="utf-8"?>
+<p:sld xmlns:a="http://schemas.openxmlformats.org/drawingml/2006/main" xmlns:r="http://schemas.openxmlformats.org/officeDocument/2006/relationships" xmlns:p="http://schemas.openxmlformats.org/presentationml/2006/main">
+  <p:cSld>
+    <p:bg>
+      <p:bgPr>
+        <a:solidFill>
+          <a:srgbClr val="3B2CAC">
+            <a:alpha val="0"/>
+          </a:srgbClr>
+        </a:solidFill>
+        <a:effectLst/>
+      </p:bgPr>
+    </p:bg>
+    <p:spTree>
+      <p:nvGrpSpPr>
+        <p:cNvPr id="1" name=""/>
+        <p:cNvGrpSpPr/>
+        <p:nvPr/>
+      </p:nvGrpSpPr>
+      <p:grpSpPr>
+        <a:xfrm>
+          <a:off x="0" y="0"/>
+          <a:ext cx="0" cy="0"/>
+          <a:chOff x="0" y="0"/>
+          <a:chExt cx="0" cy="0"/>
+        </a:xfrm>
+      </p:grpSpPr>
+      <p:sp>
+        <p:nvSpPr>
+          <p:cNvPr id="305" name="CustomShape 1"/>
+          <p:cNvSpPr/>
+          <p:nvPr/>
+        </p:nvSpPr>
+        <p:spPr>
+          <a:xfrm>
+            <a:off x="1812600" y="4700160"/>
+            <a:ext cx="8804520" cy="913320"/>
+          </a:xfrm>
+          <a:prstGeom prst="rect">
+            <a:avLst/>
+          </a:prstGeom>
+          <a:noFill/>
+          <a:ln>
+            <a:noFill/>
+          </a:ln>
+        </p:spPr>
+        <p:style>
+          <a:lnRef idx="0">
+            <a:scrgbClr r="0" g="0" b="0"/>
+          </a:lnRef>
+          <a:fillRef idx="0">
+            <a:scrgbClr r="0" g="0" b="0"/>
+          </a:fillRef>
+          <a:effectRef idx="0">
+            <a:scrgbClr r="0" g="0" b="0"/>
+          </a:effectRef>
+          <a:fontRef idx="minor"/>
+        </p:style>
+        <p:txBody>
+          <a:bodyPr lIns="90000" tIns="45000" rIns="90000" bIns="45000" anchor="b"/>
+          <a:lstStyle/>
+          <a:p>
+            <a:pPr>
+              <a:lnSpc>
+                <a:spcPct val="90000"/>
+              </a:lnSpc>
+            </a:pPr>
+            <a:r>
+              <a:rPr lang="en-US" sz="5500" b="1" strike="noStrike" spc="-1">
+                <a:solidFill>
+                  <a:srgbClr val="FFFFFF"/>
+                </a:solidFill>
+                <a:latin typeface="Avenir Next LT Pro"/>
+                <a:ea typeface="DejaVu Sans"/>
+              </a:rPr>
+              <a:t>THANK YOU!</a:t>
+            </a:r>
+            <a:endParaRPr lang="en-US" sz="5500" b="0" strike="noStrike" spc="-1">
+              <a:latin typeface="Arial"/>
+            </a:endParaRPr>
+          </a:p>
+        </p:txBody>
+      </p:sp>
+      <p:sp>
+        <p:nvSpPr>
+          <p:cNvPr id="306" name="CustomShape 2"/>
+          <p:cNvSpPr/>
+          <p:nvPr/>
+        </p:nvSpPr>
+        <p:spPr>
+          <a:xfrm>
+            <a:off x="1812600" y="5963040"/>
+            <a:ext cx="9141480" cy="599400"/>
+          </a:xfrm>
+          <a:prstGeom prst="rect">
+            <a:avLst/>
+          </a:prstGeom>
+          <a:noFill/>
+          <a:ln>
+            <a:noFill/>
+          </a:ln>
+        </p:spPr>
+        <p:style>
+          <a:lnRef idx="0">
+            <a:scrgbClr r="0" g="0" b="0"/>
+          </a:lnRef>
+          <a:fillRef idx="0">
+            <a:scrgbClr r="0" g="0" b="0"/>
+          </a:fillRef>
+          <a:effectRef idx="0">
+            <a:scrgbClr r="0" g="0" b="0"/>
+          </a:effectRef>
+          <a:fontRef idx="minor"/>
+        </p:style>
+        <p:txBody>
+          <a:bodyPr lIns="90000" tIns="45000" rIns="90000" bIns="45000"/>
+          <a:lstStyle/>
+          <a:p>
+            <a:pPr>
+              <a:lnSpc>
+                <a:spcPct val="90000"/>
+              </a:lnSpc>
+              <a:spcBef>
+                <a:spcPts val="1001"/>
+              </a:spcBef>
+            </a:pPr>
+            <a:r>
+              <a:rPr lang="en-US" sz="3000" b="1" strike="noStrike" spc="-1">
+                <a:solidFill>
+                  <a:srgbClr val="FFCD6B"/>
+                </a:solidFill>
+                <a:latin typeface="Speak Pro"/>
+                <a:ea typeface="DejaVu Sans"/>
+              </a:rPr>
+              <a:t>Fill out survey: </a:t>
+            </a:r>
+            <a:r>
+              <a:rPr lang="en-US" sz="3000" b="1" u="sng" strike="noStrike" spc="-1">
+                <a:solidFill>
+                  <a:srgbClr val="FFFFFF"/>
+                </a:solidFill>
+                <a:uFillTx/>
+                <a:latin typeface="Speak Pro"/>
+                <a:ea typeface="DejaVu Sans"/>
+                <a:hlinkClick r:id="rId2"/>
+              </a:rPr>
+              <a:t>https://bit.ly/2A9VfiY</a:t>
+            </a:r>
+            <a:endParaRPr lang="en-US" sz="3000" b="0" strike="noStrike" spc="-1">
+              <a:latin typeface="Arial"/>
+            </a:endParaRPr>
+          </a:p>
+        </p:txBody>
+      </p:sp>
+      <p:pic>
+        <p:nvPicPr>
+          <p:cNvPr id="308" name="Picture 307"/>
+          <p:cNvPicPr/>
+          <p:nvPr/>
+        </p:nvPicPr>
+        <p:blipFill>
+          <a:blip r:embed="rId3"/>
+          <a:stretch/>
+        </p:blipFill>
+        <p:spPr>
+          <a:xfrm>
+            <a:off x="10003680" y="4700160"/>
+            <a:ext cx="2079720" cy="2079720"/>
+          </a:xfrm>
+          <a:prstGeom prst="rect">
+            <a:avLst/>
+          </a:prstGeom>
+          <a:ln>
+            <a:noFill/>
+          </a:ln>
+        </p:spPr>
+      </p:pic>
+      <p:pic>
+        <p:nvPicPr>
+          <p:cNvPr id="6" name="Picture 5">
+            <a:extLst>
+              <a:ext uri="{FF2B5EF4-FFF2-40B4-BE49-F238E27FC236}">
+                <a16:creationId xmlns:a16="http://schemas.microsoft.com/office/drawing/2014/main" id="{08898E62-1AB2-4A74-AE96-13C1F6980FBC}"/>
+              </a:ext>
+            </a:extLst>
+          </p:cNvPr>
+          <p:cNvPicPr>
+            <a:picLocks noChangeAspect="1"/>
+          </p:cNvPicPr>
+          <p:nvPr/>
+        </p:nvPicPr>
+        <p:blipFill rotWithShape="1">
+          <a:blip r:embed="rId4">
+            <a:extLst>
+              <a:ext uri="{28A0092B-C50C-407E-A947-70E740481C1C}">
+                <a14:useLocalDpi xmlns:a14="http://schemas.microsoft.com/office/drawing/2010/main" val="0"/>
+              </a:ext>
+            </a:extLst>
+          </a:blip>
+          <a:srcRect b="20343"/>
+          <a:stretch/>
+        </p:blipFill>
+        <p:spPr>
+          <a:xfrm>
+            <a:off x="0" y="0"/>
+            <a:ext cx="12192000" cy="4296792"/>
+          </a:xfrm>
+          <a:prstGeom prst="rect">
+            <a:avLst/>
+          </a:prstGeom>
+        </p:spPr>
+      </p:pic>
+      <p:sp>
+        <p:nvSpPr>
+          <p:cNvPr id="7" name="TextBox 6">
+            <a:extLst>
+              <a:ext uri="{FF2B5EF4-FFF2-40B4-BE49-F238E27FC236}">
+                <a16:creationId xmlns:a16="http://schemas.microsoft.com/office/drawing/2014/main" id="{C5A31DEE-2CD9-45F9-8205-A955F1803184}"/>
+              </a:ext>
+            </a:extLst>
+          </p:cNvPr>
+          <p:cNvSpPr txBox="1"/>
+          <p:nvPr/>
+        </p:nvSpPr>
+        <p:spPr>
+          <a:xfrm>
+            <a:off x="0" y="3344613"/>
+            <a:ext cx="12191999" cy="1200329"/>
+          </a:xfrm>
+          <a:prstGeom prst="rect">
+            <a:avLst/>
+          </a:prstGeom>
+          <a:solidFill>
+            <a:schemeClr val="tx1">
+              <a:lumMod val="75000"/>
+              <a:lumOff val="25000"/>
+            </a:schemeClr>
+          </a:solidFill>
+        </p:spPr>
+        <p:txBody>
+          <a:bodyPr wrap="square" rtlCol="0">
+            <a:spAutoFit/>
+          </a:bodyPr>
+          <a:lstStyle/>
+          <a:p>
+            <a:pPr algn="ctr"/>
+            <a:endParaRPr lang="es-ES_tradnl" dirty="0">
+              <a:solidFill>
+                <a:schemeClr val="bg1"/>
+              </a:solidFill>
+            </a:endParaRPr>
+          </a:p>
+          <a:p>
+            <a:pPr algn="ctr"/>
+            <a:r>
+              <a:rPr lang="es-ES_tradnl" dirty="0">
+                <a:solidFill>
+                  <a:schemeClr val="bg1"/>
+                </a:solidFill>
+              </a:rPr>
+              <a:t>20th June 2020</a:t>
+            </a:r>
+          </a:p>
+          <a:p>
+            <a:pPr algn="ctr"/>
+            <a:endParaRPr lang="es-ES_tradnl" dirty="0">
+              <a:solidFill>
+                <a:schemeClr val="bg1"/>
+              </a:solidFill>
+            </a:endParaRPr>
+          </a:p>
+          <a:p>
+            <a:pPr algn="ctr"/>
+            <a:endParaRPr lang="en-US" dirty="0">
+              <a:solidFill>
+                <a:schemeClr val="bg1"/>
+              </a:solidFill>
             </a:endParaRPr>
           </a:p>
         </p:txBody>
@@ -11245,22 +14453,49 @@
           <a:bodyPr lIns="90000" tIns="45000" rIns="90000" bIns="45000" anchor="ctr"/>
           <a:lstStyle/>
           <a:p>
-            <a:pPr>
+            <a:pPr marL="0" marR="0" lvl="0" indent="0" algn="l" defTabSz="914400" rtl="0" eaLnBrk="1" fontAlgn="auto" latinLnBrk="0" hangingPunct="1">
               <a:lnSpc>
                 <a:spcPct val="90000"/>
               </a:lnSpc>
+              <a:spcBef>
+                <a:spcPts val="0"/>
+              </a:spcBef>
+              <a:spcAft>
+                <a:spcPts val="0"/>
+              </a:spcAft>
+              <a:buClrTx/>
+              <a:buSzTx/>
+              <a:buFontTx/>
+              <a:buNone/>
+              <a:tabLst/>
+              <a:defRPr/>
             </a:pPr>
             <a:r>
-              <a:rPr lang="en-US" sz="4000" b="1" strike="noStrike" spc="-1">
+              <a:rPr kumimoji="0" lang="en-US" sz="4000" b="1" i="0" u="none" strike="noStrike" kern="1200" cap="none" spc="-1" normalizeH="0" baseline="0" noProof="0">
+                <a:ln>
+                  <a:noFill/>
+                </a:ln>
                 <a:solidFill>
                   <a:srgbClr val="BE005A"/>
                 </a:solidFill>
+                <a:effectLst/>
+                <a:uLnTx/>
+                <a:uFillTx/>
                 <a:latin typeface="Avenir Next LT Pro"/>
                 <a:ea typeface="DejaVu Sans"/>
               </a:rPr>
               <a:t>Why...</a:t>
             </a:r>
-            <a:endParaRPr lang="en-US" sz="4000" b="0" strike="noStrike" spc="-1">
+            <a:endParaRPr kumimoji="0" lang="en-US" sz="4000" b="0" i="0" u="none" strike="noStrike" kern="1200" cap="none" spc="-1" normalizeH="0" baseline="0" noProof="0">
+              <a:ln>
+                <a:noFill/>
+              </a:ln>
+              <a:solidFill>
+                <a:prstClr val="black"/>
+              </a:solidFill>
+              <a:effectLst/>
+              <a:uLnTx/>
+              <a:uFillTx/>
               <a:latin typeface="Arial"/>
             </a:endParaRPr>
           </a:p>
@@ -11301,22 +14536,49 @@
           <a:bodyPr lIns="90000" tIns="45000" rIns="90000" bIns="45000" anchor="ctr"/>
           <a:lstStyle/>
           <a:p>
-            <a:pPr>
+            <a:pPr marL="0" marR="0" lvl="0" indent="0" algn="l" defTabSz="914400" rtl="0" eaLnBrk="1" fontAlgn="auto" latinLnBrk="0" hangingPunct="1">
               <a:lnSpc>
                 <a:spcPct val="100000"/>
               </a:lnSpc>
+              <a:spcBef>
+                <a:spcPts val="0"/>
+              </a:spcBef>
+              <a:spcAft>
+                <a:spcPts val="0"/>
+              </a:spcAft>
+              <a:buClrTx/>
+              <a:buSzTx/>
+              <a:buFontTx/>
+              <a:buNone/>
+              <a:tabLst/>
+              <a:defRPr/>
             </a:pPr>
             <a:r>
-              <a:rPr lang="en-US" sz="1200" b="0" i="1" strike="noStrike" spc="-1">
+              <a:rPr kumimoji="0" lang="en-US" sz="1200" b="0" i="1" u="none" strike="noStrike" kern="1200" cap="none" spc="-1" normalizeH="0" baseline="0" noProof="0">
+                <a:ln>
+                  <a:noFill/>
+                </a:ln>
                 <a:solidFill>
                   <a:srgbClr val="3B2CAC"/>
                 </a:solidFill>
+                <a:effectLst/>
+                <a:uLnTx/>
+                <a:uFillTx/>
                 <a:latin typeface="Speak Pro"/>
                 <a:ea typeface="DejaVu Sans"/>
               </a:rPr>
               <a:t>What’s new in FakeXrmEasy v2.x</a:t>
             </a:r>
-            <a:endParaRPr lang="en-US" sz="1200" b="0" strike="noStrike" spc="-1">
+            <a:endParaRPr kumimoji="0" lang="en-US" sz="1200" b="0" i="0" u="none" strike="noStrike" kern="1200" cap="none" spc="-1" normalizeH="0" baseline="0" noProof="0">
+              <a:ln>
+                <a:noFill/>
+              </a:ln>
+              <a:solidFill>
+                <a:prstClr val="black"/>
+              </a:solidFill>
+              <a:effectLst/>
+              <a:uLnTx/>
+              <a:uFillTx/>
               <a:latin typeface="Arial"/>
             </a:endParaRPr>
           </a:p>
@@ -11357,22 +14619,66 @@
           <a:bodyPr lIns="90000" tIns="45000" rIns="90000" bIns="45000" anchor="ctr"/>
           <a:lstStyle/>
           <a:p>
-            <a:pPr algn="r">
+            <a:pPr marL="0" marR="0" lvl="0" indent="0" algn="r" defTabSz="914400" rtl="0" eaLnBrk="1" fontAlgn="auto" latinLnBrk="0" hangingPunct="1">
               <a:lnSpc>
                 <a:spcPct val="100000"/>
               </a:lnSpc>
+              <a:spcBef>
+                <a:spcPts val="0"/>
+              </a:spcBef>
+              <a:spcAft>
+                <a:spcPts val="0"/>
+              </a:spcAft>
+              <a:buClrTx/>
+              <a:buSzTx/>
+              <a:buFontTx/>
+              <a:buNone/>
+              <a:tabLst/>
+              <a:defRPr/>
             </a:pPr>
             <a:fld id="{99978D7A-4D4D-4ED7-A367-DF1C2BBF83C7}" type="slidenum">
-              <a:rPr lang="en-US" sz="1200" b="0" i="1" strike="noStrike" spc="-1">
+              <a:rPr kumimoji="0" lang="en-US" sz="1200" b="0" i="1" u="none" strike="noStrike" kern="1200" cap="none" spc="-1" normalizeH="0" baseline="0" noProof="0">
+                <a:ln>
+                  <a:noFill/>
+                </a:ln>
                 <a:solidFill>
                   <a:srgbClr val="FFCD6B"/>
                 </a:solidFill>
+                <a:effectLst/>
+                <a:uLnTx/>
+                <a:uFillTx/>
                 <a:latin typeface="Speak Pro"/>
                 <a:ea typeface="DejaVu Sans"/>
               </a:rPr>
+              <a:pPr marL="0" marR="0" lvl="0" indent="0" algn="r" defTabSz="914400" rtl="0" eaLnBrk="1" fontAlgn="auto" latinLnBrk="0" hangingPunct="1">
+                <a:lnSpc>
+                  <a:spcPct val="100000"/>
+                </a:lnSpc>
+                <a:spcBef>
+                  <a:spcPts val="0"/>
+                </a:spcBef>
+                <a:spcAft>
+                  <a:spcPts val="0"/>
+                </a:spcAft>
+                <a:buClrTx/>
+                <a:buSzTx/>
+                <a:buFontTx/>
+                <a:buNone/>
+                <a:tabLst/>
+                <a:defRPr/>
+              </a:pPr>
               <a:t>6</a:t>
             </a:fld>
-            <a:endParaRPr lang="en-US" sz="1200" b="0" strike="noStrike" spc="-1">
+            <a:endParaRPr kumimoji="0" lang="en-US" sz="1200" b="0" i="0" u="none" strike="noStrike" kern="1200" cap="none" spc="-1" normalizeH="0" baseline="0" noProof="0">
+              <a:ln>
+                <a:noFill/>
+              </a:ln>
+              <a:solidFill>
+                <a:prstClr val="black"/>
+              </a:solidFill>
+              <a:effectLst/>
+              <a:uLnTx/>
+              <a:uFillTx/>
               <a:latin typeface="Arial"/>
             </a:endParaRPr>
           </a:p>
@@ -11413,25 +14719,49 @@
           <a:bodyPr lIns="90000" tIns="45000" rIns="90000" bIns="45000"/>
           <a:lstStyle/>
           <a:p>
-            <a:pPr>
+            <a:pPr marL="0" marR="0" lvl="0" indent="0" algn="l" defTabSz="914400" rtl="0" eaLnBrk="1" fontAlgn="auto" latinLnBrk="0" hangingPunct="1">
               <a:lnSpc>
                 <a:spcPct val="90000"/>
               </a:lnSpc>
               <a:spcBef>
                 <a:spcPts val="1001"/>
               </a:spcBef>
+              <a:spcAft>
+                <a:spcPts val="0"/>
+              </a:spcAft>
+              <a:buClrTx/>
+              <a:buSzTx/>
+              <a:buFontTx/>
+              <a:buNone/>
+              <a:tabLst/>
+              <a:defRPr/>
             </a:pPr>
             <a:r>
-              <a:rPr lang="en-US" sz="2500" b="1" strike="noStrike" spc="-1">
+              <a:rPr kumimoji="0" lang="en-US" sz="2500" b="1" i="0" u="none" strike="noStrike" kern="1200" cap="none" spc="-1" normalizeH="0" baseline="0" noProof="0" dirty="0">
+                <a:ln>
+                  <a:noFill/>
+                </a:ln>
                 <a:solidFill>
                   <a:srgbClr val="BE005A"/>
                 </a:solidFill>
+                <a:effectLst/>
+                <a:uLnTx/>
+                <a:uFillTx/>
                 <a:latin typeface="Speak Pro"/>
                 <a:ea typeface="DejaVu Sans"/>
               </a:rPr>
               <a:t>...Unit Testing?</a:t>
             </a:r>
-            <a:endParaRPr lang="en-US" sz="2500" b="0" strike="noStrike" spc="-1">
+            <a:endParaRPr kumimoji="0" lang="en-US" sz="2500" b="0" i="0" u="none" strike="noStrike" kern="1200" cap="none" spc="-1" normalizeH="0" baseline="0" noProof="0" dirty="0">
+              <a:ln>
+                <a:noFill/>
+              </a:ln>
+              <a:solidFill>
+                <a:prstClr val="black"/>
+              </a:solidFill>
+              <a:effectLst/>
+              <a:uLnTx/>
+              <a:uFillTx/>
               <a:latin typeface="Arial"/>
             </a:endParaRPr>
           </a:p>
@@ -11499,31 +14829,50 @@
           </a:bodyPr>
           <a:lstStyle/>
           <a:p>
-            <a:pPr marL="342900" indent="-342900">
+            <a:pPr marL="342900" marR="0" lvl="0" indent="-342900" algn="l" defTabSz="914400" rtl="0" eaLnBrk="1" fontAlgn="auto" latinLnBrk="0" hangingPunct="1">
               <a:lnSpc>
                 <a:spcPct val="100000"/>
               </a:lnSpc>
               <a:spcBef>
                 <a:spcPts val="601"/>
               </a:spcBef>
+              <a:spcAft>
+                <a:spcPts val="0"/>
+              </a:spcAft>
+              <a:buClrTx/>
+              <a:buSzTx/>
               <a:buFont typeface="Arial" panose="020B0604020202020204" pitchFamily="34" charset="0"/>
               <a:buChar char="•"/>
+              <a:tabLst/>
+              <a:defRPr/>
             </a:pPr>
             <a:r>
-              <a:rPr lang="en-US" sz="2200" b="1" strike="noStrike" spc="-1" dirty="0">
+              <a:rPr kumimoji="0" lang="en-US" sz="2200" b="1" i="0" u="sng" strike="noStrike" kern="1200" cap="none" spc="-1" normalizeH="0" baseline="0" noProof="0" dirty="0">
+                <a:ln>
+                  <a:noFill/>
+                </a:ln>
                 <a:solidFill>
                   <a:srgbClr val="FFFFFF"/>
                 </a:solidFill>
+                <a:effectLst/>
+                <a:uLnTx/>
+                <a:uFillTx/>
                 <a:latin typeface="Speak Pro"/>
                 <a:ea typeface="DejaVu Sans"/>
               </a:rPr>
               <a:t>Proactive</a:t>
             </a:r>
             <a:r>
-              <a:rPr lang="en-US" sz="2200" b="0" strike="noStrike" spc="-1" dirty="0">
+              <a:rPr kumimoji="0" lang="en-US" sz="2200" b="0" i="0" u="none" strike="noStrike" kern="1200" cap="none" spc="-1" normalizeH="0" baseline="0" noProof="0" dirty="0">
+                <a:ln>
+                  <a:noFill/>
+                </a:ln>
                 <a:solidFill>
                   <a:srgbClr val="FFFFFF"/>
                 </a:solidFill>
+                <a:effectLst/>
+                <a:uLnTx/>
+                <a:uFillTx/>
                 <a:latin typeface="Speak Pro"/>
                 <a:ea typeface="DejaVu Sans"/>
               </a:rPr>
@@ -11531,220 +14880,480 @@
             </a:r>
           </a:p>
           <a:p>
-            <a:pPr marL="342900" indent="-342900">
+            <a:pPr marL="342900" marR="0" lvl="0" indent="-342900" algn="l" defTabSz="914400" rtl="0" eaLnBrk="1" fontAlgn="auto" latinLnBrk="0" hangingPunct="1">
               <a:lnSpc>
                 <a:spcPct val="100000"/>
               </a:lnSpc>
               <a:spcBef>
                 <a:spcPts val="601"/>
               </a:spcBef>
+              <a:spcAft>
+                <a:spcPts val="0"/>
+              </a:spcAft>
+              <a:buClrTx/>
+              <a:buSzTx/>
               <a:buFont typeface="Arial" panose="020B0604020202020204" pitchFamily="34" charset="0"/>
               <a:buChar char="•"/>
+              <a:tabLst/>
+              <a:defRPr/>
             </a:pPr>
             <a:r>
-              <a:rPr lang="es-ES_tradnl" sz="2200" b="1" spc="-1" dirty="0">
+              <a:rPr kumimoji="0" lang="es-ES_tradnl" sz="2200" b="1" i="0" u="sng" strike="noStrike" kern="1200" cap="none" spc="-1" normalizeH="0" baseline="0" noProof="0" dirty="0">
+                <a:ln>
+                  <a:noFill/>
+                </a:ln>
                 <a:solidFill>
                   <a:srgbClr val="FFFFFF"/>
                 </a:solidFill>
+                <a:effectLst/>
+                <a:uLnTx/>
+                <a:uFillTx/>
                 <a:latin typeface="Speak Pro"/>
               </a:rPr>
               <a:t>A</a:t>
             </a:r>
             <a:r>
-              <a:rPr lang="en-US" sz="2200" b="1" spc="-1" dirty="0" err="1">
+              <a:rPr kumimoji="0" lang="en-US" sz="2200" b="1" i="0" u="sng" strike="noStrike" kern="1200" cap="none" spc="-1" normalizeH="0" baseline="0" noProof="0" dirty="0" err="1">
+                <a:ln>
+                  <a:noFill/>
+                </a:ln>
                 <a:solidFill>
                   <a:srgbClr val="FFFFFF"/>
                 </a:solidFill>
+                <a:effectLst/>
+                <a:uLnTx/>
+                <a:uFillTx/>
                 <a:latin typeface="Speak Pro"/>
               </a:rPr>
               <a:t>utomated</a:t>
             </a:r>
             <a:r>
-              <a:rPr lang="en-US" sz="2200" b="1" spc="-1" dirty="0">
+              <a:rPr kumimoji="0" lang="en-US" sz="2200" b="1" i="0" u="sng" strike="noStrike" kern="1200" cap="none" spc="-1" normalizeH="0" baseline="0" noProof="0" dirty="0">
+                <a:ln>
+                  <a:noFill/>
+                </a:ln>
                 <a:solidFill>
                   <a:srgbClr val="FFFFFF"/>
                 </a:solidFill>
+                <a:effectLst/>
+                <a:uLnTx/>
+                <a:uFillTx/>
                 <a:latin typeface="Speak Pro"/>
               </a:rPr>
               <a:t> regression </a:t>
             </a:r>
             <a:r>
-              <a:rPr lang="en-US" sz="2200" spc="-1" dirty="0">
+              <a:rPr kumimoji="0" lang="en-US" sz="2200" b="0" i="0" u="none" strike="noStrike" kern="1200" cap="none" spc="-1" normalizeH="0" baseline="0" noProof="0" dirty="0">
+                <a:ln>
+                  <a:noFill/>
+                </a:ln>
                 <a:solidFill>
                   <a:srgbClr val="FFFFFF"/>
                 </a:solidFill>
+                <a:effectLst/>
+                <a:uLnTx/>
+                <a:uFillTx/>
                 <a:latin typeface="Speak Pro"/>
               </a:rPr>
               <a:t>testing</a:t>
             </a:r>
           </a:p>
           <a:p>
-            <a:pPr marL="342900" indent="-342900">
+            <a:pPr marL="342900" marR="0" lvl="0" indent="-342900" algn="l" defTabSz="914400" rtl="0" eaLnBrk="1" fontAlgn="auto" latinLnBrk="0" hangingPunct="1">
               <a:lnSpc>
                 <a:spcPct val="100000"/>
               </a:lnSpc>
               <a:spcBef>
                 <a:spcPts val="601"/>
               </a:spcBef>
+              <a:spcAft>
+                <a:spcPts val="0"/>
+              </a:spcAft>
+              <a:buClrTx/>
+              <a:buSzTx/>
               <a:buFont typeface="Arial" panose="020B0604020202020204" pitchFamily="34" charset="0"/>
               <a:buChar char="•"/>
+              <a:tabLst/>
+              <a:defRPr/>
             </a:pPr>
             <a:r>
-              <a:rPr lang="es-ES_tradnl" sz="2200" b="1" strike="noStrike" spc="-1" dirty="0">
+              <a:rPr kumimoji="0" lang="es-ES_tradnl" sz="2200" b="1" i="0" u="sng" strike="noStrike" kern="1200" cap="none" spc="-1" normalizeH="0" baseline="0" noProof="0" dirty="0">
+                <a:ln>
+                  <a:noFill/>
+                </a:ln>
                 <a:solidFill>
                   <a:srgbClr val="FFFFFF"/>
                 </a:solidFill>
+                <a:effectLst/>
+                <a:uLnTx/>
+                <a:uFillTx/>
                 <a:latin typeface="Speak Pro"/>
               </a:rPr>
               <a:t>K</a:t>
             </a:r>
             <a:r>
-              <a:rPr lang="en-US" sz="2200" b="1" strike="noStrike" spc="-1" dirty="0" err="1">
+              <a:rPr kumimoji="0" lang="en-US" sz="2200" b="1" i="0" u="sng" strike="noStrike" kern="1200" cap="none" spc="-1" normalizeH="0" baseline="0" noProof="0" dirty="0" err="1">
+                <a:ln>
+                  <a:noFill/>
+                </a:ln>
                 <a:solidFill>
                   <a:srgbClr val="FFFFFF"/>
                 </a:solidFill>
+                <a:effectLst/>
+                <a:uLnTx/>
+                <a:uFillTx/>
                 <a:latin typeface="Speak Pro"/>
               </a:rPr>
               <a:t>ey</a:t>
             </a:r>
             <a:r>
-              <a:rPr lang="en-US" sz="2200" b="1" strike="noStrike" spc="-1" dirty="0">
+              <a:rPr kumimoji="0" lang="en-US" sz="2200" b="1" i="0" u="sng" strike="noStrike" kern="1200" cap="none" spc="-1" normalizeH="0" baseline="0" noProof="0" dirty="0">
+                <a:ln>
+                  <a:noFill/>
+                </a:ln>
                 <a:solidFill>
                   <a:srgbClr val="FFFFFF"/>
                 </a:solidFill>
+                <a:effectLst/>
+                <a:uLnTx/>
+                <a:uFillTx/>
                 <a:latin typeface="Speak Pro"/>
               </a:rPr>
-              <a:t> Part of DevOps lifecycle</a:t>
+              <a:t> Part </a:t>
             </a:r>
             <a:r>
-              <a:rPr lang="en-US" sz="2200" b="0" strike="noStrike" spc="-1" dirty="0">
+              <a:rPr kumimoji="0" lang="en-US" sz="2200" b="1" i="0" u="none" strike="noStrike" kern="1200" cap="none" spc="-1" normalizeH="0" baseline="0" noProof="0" dirty="0">
+                <a:ln>
+                  <a:noFill/>
+                </a:ln>
                 <a:solidFill>
                   <a:srgbClr val="FFFFFF"/>
                 </a:solidFill>
+                <a:effectLst/>
+                <a:uLnTx/>
+                <a:uFillTx/>
+                <a:latin typeface="Speak Pro"/>
+              </a:rPr>
+              <a:t>of DevOps lifecycle</a:t>
+            </a:r>
+            <a:r>
+              <a:rPr kumimoji="0" lang="en-US" sz="2200" b="0" i="0" u="none" strike="noStrike" kern="1200" cap="none" spc="-1" normalizeH="0" baseline="0" noProof="0" dirty="0">
+                <a:ln>
+                  <a:noFill/>
+                </a:ln>
+                <a:solidFill>
+                  <a:srgbClr val="FFFFFF"/>
+                </a:solidFill>
+                <a:effectLst/>
+                <a:uLnTx/>
+                <a:uFillTx/>
                 <a:latin typeface="Speak Pro"/>
               </a:rPr>
               <a:t>: we </a:t>
             </a:r>
             <a:r>
-              <a:rPr lang="en-US" sz="2200" b="1" u="sng" strike="noStrike" spc="-1" dirty="0">
+              <a:rPr kumimoji="0" lang="en-US" sz="2200" b="1" i="0" u="sng" strike="noStrike" kern="1200" cap="none" spc="-1" normalizeH="0" baseline="0" noProof="0" dirty="0">
+                <a:ln>
+                  <a:noFill/>
+                </a:ln>
                 <a:solidFill>
                   <a:srgbClr val="FFFFFF"/>
                 </a:solidFill>
+                <a:effectLst/>
+                <a:uLnTx/>
+                <a:uFillTx/>
                 <a:latin typeface="Speak Pro"/>
               </a:rPr>
               <a:t>can’t </a:t>
             </a:r>
             <a:r>
-              <a:rPr lang="en-US" sz="2200" b="0" strike="noStrike" spc="-1" dirty="0">
+              <a:rPr kumimoji="0" lang="en-US" sz="2200" b="0" i="0" u="none" strike="noStrike" kern="1200" cap="none" spc="-1" normalizeH="0" baseline="0" noProof="0" dirty="0">
+                <a:ln>
+                  <a:noFill/>
+                </a:ln>
                 <a:solidFill>
                   <a:srgbClr val="FFFFFF"/>
                 </a:solidFill>
+                <a:effectLst/>
+                <a:uLnTx/>
+                <a:uFillTx/>
                 <a:latin typeface="Speak Pro"/>
               </a:rPr>
               <a:t>deploy fast without continuous automated testing…</a:t>
             </a:r>
-            <a:endParaRPr lang="en-US" sz="2200" b="0" strike="noStrike" spc="-1" dirty="0">
-              <a:latin typeface="Arial"/>
-            </a:endParaRPr>
-          </a:p>
-          <a:p>
-            <a:pPr>
+          </a:p>
+          <a:p>
+            <a:pPr marL="342900" marR="0" lvl="0" indent="-342900" algn="l" defTabSz="914400" rtl="0" eaLnBrk="1" fontAlgn="auto" latinLnBrk="0" hangingPunct="1">
               <a:lnSpc>
                 <a:spcPct val="100000"/>
               </a:lnSpc>
               <a:spcBef>
                 <a:spcPts val="601"/>
               </a:spcBef>
+              <a:spcAft>
+                <a:spcPts val="0"/>
+              </a:spcAft>
+              <a:buClrTx/>
+              <a:buSzTx/>
+              <a:buFont typeface="Arial" panose="020B0604020202020204" pitchFamily="34" charset="0"/>
+              <a:buChar char="•"/>
+              <a:tabLst/>
+              <a:defRPr/>
             </a:pPr>
-            <a:endParaRPr lang="en-US" sz="2200" b="0" strike="noStrike" spc="-1" dirty="0">
-              <a:latin typeface="Arial"/>
-            </a:endParaRPr>
-          </a:p>
-          <a:p>
-            <a:pPr>
+            <a:r>
+              <a:rPr kumimoji="0" lang="en-US" sz="2200" b="1" i="0" u="sng" strike="noStrike" kern="1200" cap="none" spc="-1" normalizeH="0" baseline="0" noProof="0" dirty="0">
+                <a:ln>
+                  <a:noFill/>
+                </a:ln>
+                <a:solidFill>
+                  <a:srgbClr val="FFFFFF"/>
+                </a:solidFill>
+                <a:effectLst/>
+                <a:uLnTx/>
+                <a:uFillTx/>
+                <a:latin typeface="Speak Pro"/>
+              </a:rPr>
+              <a:t>Before</a:t>
+            </a:r>
+            <a:r>
+              <a:rPr kumimoji="0" lang="en-US" sz="2200" b="0" i="0" u="none" strike="noStrike" kern="1200" cap="none" spc="-1" normalizeH="0" baseline="0" noProof="0" dirty="0">
+                <a:ln>
+                  <a:noFill/>
+                </a:ln>
+                <a:solidFill>
+                  <a:srgbClr val="FFFFFF"/>
+                </a:solidFill>
+                <a:effectLst/>
+                <a:uLnTx/>
+                <a:uFillTx/>
+                <a:latin typeface="Speak Pro"/>
+              </a:rPr>
+              <a:t> any other test automation phases (Integration, UI, …)</a:t>
+            </a:r>
+            <a:endParaRPr kumimoji="0" lang="en-US" sz="2200" b="0" i="0" u="none" strike="noStrike" kern="1200" cap="none" spc="-1" normalizeH="0" baseline="0" noProof="0" dirty="0">
+              <a:ln>
+                <a:noFill/>
+              </a:ln>
+              <a:solidFill>
+                <a:prstClr val="black"/>
+              </a:solidFill>
+              <a:effectLst/>
+              <a:uLnTx/>
+              <a:uFillTx/>
+              <a:latin typeface="Arial"/>
+            </a:endParaRPr>
+          </a:p>
+          <a:p>
+            <a:pPr marL="0" marR="0" lvl="0" indent="0" algn="l" defTabSz="914400" rtl="0" eaLnBrk="1" fontAlgn="auto" latinLnBrk="0" hangingPunct="1">
               <a:lnSpc>
                 <a:spcPct val="100000"/>
               </a:lnSpc>
               <a:spcBef>
                 <a:spcPts val="601"/>
               </a:spcBef>
+              <a:spcAft>
+                <a:spcPts val="0"/>
+              </a:spcAft>
+              <a:buClrTx/>
+              <a:buSzTx/>
+              <a:buFontTx/>
+              <a:buNone/>
+              <a:tabLst/>
+              <a:defRPr/>
+            </a:pPr>
+            <a:endParaRPr kumimoji="0" lang="en-US" sz="2200" b="0" i="0" u="none" strike="noStrike" kern="1200" cap="none" spc="-1" normalizeH="0" baseline="0" noProof="0" dirty="0">
+              <a:ln>
+                <a:noFill/>
+              </a:ln>
+              <a:solidFill>
+                <a:prstClr val="black"/>
+              </a:solidFill>
+              <a:effectLst/>
+              <a:uLnTx/>
+              <a:uFillTx/>
+              <a:latin typeface="Arial"/>
+            </a:endParaRPr>
+          </a:p>
+          <a:p>
+            <a:pPr marL="0" marR="0" lvl="0" indent="0" algn="l" defTabSz="914400" rtl="0" eaLnBrk="1" fontAlgn="auto" latinLnBrk="0" hangingPunct="1">
+              <a:lnSpc>
+                <a:spcPct val="100000"/>
+              </a:lnSpc>
+              <a:spcBef>
+                <a:spcPts val="601"/>
+              </a:spcBef>
+              <a:spcAft>
+                <a:spcPts val="0"/>
+              </a:spcAft>
+              <a:buClrTx/>
+              <a:buSzTx/>
+              <a:buFontTx/>
+              <a:buNone/>
+              <a:tabLst/>
+              <a:defRPr/>
             </a:pPr>
             <a:r>
-              <a:rPr lang="en-US" sz="2200" b="0" strike="noStrike" spc="-1" dirty="0">
+              <a:rPr kumimoji="0" lang="en-US" sz="2200" b="0" i="0" u="none" strike="noStrike" kern="1200" cap="none" spc="-1" normalizeH="0" baseline="0" noProof="0" dirty="0">
+                <a:ln>
+                  <a:noFill/>
+                </a:ln>
                 <a:solidFill>
                   <a:srgbClr val="FFFFFF"/>
                 </a:solidFill>
+                <a:effectLst/>
+                <a:uLnTx/>
+                <a:uFillTx/>
                 <a:latin typeface="Speak Pro"/>
                 <a:ea typeface="DejaVu Sans"/>
               </a:rPr>
               <a:t>* Bring issues closer to </a:t>
             </a:r>
             <a:r>
-              <a:rPr lang="en-US" sz="2200" b="0" strike="noStrike" spc="-1" dirty="0" err="1">
+              <a:rPr kumimoji="0" lang="en-US" sz="2200" b="0" i="0" u="none" strike="noStrike" kern="1200" cap="none" spc="-1" normalizeH="0" baseline="0" noProof="0" dirty="0" err="1">
+                <a:ln>
+                  <a:noFill/>
+                </a:ln>
                 <a:solidFill>
                   <a:srgbClr val="FFFFFF"/>
                 </a:solidFill>
+                <a:effectLst/>
+                <a:uLnTx/>
+                <a:uFillTx/>
                 <a:latin typeface="Speak Pro"/>
                 <a:ea typeface="DejaVu Sans"/>
               </a:rPr>
               <a:t>devs</a:t>
             </a:r>
             <a:r>
-              <a:rPr lang="en-US" sz="2200" b="0" strike="noStrike" spc="-1" dirty="0">
+              <a:rPr kumimoji="0" lang="en-US" sz="2200" b="0" i="0" u="none" strike="noStrike" kern="1200" cap="none" spc="-1" normalizeH="0" baseline="0" noProof="0" dirty="0">
+                <a:ln>
+                  <a:noFill/>
+                </a:ln>
                 <a:solidFill>
                   <a:srgbClr val="FFFFFF"/>
                 </a:solidFill>
+                <a:effectLst/>
+                <a:uLnTx/>
+                <a:uFillTx/>
                 <a:latin typeface="Speak Pro"/>
                 <a:ea typeface="DejaVu Sans"/>
               </a:rPr>
               <a:t> (us), where they’re easier and more cost efficient to fix</a:t>
             </a:r>
-            <a:endParaRPr lang="en-US" sz="2200" b="0" strike="noStrike" spc="-1" dirty="0">
-              <a:latin typeface="Arial"/>
-            </a:endParaRPr>
-          </a:p>
-          <a:p>
-            <a:pPr>
+            <a:endParaRPr kumimoji="0" lang="en-US" sz="2200" b="0" i="0" u="none" strike="noStrike" kern="1200" cap="none" spc="-1" normalizeH="0" baseline="0" noProof="0" dirty="0">
+              <a:ln>
+                <a:noFill/>
+              </a:ln>
+              <a:solidFill>
+                <a:prstClr val="black"/>
+              </a:solidFill>
+              <a:effectLst/>
+              <a:uLnTx/>
+              <a:uFillTx/>
+              <a:latin typeface="Arial"/>
+            </a:endParaRPr>
+          </a:p>
+          <a:p>
+            <a:pPr marL="0" marR="0" lvl="0" indent="0" algn="l" defTabSz="914400" rtl="0" eaLnBrk="1" fontAlgn="auto" latinLnBrk="0" hangingPunct="1">
               <a:lnSpc>
                 <a:spcPct val="100000"/>
               </a:lnSpc>
               <a:spcBef>
                 <a:spcPts val="601"/>
               </a:spcBef>
+              <a:spcAft>
+                <a:spcPts val="0"/>
+              </a:spcAft>
+              <a:buClrTx/>
+              <a:buSzTx/>
+              <a:buFontTx/>
+              <a:buNone/>
+              <a:tabLst/>
+              <a:defRPr/>
             </a:pPr>
-            <a:endParaRPr lang="en-US" sz="2200" b="0" strike="noStrike" spc="-1" dirty="0">
-              <a:latin typeface="Arial"/>
-            </a:endParaRPr>
-          </a:p>
-          <a:p>
-            <a:pPr>
+            <a:endParaRPr kumimoji="0" lang="en-US" sz="2200" b="0" i="0" u="none" strike="noStrike" kern="1200" cap="none" spc="-1" normalizeH="0" baseline="0" noProof="0" dirty="0">
+              <a:ln>
+                <a:noFill/>
+              </a:ln>
+              <a:solidFill>
+                <a:prstClr val="black"/>
+              </a:solidFill>
+              <a:effectLst/>
+              <a:uLnTx/>
+              <a:uFillTx/>
+              <a:latin typeface="Arial"/>
+            </a:endParaRPr>
+          </a:p>
+          <a:p>
+            <a:pPr marL="0" marR="0" lvl="0" indent="0" algn="l" defTabSz="914400" rtl="0" eaLnBrk="1" fontAlgn="auto" latinLnBrk="0" hangingPunct="1">
               <a:lnSpc>
                 <a:spcPct val="100000"/>
               </a:lnSpc>
               <a:spcBef>
                 <a:spcPts val="601"/>
               </a:spcBef>
+              <a:spcAft>
+                <a:spcPts val="0"/>
+              </a:spcAft>
+              <a:buClrTx/>
+              <a:buSzTx/>
+              <a:buFontTx/>
+              <a:buNone/>
+              <a:tabLst/>
+              <a:defRPr/>
             </a:pPr>
-            <a:endParaRPr lang="en-US" sz="2200" b="0" strike="noStrike" spc="-1" dirty="0">
-              <a:latin typeface="Arial"/>
-            </a:endParaRPr>
-          </a:p>
-          <a:p>
-            <a:pPr>
+            <a:endParaRPr kumimoji="0" lang="en-US" sz="2200" b="0" i="0" u="none" strike="noStrike" kern="1200" cap="none" spc="-1" normalizeH="0" baseline="0" noProof="0" dirty="0">
+              <a:ln>
+                <a:noFill/>
+              </a:ln>
+              <a:solidFill>
+                <a:prstClr val="black"/>
+              </a:solidFill>
+              <a:effectLst/>
+              <a:uLnTx/>
+              <a:uFillTx/>
+              <a:latin typeface="Arial"/>
+            </a:endParaRPr>
+          </a:p>
+          <a:p>
+            <a:pPr marL="0" marR="0" lvl="0" indent="0" algn="l" defTabSz="914400" rtl="0" eaLnBrk="1" fontAlgn="auto" latinLnBrk="0" hangingPunct="1">
               <a:lnSpc>
                 <a:spcPct val="100000"/>
               </a:lnSpc>
               <a:spcBef>
                 <a:spcPts val="601"/>
               </a:spcBef>
+              <a:spcAft>
+                <a:spcPts val="0"/>
+              </a:spcAft>
+              <a:buClrTx/>
+              <a:buSzTx/>
+              <a:buFontTx/>
+              <a:buNone/>
+              <a:tabLst/>
+              <a:defRPr/>
             </a:pPr>
-            <a:endParaRPr lang="en-US" sz="2200" b="0" strike="noStrike" spc="-1" dirty="0">
+            <a:endParaRPr kumimoji="0" lang="en-US" sz="2200" b="0" i="0" u="none" strike="noStrike" kern="1200" cap="none" spc="-1" normalizeH="0" baseline="0" noProof="0" dirty="0">
+              <a:ln>
+                <a:noFill/>
+              </a:ln>
+              <a:solidFill>
+                <a:prstClr val="black"/>
+              </a:solidFill>
+              <a:effectLst/>
+              <a:uLnTx/>
+              <a:uFillTx/>
               <a:latin typeface="Arial"/>
             </a:endParaRPr>
           </a:p>
         </p:txBody>
       </p:sp>
     </p:spTree>
+    <p:extLst>
+      <p:ext uri="{BB962C8B-B14F-4D97-AF65-F5344CB8AC3E}">
+        <p14:creationId xmlns:p14="http://schemas.microsoft.com/office/powerpoint/2010/main" val="3754331953"/>
+      </p:ext>
+    </p:extLst>
   </p:cSld>
   <p:clrMapOvr>
     <a:masterClrMapping/>
@@ -12930,7 +16539,7 @@
       </p:grpSpPr>
       <p:sp>
         <p:nvSpPr>
-          <p:cNvPr id="298" name="CustomShape 1"/>
+          <p:cNvPr id="201" name="CustomShape 1"/>
           <p:cNvSpPr/>
           <p:nvPr/>
         </p:nvSpPr>
@@ -12963,40 +16572,57 @@
           <a:bodyPr lIns="90000" tIns="45000" rIns="90000" bIns="45000" anchor="ctr"/>
           <a:lstStyle/>
           <a:p>
-            <a:pPr>
+            <a:pPr marL="0" marR="0" lvl="0" indent="0" algn="l" defTabSz="914400" rtl="0" eaLnBrk="1" fontAlgn="auto" latinLnBrk="0" hangingPunct="1">
               <a:lnSpc>
                 <a:spcPct val="90000"/>
               </a:lnSpc>
+              <a:spcBef>
+                <a:spcPts val="0"/>
+              </a:spcBef>
+              <a:spcAft>
+                <a:spcPts val="0"/>
+              </a:spcAft>
+              <a:buClrTx/>
+              <a:buSzTx/>
+              <a:buFontTx/>
+              <a:buNone/>
+              <a:tabLst/>
+              <a:defRPr/>
             </a:pPr>
             <a:r>
-              <a:rPr lang="en-US" sz="4000" b="1" strike="noStrike" spc="-1" dirty="0">
+              <a:rPr kumimoji="0" lang="en-US" sz="4000" b="1" i="0" u="none" strike="noStrike" kern="1200" cap="none" spc="-1" normalizeH="0" baseline="0" noProof="0">
+                <a:ln>
+                  <a:noFill/>
+                </a:ln>
                 <a:solidFill>
                   <a:srgbClr val="BE005A"/>
                 </a:solidFill>
+                <a:effectLst/>
+                <a:uLnTx/>
+                <a:uFillTx/>
                 <a:latin typeface="Avenir Next LT Pro"/>
                 <a:ea typeface="DejaVu Sans"/>
               </a:rPr>
-              <a:t>Getting Started with </a:t>
+              <a:t>Why...</a:t>
             </a:r>
-            <a:r>
-              <a:rPr lang="en-US" sz="4000" b="1" strike="noStrike" spc="-1" dirty="0" err="1">
-                <a:solidFill>
-                  <a:srgbClr val="BE005A"/>
-                </a:solidFill>
-                <a:latin typeface="Avenir Next LT Pro"/>
-                <a:ea typeface="DejaVu Sans"/>
-              </a:rPr>
-              <a:t>FakeXrmEasy</a:t>
-            </a:r>
-            <a:endParaRPr lang="en-US" sz="4000" b="0" strike="noStrike" spc="-1" dirty="0">
-              <a:latin typeface="Arial"/>
-            </a:endParaRPr>
-          </a:p>
-        </p:txBody>
-      </p:sp>
-      <p:sp>
-        <p:nvSpPr>
-          <p:cNvPr id="299" name="CustomShape 2"/>
+            <a:endParaRPr kumimoji="0" lang="en-US" sz="4000" b="0" i="0" u="none" strike="noStrike" kern="1200" cap="none" spc="-1" normalizeH="0" baseline="0" noProof="0">
+              <a:ln>
+                <a:noFill/>
+              </a:ln>
+              <a:solidFill>
+                <a:prstClr val="black"/>
+              </a:solidFill>
+              <a:effectLst/>
+              <a:uLnTx/>
+              <a:uFillTx/>
+              <a:latin typeface="Arial"/>
+            </a:endParaRPr>
+          </a:p>
+        </p:txBody>
+      </p:sp>
+      <p:sp>
+        <p:nvSpPr>
+          <p:cNvPr id="202" name="CustomShape 2"/>
           <p:cNvSpPr/>
           <p:nvPr/>
         </p:nvSpPr>
@@ -13029,30 +16655,57 @@
           <a:bodyPr lIns="90000" tIns="45000" rIns="90000" bIns="45000" anchor="ctr"/>
           <a:lstStyle/>
           <a:p>
-            <a:pPr>
+            <a:pPr marL="0" marR="0" lvl="0" indent="0" algn="l" defTabSz="914400" rtl="0" eaLnBrk="1" fontAlgn="auto" latinLnBrk="0" hangingPunct="1">
               <a:lnSpc>
                 <a:spcPct val="100000"/>
               </a:lnSpc>
+              <a:spcBef>
+                <a:spcPts val="0"/>
+              </a:spcBef>
+              <a:spcAft>
+                <a:spcPts val="0"/>
+              </a:spcAft>
+              <a:buClrTx/>
+              <a:buSzTx/>
+              <a:buFontTx/>
+              <a:buNone/>
+              <a:tabLst/>
+              <a:defRPr/>
             </a:pPr>
             <a:r>
-              <a:rPr lang="en-US" sz="1200" b="0" i="1" strike="noStrike" spc="-1">
+              <a:rPr kumimoji="0" lang="en-US" sz="1200" b="0" i="1" u="none" strike="noStrike" kern="1200" cap="none" spc="-1" normalizeH="0" baseline="0" noProof="0">
+                <a:ln>
+                  <a:noFill/>
+                </a:ln>
                 <a:solidFill>
                   <a:srgbClr val="3B2CAC"/>
                 </a:solidFill>
+                <a:effectLst/>
+                <a:uLnTx/>
+                <a:uFillTx/>
                 <a:latin typeface="Speak Pro"/>
                 <a:ea typeface="DejaVu Sans"/>
               </a:rPr>
               <a:t>What’s new in FakeXrmEasy v2.x</a:t>
             </a:r>
-            <a:endParaRPr lang="en-US" sz="1200" b="0" strike="noStrike" spc="-1">
-              <a:latin typeface="Arial"/>
-            </a:endParaRPr>
-          </a:p>
-        </p:txBody>
-      </p:sp>
-      <p:sp>
-        <p:nvSpPr>
-          <p:cNvPr id="300" name="CustomShape 3"/>
+            <a:endParaRPr kumimoji="0" lang="en-US" sz="1200" b="0" i="0" u="none" strike="noStrike" kern="1200" cap="none" spc="-1" normalizeH="0" baseline="0" noProof="0">
+              <a:ln>
+                <a:noFill/>
+              </a:ln>
+              <a:solidFill>
+                <a:prstClr val="black"/>
+              </a:solidFill>
+              <a:effectLst/>
+              <a:uLnTx/>
+              <a:uFillTx/>
+              <a:latin typeface="Arial"/>
+            </a:endParaRPr>
+          </a:p>
+        </p:txBody>
+      </p:sp>
+      <p:sp>
+        <p:nvSpPr>
+          <p:cNvPr id="203" name="CustomShape 3"/>
           <p:cNvSpPr/>
           <p:nvPr/>
         </p:nvSpPr>
@@ -13085,30 +16738,74 @@
           <a:bodyPr lIns="90000" tIns="45000" rIns="90000" bIns="45000" anchor="ctr"/>
           <a:lstStyle/>
           <a:p>
-            <a:pPr algn="r">
+            <a:pPr marL="0" marR="0" lvl="0" indent="0" algn="r" defTabSz="914400" rtl="0" eaLnBrk="1" fontAlgn="auto" latinLnBrk="0" hangingPunct="1">
               <a:lnSpc>
                 <a:spcPct val="100000"/>
               </a:lnSpc>
+              <a:spcBef>
+                <a:spcPts val="0"/>
+              </a:spcBef>
+              <a:spcAft>
+                <a:spcPts val="0"/>
+              </a:spcAft>
+              <a:buClrTx/>
+              <a:buSzTx/>
+              <a:buFontTx/>
+              <a:buNone/>
+              <a:tabLst/>
+              <a:defRPr/>
             </a:pPr>
-            <a:fld id="{4C2995D3-8C24-48C6-9F78-0D1D23F82B58}" type="slidenum">
-              <a:rPr lang="en-US" sz="1200" b="0" i="1" strike="noStrike" spc="-1">
+            <a:fld id="{99978D7A-4D4D-4ED7-A367-DF1C2BBF83C7}" type="slidenum">
+              <a:rPr kumimoji="0" lang="en-US" sz="1200" b="0" i="1" u="none" strike="noStrike" kern="1200" cap="none" spc="-1" normalizeH="0" baseline="0" noProof="0">
+                <a:ln>
+                  <a:noFill/>
+                </a:ln>
                 <a:solidFill>
                   <a:srgbClr val="FFCD6B"/>
                 </a:solidFill>
+                <a:effectLst/>
+                <a:uLnTx/>
+                <a:uFillTx/>
                 <a:latin typeface="Speak Pro"/>
                 <a:ea typeface="DejaVu Sans"/>
               </a:rPr>
+              <a:pPr marL="0" marR="0" lvl="0" indent="0" algn="r" defTabSz="914400" rtl="0" eaLnBrk="1" fontAlgn="auto" latinLnBrk="0" hangingPunct="1">
+                <a:lnSpc>
+                  <a:spcPct val="100000"/>
+                </a:lnSpc>
+                <a:spcBef>
+                  <a:spcPts val="0"/>
+                </a:spcBef>
+                <a:spcAft>
+                  <a:spcPts val="0"/>
+                </a:spcAft>
+                <a:buClrTx/>
+                <a:buSzTx/>
+                <a:buFontTx/>
+                <a:buNone/>
+                <a:tabLst/>
+                <a:defRPr/>
+              </a:pPr>
               <a:t>8</a:t>
             </a:fld>
-            <a:endParaRPr lang="en-US" sz="1200" b="0" strike="noStrike" spc="-1">
-              <a:latin typeface="Arial"/>
-            </a:endParaRPr>
-          </a:p>
-        </p:txBody>
-      </p:sp>
-      <p:sp>
-        <p:nvSpPr>
-          <p:cNvPr id="301" name="CustomShape 4"/>
+            <a:endParaRPr kumimoji="0" lang="en-US" sz="1200" b="0" i="0" u="none" strike="noStrike" kern="1200" cap="none" spc="-1" normalizeH="0" baseline="0" noProof="0">
+              <a:ln>
+                <a:noFill/>
+              </a:ln>
+              <a:solidFill>
+                <a:prstClr val="black"/>
+              </a:solidFill>
+              <a:effectLst/>
+              <a:uLnTx/>
+              <a:uFillTx/>
+              <a:latin typeface="Arial"/>
+            </a:endParaRPr>
+          </a:p>
+        </p:txBody>
+      </p:sp>
+      <p:sp>
+        <p:nvSpPr>
+          <p:cNvPr id="204" name="CustomShape 4"/>
           <p:cNvSpPr/>
           <p:nvPr/>
         </p:nvSpPr>
@@ -13141,25 +16838,81 @@
           <a:bodyPr lIns="90000" tIns="45000" rIns="90000" bIns="45000"/>
           <a:lstStyle/>
           <a:p>
-            <a:pPr>
+            <a:pPr marL="0" marR="0" lvl="0" indent="0" algn="l" defTabSz="914400" rtl="0" eaLnBrk="1" fontAlgn="auto" latinLnBrk="0" hangingPunct="1">
               <a:lnSpc>
                 <a:spcPct val="90000"/>
               </a:lnSpc>
               <a:spcBef>
                 <a:spcPts val="1001"/>
               </a:spcBef>
+              <a:spcAft>
+                <a:spcPts val="0"/>
+              </a:spcAft>
+              <a:buClrTx/>
+              <a:buSzTx/>
+              <a:buFontTx/>
+              <a:buNone/>
+              <a:tabLst/>
+              <a:defRPr/>
             </a:pPr>
             <a:r>
-              <a:rPr lang="en-US" sz="2000" b="1" strike="noStrike" spc="-1">
+              <a:rPr kumimoji="0" lang="en-US" sz="2500" b="1" i="0" u="none" strike="noStrike" kern="1200" cap="none" spc="-1" normalizeH="0" baseline="0" noProof="0" dirty="0">
+                <a:ln>
+                  <a:noFill/>
+                </a:ln>
                 <a:solidFill>
                   <a:srgbClr val="BE005A"/>
                 </a:solidFill>
+                <a:effectLst/>
+                <a:uLnTx/>
+                <a:uFillTx/>
                 <a:latin typeface="Speak Pro"/>
                 <a:ea typeface="DejaVu Sans"/>
               </a:rPr>
-              <a:t>DEMO</a:t>
+              <a:t>...</a:t>
             </a:r>
-            <a:endParaRPr lang="en-US" sz="2000" b="0" strike="noStrike" spc="-1">
+            <a:r>
+              <a:rPr kumimoji="0" lang="en-US" sz="2500" b="1" i="0" u="none" strike="noStrike" kern="1200" cap="none" spc="-1" normalizeH="0" baseline="0" noProof="0" dirty="0" err="1">
+                <a:ln>
+                  <a:noFill/>
+                </a:ln>
+                <a:solidFill>
+                  <a:srgbClr val="BE005A"/>
+                </a:solidFill>
+                <a:effectLst/>
+                <a:uLnTx/>
+                <a:uFillTx/>
+                <a:latin typeface="Speak Pro"/>
+                <a:ea typeface="DejaVu Sans"/>
+              </a:rPr>
+              <a:t>FakeXrmEasy</a:t>
+            </a:r>
+            <a:r>
+              <a:rPr kumimoji="0" lang="en-US" sz="2500" b="1" i="0" u="none" strike="noStrike" kern="1200" cap="none" spc="-1" normalizeH="0" baseline="0" noProof="0" dirty="0">
+                <a:ln>
+                  <a:noFill/>
+                </a:ln>
+                <a:solidFill>
+                  <a:srgbClr val="BE005A"/>
+                </a:solidFill>
+                <a:effectLst/>
+                <a:uLnTx/>
+                <a:uFillTx/>
+                <a:latin typeface="Speak Pro"/>
+                <a:ea typeface="DejaVu Sans"/>
+              </a:rPr>
+              <a:t>?</a:t>
+            </a:r>
+            <a:endParaRPr kumimoji="0" lang="en-US" sz="2500" b="0" i="0" u="none" strike="noStrike" kern="1200" cap="none" spc="-1" normalizeH="0" baseline="0" noProof="0" dirty="0">
+              <a:ln>
+                <a:noFill/>
+              </a:ln>
+              <a:solidFill>
+                <a:prstClr val="black"/>
+              </a:solidFill>
+              <a:effectLst/>
+              <a:uLnTx/>
+              <a:uFillTx/>
               <a:latin typeface="Arial"/>
             </a:endParaRPr>
           </a:p>
@@ -13167,7 +16920,7 @@
       </p:sp>
       <p:pic>
         <p:nvPicPr>
-          <p:cNvPr id="302" name="Picture 9"/>
+          <p:cNvPr id="205" name="Picture 9"/>
           <p:cNvPicPr/>
           <p:nvPr/>
         </p:nvPicPr>
@@ -13192,13 +16945,13 @@
       </p:pic>
       <p:sp>
         <p:nvSpPr>
-          <p:cNvPr id="303" name="CustomShape 5"/>
+          <p:cNvPr id="206" name="CustomShape 5"/>
           <p:cNvSpPr/>
           <p:nvPr/>
         </p:nvSpPr>
         <p:spPr>
           <a:xfrm>
-            <a:off x="6400800" y="1385280"/>
+            <a:off x="6583680" y="1554480"/>
             <a:ext cx="5209920" cy="3838320"/>
           </a:xfrm>
           <a:prstGeom prst="rect">
@@ -13227,82 +16980,753 @@
           </a:bodyPr>
           <a:lstStyle/>
           <a:p>
-            <a:pPr>
+            <a:pPr marL="342900" marR="0" lvl="0" indent="-342900" algn="l" defTabSz="914400" rtl="0" eaLnBrk="1" fontAlgn="auto" latinLnBrk="0" hangingPunct="1">
               <a:lnSpc>
                 <a:spcPct val="100000"/>
               </a:lnSpc>
               <a:spcBef>
                 <a:spcPts val="601"/>
               </a:spcBef>
+              <a:spcAft>
+                <a:spcPts val="0"/>
+              </a:spcAft>
+              <a:buClrTx/>
+              <a:buSzTx/>
+              <a:buFont typeface="Arial" panose="020B0604020202020204" pitchFamily="34" charset="0"/>
+              <a:buChar char="•"/>
+              <a:tabLst/>
+              <a:defRPr/>
             </a:pPr>
-            <a:endParaRPr lang="en-US" sz="1800" b="0" strike="noStrike" spc="-1">
-              <a:latin typeface="Arial"/>
-            </a:endParaRPr>
-          </a:p>
-          <a:p>
-            <a:pPr>
+            <a:r>
+              <a:rPr kumimoji="0" lang="en-US" sz="2200" b="1" i="0" u="sng" strike="noStrike" kern="1200" cap="none" spc="-1" normalizeH="0" baseline="0" noProof="0" dirty="0">
+                <a:ln>
+                  <a:noFill/>
+                </a:ln>
+                <a:solidFill>
+                  <a:srgbClr val="FFFFFF"/>
+                </a:solidFill>
+                <a:effectLst/>
+                <a:uLnTx/>
+                <a:uFillTx/>
+                <a:latin typeface="Speak Pro"/>
+                <a:ea typeface="DejaVu Sans"/>
+              </a:rPr>
+              <a:t>Mocks already implemented</a:t>
+            </a:r>
+            <a:endParaRPr kumimoji="0" lang="en-US" sz="2200" b="0" i="0" u="none" strike="noStrike" kern="1200" cap="none" spc="-1" normalizeH="0" baseline="0" noProof="0" dirty="0">
+              <a:ln>
+                <a:noFill/>
+              </a:ln>
+              <a:solidFill>
+                <a:srgbClr val="FFFFFF"/>
+              </a:solidFill>
+              <a:effectLst/>
+              <a:uLnTx/>
+              <a:uFillTx/>
+              <a:latin typeface="Speak Pro"/>
+              <a:ea typeface="DejaVu Sans"/>
+            </a:endParaRPr>
+          </a:p>
+          <a:p>
+            <a:pPr marL="342900" marR="0" lvl="0" indent="-342900" algn="l" defTabSz="914400" rtl="0" eaLnBrk="1" fontAlgn="auto" latinLnBrk="0" hangingPunct="1">
               <a:lnSpc>
                 <a:spcPct val="100000"/>
               </a:lnSpc>
               <a:spcBef>
                 <a:spcPts val="601"/>
               </a:spcBef>
+              <a:spcAft>
+                <a:spcPts val="0"/>
+              </a:spcAft>
+              <a:buClrTx/>
+              <a:buSzTx/>
+              <a:buFont typeface="Arial" panose="020B0604020202020204" pitchFamily="34" charset="0"/>
+              <a:buChar char="•"/>
+              <a:tabLst/>
+              <a:defRPr/>
             </a:pPr>
-            <a:endParaRPr lang="en-US" sz="1800" b="0" strike="noStrike" spc="-1">
-              <a:latin typeface="Arial"/>
-            </a:endParaRPr>
-          </a:p>
-          <a:p>
-            <a:pPr>
+            <a:r>
+              <a:rPr kumimoji="0" lang="es-ES_tradnl" sz="2200" b="1" i="0" u="sng" strike="noStrike" kern="1200" cap="none" spc="-1" normalizeH="0" baseline="0" noProof="0" dirty="0">
+                <a:ln>
+                  <a:noFill/>
+                </a:ln>
+                <a:solidFill>
+                  <a:srgbClr val="FFFFFF"/>
+                </a:solidFill>
+                <a:effectLst/>
+                <a:uLnTx/>
+                <a:uFillTx/>
+                <a:latin typeface="Speak Pro"/>
+              </a:rPr>
+              <a:t>Data </a:t>
+            </a:r>
+            <a:r>
+              <a:rPr kumimoji="0" lang="es-ES_tradnl" sz="2200" b="1" i="0" u="sng" strike="noStrike" kern="1200" cap="none" spc="-1" normalizeH="0" baseline="0" noProof="0" dirty="0" err="1">
+                <a:ln>
+                  <a:noFill/>
+                </a:ln>
+                <a:solidFill>
+                  <a:srgbClr val="FFFFFF"/>
+                </a:solidFill>
+                <a:effectLst/>
+                <a:uLnTx/>
+                <a:uFillTx/>
+                <a:latin typeface="Speak Pro"/>
+              </a:rPr>
+              <a:t>driven</a:t>
+            </a:r>
+            <a:r>
+              <a:rPr kumimoji="0" lang="es-ES_tradnl" sz="2200" b="1" i="0" u="sng" strike="noStrike" kern="1200" cap="none" spc="-1" normalizeH="0" baseline="0" noProof="0" dirty="0">
+                <a:ln>
+                  <a:noFill/>
+                </a:ln>
+                <a:solidFill>
+                  <a:srgbClr val="FFFFFF"/>
+                </a:solidFill>
+                <a:effectLst/>
+                <a:uLnTx/>
+                <a:uFillTx/>
+                <a:latin typeface="Speak Pro"/>
+              </a:rPr>
+              <a:t>, </a:t>
+            </a:r>
+            <a:r>
+              <a:rPr kumimoji="0" lang="es-ES_tradnl" sz="2200" b="1" i="0" strike="noStrike" kern="1200" cap="none" spc="-1" normalizeH="0" baseline="0" noProof="0" dirty="0" err="1">
+                <a:ln>
+                  <a:noFill/>
+                </a:ln>
+                <a:solidFill>
+                  <a:srgbClr val="FFFFFF"/>
+                </a:solidFill>
+                <a:effectLst/>
+                <a:uLnTx/>
+                <a:uFillTx/>
+                <a:latin typeface="Speak Pro"/>
+              </a:rPr>
+              <a:t>dev</a:t>
+            </a:r>
+            <a:r>
+              <a:rPr kumimoji="0" lang="es-ES_tradnl" sz="2200" b="1" i="0" strike="noStrike" kern="1200" cap="none" spc="-1" normalizeH="0" baseline="0" noProof="0" dirty="0">
+                <a:ln>
+                  <a:noFill/>
+                </a:ln>
+                <a:solidFill>
+                  <a:srgbClr val="FFFFFF"/>
+                </a:solidFill>
+                <a:effectLst/>
+                <a:uLnTx/>
+                <a:uFillTx/>
+                <a:latin typeface="Speak Pro"/>
+              </a:rPr>
+              <a:t> </a:t>
+            </a:r>
+            <a:r>
+              <a:rPr kumimoji="0" lang="es-ES_tradnl" sz="2200" b="1" i="0" strike="noStrike" kern="1200" cap="none" spc="-1" normalizeH="0" baseline="0" noProof="0" dirty="0" err="1">
+                <a:ln>
+                  <a:noFill/>
+                </a:ln>
+                <a:solidFill>
+                  <a:srgbClr val="FFFFFF"/>
+                </a:solidFill>
+                <a:effectLst/>
+                <a:uLnTx/>
+                <a:uFillTx/>
+                <a:latin typeface="Speak Pro"/>
+              </a:rPr>
+              <a:t>friendly</a:t>
+            </a:r>
+            <a:r>
+              <a:rPr kumimoji="0" lang="es-ES_tradnl" sz="2200" b="1" i="0" strike="noStrike" kern="1200" cap="none" spc="-1" normalizeH="0" baseline="0" noProof="0" dirty="0">
+                <a:ln>
+                  <a:noFill/>
+                </a:ln>
+                <a:solidFill>
+                  <a:srgbClr val="FFFFFF"/>
+                </a:solidFill>
+                <a:effectLst/>
+                <a:uLnTx/>
+                <a:uFillTx/>
+                <a:latin typeface="Speak Pro"/>
+              </a:rPr>
+              <a:t> </a:t>
+            </a:r>
+            <a:r>
+              <a:rPr kumimoji="0" lang="es-ES_tradnl" sz="2200" b="1" i="0" strike="noStrike" kern="1200" cap="none" spc="-1" normalizeH="0" baseline="0" noProof="0" dirty="0" err="1">
+                <a:ln>
+                  <a:noFill/>
+                </a:ln>
+                <a:solidFill>
+                  <a:srgbClr val="FFFFFF"/>
+                </a:solidFill>
+                <a:effectLst/>
+                <a:uLnTx/>
+                <a:uFillTx/>
+                <a:latin typeface="Speak Pro"/>
+              </a:rPr>
+              <a:t>tests</a:t>
+            </a:r>
+            <a:endParaRPr kumimoji="0" lang="es-ES_tradnl" sz="2200" b="1" i="0" strike="noStrike" kern="1200" cap="none" spc="-1" normalizeH="0" baseline="0" noProof="0" dirty="0">
+              <a:ln>
+                <a:noFill/>
+              </a:ln>
+              <a:solidFill>
+                <a:srgbClr val="FFFFFF"/>
+              </a:solidFill>
+              <a:effectLst/>
+              <a:uLnTx/>
+              <a:uFillTx/>
+              <a:latin typeface="Speak Pro"/>
+            </a:endParaRPr>
+          </a:p>
+          <a:p>
+            <a:pPr marL="342900" marR="0" lvl="0" indent="-342900" algn="l" defTabSz="914400" rtl="0" eaLnBrk="1" fontAlgn="auto" latinLnBrk="0" hangingPunct="1">
               <a:lnSpc>
                 <a:spcPct val="100000"/>
               </a:lnSpc>
               <a:spcBef>
                 <a:spcPts val="601"/>
               </a:spcBef>
+              <a:spcAft>
+                <a:spcPts val="0"/>
+              </a:spcAft>
+              <a:buClrTx/>
+              <a:buSzTx/>
+              <a:buFont typeface="Arial" panose="020B0604020202020204" pitchFamily="34" charset="0"/>
+              <a:buChar char="•"/>
+              <a:tabLst/>
+              <a:defRPr/>
             </a:pPr>
-            <a:endParaRPr lang="en-US" sz="1800" b="0" strike="noStrike" spc="-1">
-              <a:latin typeface="Arial"/>
-            </a:endParaRPr>
-          </a:p>
-        </p:txBody>
-      </p:sp>
-      <p:sp>
-        <p:nvSpPr>
-          <p:cNvPr id="304" name="TextShape 6"/>
-          <p:cNvSpPr txBox="1"/>
-          <p:nvPr/>
-        </p:nvSpPr>
-        <p:spPr>
-          <a:xfrm>
-            <a:off x="6583680" y="3310920"/>
-            <a:ext cx="5394960" cy="346680"/>
-          </a:xfrm>
-          <a:prstGeom prst="rect">
-            <a:avLst/>
-          </a:prstGeom>
-          <a:noFill/>
-          <a:ln>
-            <a:noFill/>
-          </a:ln>
-        </p:spPr>
-        <p:txBody>
-          <a:bodyPr lIns="90000" tIns="45000" rIns="90000" bIns="45000"/>
-          <a:lstStyle/>
-          <a:p>
             <a:r>
-              <a:rPr lang="en-US" sz="1400" b="0" strike="noStrike" spc="-1" dirty="0">
+              <a:rPr kumimoji="0" lang="en-US" sz="2200" b="1" i="0" u="sng" strike="noStrike" kern="1200" cap="none" spc="-1" normalizeH="0" baseline="0" noProof="0" dirty="0">
+                <a:ln>
+                  <a:noFill/>
+                </a:ln>
                 <a:solidFill>
                   <a:srgbClr val="FFFFFF"/>
                 </a:solidFill>
-                <a:latin typeface="Arial"/>
+                <a:effectLst/>
+                <a:uLnTx/>
+                <a:uFillTx/>
+                <a:latin typeface="Speak Pro"/>
               </a:rPr>
-              <a:t>https://github.com/DynamicsValue/power-platform-devops-saturday</a:t>
+              <a:t>Easier</a:t>
             </a:r>
+            <a:r>
+              <a:rPr kumimoji="0" lang="en-US" sz="2200" b="0" i="0" u="none" strike="noStrike" kern="1200" cap="none" spc="-1" normalizeH="0" baseline="0" noProof="0" dirty="0">
+                <a:ln>
+                  <a:noFill/>
+                </a:ln>
+                <a:solidFill>
+                  <a:srgbClr val="FFFFFF"/>
+                </a:solidFill>
+                <a:effectLst/>
+                <a:uLnTx/>
+                <a:uFillTx/>
+                <a:latin typeface="Speak Pro"/>
+              </a:rPr>
+              <a:t> to refactor (less tech debt)</a:t>
+            </a:r>
+          </a:p>
+          <a:p>
+            <a:pPr marL="342900" marR="0" lvl="0" indent="-342900" algn="l" defTabSz="914400" rtl="0" eaLnBrk="1" fontAlgn="auto" latinLnBrk="0" hangingPunct="1">
+              <a:lnSpc>
+                <a:spcPct val="100000"/>
+              </a:lnSpc>
+              <a:spcBef>
+                <a:spcPts val="601"/>
+              </a:spcBef>
+              <a:spcAft>
+                <a:spcPts val="0"/>
+              </a:spcAft>
+              <a:buClrTx/>
+              <a:buSzTx/>
+              <a:buFont typeface="Arial" panose="020B0604020202020204" pitchFamily="34" charset="0"/>
+              <a:buChar char="•"/>
+              <a:tabLst/>
+              <a:defRPr/>
+            </a:pPr>
+            <a:r>
+              <a:rPr kumimoji="0" lang="es-ES_tradnl" sz="2200" b="1" i="0" u="sng" strike="noStrike" kern="1200" cap="none" spc="-1" normalizeH="0" baseline="0" noProof="0" dirty="0" err="1">
+                <a:ln>
+                  <a:noFill/>
+                </a:ln>
+                <a:solidFill>
+                  <a:srgbClr val="FFFFFF"/>
+                </a:solidFill>
+                <a:effectLst/>
+                <a:uLnTx/>
+                <a:uFillTx/>
+                <a:latin typeface="Speak Pro"/>
+              </a:rPr>
+              <a:t>Consistent</a:t>
+            </a:r>
+            <a:r>
+              <a:rPr kumimoji="0" lang="es-ES_tradnl" sz="2200" b="1" i="0" u="sng" strike="noStrike" kern="1200" cap="none" spc="-1" normalizeH="0" baseline="0" noProof="0" dirty="0">
+                <a:ln>
+                  <a:noFill/>
+                </a:ln>
+                <a:solidFill>
+                  <a:srgbClr val="FFFFFF"/>
+                </a:solidFill>
+                <a:effectLst/>
+                <a:uLnTx/>
+                <a:uFillTx/>
+                <a:latin typeface="Speak Pro"/>
+              </a:rPr>
+              <a:t> </a:t>
+            </a:r>
+            <a:r>
+              <a:rPr kumimoji="0" lang="es-ES_tradnl" sz="2200" b="1" i="0" strike="noStrike" kern="1200" cap="none" spc="-1" normalizeH="0" baseline="0" noProof="0" dirty="0" err="1">
+                <a:ln>
+                  <a:noFill/>
+                </a:ln>
+                <a:solidFill>
+                  <a:srgbClr val="FFFFFF"/>
+                </a:solidFill>
+                <a:effectLst/>
+                <a:uLnTx/>
+                <a:uFillTx/>
+                <a:latin typeface="Speak Pro"/>
+              </a:rPr>
+              <a:t>across</a:t>
+            </a:r>
+            <a:r>
+              <a:rPr kumimoji="0" lang="es-ES_tradnl" sz="2200" b="1" i="0" strike="noStrike" kern="1200" cap="none" spc="-1" normalizeH="0" baseline="0" noProof="0" dirty="0">
+                <a:ln>
+                  <a:noFill/>
+                </a:ln>
+                <a:solidFill>
+                  <a:srgbClr val="FFFFFF"/>
+                </a:solidFill>
+                <a:effectLst/>
+                <a:uLnTx/>
+                <a:uFillTx/>
+                <a:latin typeface="Speak Pro"/>
+              </a:rPr>
+              <a:t> </a:t>
+            </a:r>
+            <a:r>
+              <a:rPr kumimoji="0" lang="es-ES_tradnl" sz="2200" b="1" i="0" strike="noStrike" kern="1200" cap="none" spc="-1" normalizeH="0" baseline="0" noProof="0" dirty="0" err="1">
+                <a:ln>
+                  <a:noFill/>
+                </a:ln>
+                <a:solidFill>
+                  <a:srgbClr val="FFFFFF"/>
+                </a:solidFill>
+                <a:effectLst/>
+                <a:uLnTx/>
+                <a:uFillTx/>
+                <a:latin typeface="Speak Pro"/>
+              </a:rPr>
+              <a:t>dev</a:t>
+            </a:r>
+            <a:r>
+              <a:rPr kumimoji="0" lang="es-ES_tradnl" sz="2200" b="1" i="0" strike="noStrike" kern="1200" cap="none" spc="-1" normalizeH="0" baseline="0" noProof="0" dirty="0">
+                <a:ln>
+                  <a:noFill/>
+                </a:ln>
+                <a:solidFill>
+                  <a:srgbClr val="FFFFFF"/>
+                </a:solidFill>
+                <a:effectLst/>
+                <a:uLnTx/>
+                <a:uFillTx/>
+                <a:latin typeface="Speak Pro"/>
+              </a:rPr>
+              <a:t> </a:t>
+            </a:r>
+            <a:r>
+              <a:rPr kumimoji="0" lang="es-ES_tradnl" sz="2200" b="1" i="0" strike="noStrike" kern="1200" cap="none" spc="-1" normalizeH="0" baseline="0" noProof="0" dirty="0" err="1">
+                <a:ln>
+                  <a:noFill/>
+                </a:ln>
+                <a:solidFill>
+                  <a:srgbClr val="FFFFFF"/>
+                </a:solidFill>
+                <a:effectLst/>
+                <a:uLnTx/>
+                <a:uFillTx/>
+                <a:latin typeface="Speak Pro"/>
+              </a:rPr>
+              <a:t>teams</a:t>
+            </a:r>
+            <a:r>
+              <a:rPr kumimoji="0" lang="es-ES_tradnl" sz="2200" b="1" i="0" strike="noStrike" kern="1200" cap="none" spc="-1" normalizeH="0" baseline="0" noProof="0" dirty="0">
+                <a:ln>
+                  <a:noFill/>
+                </a:ln>
+                <a:solidFill>
+                  <a:srgbClr val="FFFFFF"/>
+                </a:solidFill>
+                <a:effectLst/>
+                <a:uLnTx/>
+                <a:uFillTx/>
+                <a:latin typeface="Speak Pro"/>
+              </a:rPr>
+              <a:t> </a:t>
+            </a:r>
+          </a:p>
+          <a:p>
+            <a:pPr marL="342900" marR="0" lvl="0" indent="-342900" algn="l" defTabSz="914400" rtl="0" eaLnBrk="1" fontAlgn="auto" latinLnBrk="0" hangingPunct="1">
+              <a:lnSpc>
+                <a:spcPct val="100000"/>
+              </a:lnSpc>
+              <a:spcBef>
+                <a:spcPts val="601"/>
+              </a:spcBef>
+              <a:spcAft>
+                <a:spcPts val="0"/>
+              </a:spcAft>
+              <a:buClrTx/>
+              <a:buSzTx/>
+              <a:buFont typeface="Arial" panose="020B0604020202020204" pitchFamily="34" charset="0"/>
+              <a:buChar char="•"/>
+              <a:tabLst/>
+              <a:defRPr/>
+            </a:pPr>
+            <a:r>
+              <a:rPr lang="es-ES_tradnl" sz="2200" b="1" u="sng" spc="-1" dirty="0" err="1">
+                <a:solidFill>
+                  <a:srgbClr val="FFFFFF"/>
+                </a:solidFill>
+                <a:latin typeface="Speak Pro"/>
+              </a:rPr>
+              <a:t>Faster</a:t>
+            </a:r>
+            <a:r>
+              <a:rPr lang="es-ES_tradnl" sz="2200" b="1" spc="-1" dirty="0">
+                <a:solidFill>
+                  <a:srgbClr val="FFFFFF"/>
+                </a:solidFill>
+                <a:latin typeface="Speak Pro"/>
+              </a:rPr>
+              <a:t> </a:t>
+            </a:r>
+            <a:r>
+              <a:rPr lang="es-ES_tradnl" sz="2200" b="1" spc="-1" dirty="0" err="1">
+                <a:solidFill>
+                  <a:srgbClr val="FFFFFF"/>
+                </a:solidFill>
+                <a:latin typeface="Speak Pro"/>
+              </a:rPr>
+              <a:t>than</a:t>
+            </a:r>
+            <a:r>
+              <a:rPr lang="es-ES_tradnl" sz="2200" b="1" spc="-1" dirty="0">
+                <a:solidFill>
+                  <a:srgbClr val="FFFFFF"/>
+                </a:solidFill>
+                <a:latin typeface="Speak Pro"/>
+              </a:rPr>
+              <a:t> UI / </a:t>
+            </a:r>
+            <a:r>
+              <a:rPr lang="es-ES_tradnl" sz="2200" b="1" spc="-1" dirty="0" err="1">
+                <a:solidFill>
+                  <a:srgbClr val="FFFFFF"/>
+                </a:solidFill>
+                <a:latin typeface="Speak Pro"/>
+              </a:rPr>
+              <a:t>Integration</a:t>
+            </a:r>
+            <a:r>
+              <a:rPr lang="es-ES_tradnl" sz="2200" b="1" spc="-1" dirty="0">
+                <a:solidFill>
+                  <a:srgbClr val="FFFFFF"/>
+                </a:solidFill>
+                <a:latin typeface="Speak Pro"/>
+              </a:rPr>
+              <a:t> </a:t>
+            </a:r>
+            <a:r>
+              <a:rPr lang="es-ES_tradnl" sz="2200" b="1" spc="-1" dirty="0" err="1">
+                <a:solidFill>
+                  <a:srgbClr val="FFFFFF"/>
+                </a:solidFill>
+                <a:latin typeface="Speak Pro"/>
+              </a:rPr>
+              <a:t>tests</a:t>
+            </a:r>
+            <a:endParaRPr kumimoji="0" lang="es-ES_tradnl" sz="2200" b="1" i="0" strike="noStrike" kern="1200" cap="none" spc="-1" normalizeH="0" baseline="0" noProof="0" dirty="0">
+              <a:ln>
+                <a:noFill/>
+              </a:ln>
+              <a:solidFill>
+                <a:srgbClr val="FFFFFF"/>
+              </a:solidFill>
+              <a:effectLst/>
+              <a:uLnTx/>
+              <a:uFillTx/>
+              <a:latin typeface="Speak Pro"/>
+            </a:endParaRPr>
+          </a:p>
+          <a:p>
+            <a:pPr marL="342900" marR="0" lvl="0" indent="-342900" algn="l" defTabSz="914400" rtl="0" eaLnBrk="1" fontAlgn="auto" latinLnBrk="0" hangingPunct="1">
+              <a:lnSpc>
+                <a:spcPct val="100000"/>
+              </a:lnSpc>
+              <a:spcBef>
+                <a:spcPts val="601"/>
+              </a:spcBef>
+              <a:spcAft>
+                <a:spcPts val="0"/>
+              </a:spcAft>
+              <a:buClrTx/>
+              <a:buSzTx/>
+              <a:buFont typeface="Arial" panose="020B0604020202020204" pitchFamily="34" charset="0"/>
+              <a:buChar char="•"/>
+              <a:tabLst/>
+              <a:defRPr/>
+            </a:pPr>
+            <a:r>
+              <a:rPr lang="es-ES_tradnl" sz="2200" b="1" spc="-1" dirty="0">
+                <a:solidFill>
+                  <a:srgbClr val="FFFFFF"/>
+                </a:solidFill>
+                <a:latin typeface="Speak Pro"/>
+              </a:rPr>
+              <a:t>  =&gt; </a:t>
+            </a:r>
+            <a:r>
+              <a:rPr lang="es-ES_tradnl" sz="2200" b="1" spc="-1" dirty="0" err="1">
+                <a:solidFill>
+                  <a:srgbClr val="FFFFFF"/>
+                </a:solidFill>
+                <a:latin typeface="Speak Pro"/>
+              </a:rPr>
+              <a:t>Huge</a:t>
+            </a:r>
+            <a:r>
+              <a:rPr lang="es-ES_tradnl" sz="2200" b="1" spc="-1" dirty="0">
+                <a:solidFill>
+                  <a:srgbClr val="FFFFFF"/>
+                </a:solidFill>
+                <a:latin typeface="Speak Pro"/>
+              </a:rPr>
+              <a:t> time </a:t>
+            </a:r>
+            <a:r>
+              <a:rPr lang="es-ES_tradnl" sz="2200" b="1" spc="-1" dirty="0" err="1">
+                <a:solidFill>
+                  <a:srgbClr val="FFFFFF"/>
+                </a:solidFill>
+                <a:latin typeface="Speak Pro"/>
+              </a:rPr>
+              <a:t>savings</a:t>
+            </a:r>
+            <a:endParaRPr kumimoji="0" lang="es-ES_tradnl" sz="2200" b="1" i="0" strike="noStrike" kern="1200" cap="none" spc="-1" normalizeH="0" baseline="0" noProof="0" dirty="0">
+              <a:ln>
+                <a:noFill/>
+              </a:ln>
+              <a:solidFill>
+                <a:srgbClr val="FFFFFF"/>
+              </a:solidFill>
+              <a:effectLst/>
+              <a:uLnTx/>
+              <a:uFillTx/>
+              <a:latin typeface="Speak Pro"/>
+            </a:endParaRPr>
+          </a:p>
+          <a:p>
+            <a:pPr marL="0" marR="0" lvl="0" indent="0" algn="l" defTabSz="914400" rtl="0" eaLnBrk="1" fontAlgn="auto" latinLnBrk="0" hangingPunct="1">
+              <a:lnSpc>
+                <a:spcPct val="100000"/>
+              </a:lnSpc>
+              <a:spcBef>
+                <a:spcPts val="601"/>
+              </a:spcBef>
+              <a:spcAft>
+                <a:spcPts val="0"/>
+              </a:spcAft>
+              <a:buClrTx/>
+              <a:buSzTx/>
+              <a:buFontTx/>
+              <a:buNone/>
+              <a:tabLst/>
+              <a:defRPr/>
+            </a:pPr>
+            <a:endParaRPr kumimoji="0" lang="en-US" sz="2200" b="0" i="0" u="none" strike="noStrike" kern="1200" cap="none" spc="-1" normalizeH="0" baseline="0" noProof="0" dirty="0">
+              <a:ln>
+                <a:noFill/>
+              </a:ln>
+              <a:solidFill>
+                <a:prstClr val="black"/>
+              </a:solidFill>
+              <a:effectLst/>
+              <a:uLnTx/>
+              <a:uFillTx/>
+              <a:latin typeface="Arial"/>
+            </a:endParaRPr>
+          </a:p>
+          <a:p>
+            <a:pPr marL="0" marR="0" lvl="0" indent="0" algn="l" defTabSz="914400" rtl="0" eaLnBrk="1" fontAlgn="auto" latinLnBrk="0" hangingPunct="1">
+              <a:lnSpc>
+                <a:spcPct val="100000"/>
+              </a:lnSpc>
+              <a:spcBef>
+                <a:spcPts val="601"/>
+              </a:spcBef>
+              <a:spcAft>
+                <a:spcPts val="0"/>
+              </a:spcAft>
+              <a:buClrTx/>
+              <a:buSzTx/>
+              <a:buFontTx/>
+              <a:buNone/>
+              <a:tabLst/>
+              <a:defRPr/>
+            </a:pPr>
+            <a:endParaRPr kumimoji="0" lang="en-US" sz="2200" b="0" i="0" u="none" strike="noStrike" kern="1200" cap="none" spc="-1" normalizeH="0" baseline="0" noProof="0" dirty="0">
+              <a:ln>
+                <a:noFill/>
+              </a:ln>
+              <a:solidFill>
+                <a:prstClr val="black"/>
+              </a:solidFill>
+              <a:effectLst/>
+              <a:uLnTx/>
+              <a:uFillTx/>
+              <a:latin typeface="Arial"/>
+            </a:endParaRPr>
+          </a:p>
+          <a:p>
+            <a:pPr marL="0" marR="0" lvl="0" indent="0" algn="l" defTabSz="914400" rtl="0" eaLnBrk="1" fontAlgn="auto" latinLnBrk="0" hangingPunct="1">
+              <a:lnSpc>
+                <a:spcPct val="100000"/>
+              </a:lnSpc>
+              <a:spcBef>
+                <a:spcPts val="601"/>
+              </a:spcBef>
+              <a:spcAft>
+                <a:spcPts val="0"/>
+              </a:spcAft>
+              <a:buClrTx/>
+              <a:buSzTx/>
+              <a:buFontTx/>
+              <a:buNone/>
+              <a:tabLst/>
+              <a:defRPr/>
+            </a:pPr>
+            <a:endParaRPr kumimoji="0" lang="en-US" sz="2200" b="0" i="0" u="none" strike="noStrike" kern="1200" cap="none" spc="-1" normalizeH="0" baseline="0" noProof="0" dirty="0">
+              <a:ln>
+                <a:noFill/>
+              </a:ln>
+              <a:solidFill>
+                <a:prstClr val="black"/>
+              </a:solidFill>
+              <a:effectLst/>
+              <a:uLnTx/>
+              <a:uFillTx/>
+              <a:latin typeface="Arial"/>
+            </a:endParaRPr>
+          </a:p>
+          <a:p>
+            <a:pPr marL="0" marR="0" lvl="0" indent="0" algn="l" defTabSz="914400" rtl="0" eaLnBrk="1" fontAlgn="auto" latinLnBrk="0" hangingPunct="1">
+              <a:lnSpc>
+                <a:spcPct val="100000"/>
+              </a:lnSpc>
+              <a:spcBef>
+                <a:spcPts val="601"/>
+              </a:spcBef>
+              <a:spcAft>
+                <a:spcPts val="0"/>
+              </a:spcAft>
+              <a:buClrTx/>
+              <a:buSzTx/>
+              <a:buFontTx/>
+              <a:buNone/>
+              <a:tabLst/>
+              <a:defRPr/>
+            </a:pPr>
+            <a:endParaRPr kumimoji="0" lang="en-US" sz="2200" b="0" i="0" u="none" strike="noStrike" kern="1200" cap="none" spc="-1" normalizeH="0" baseline="0" noProof="0" dirty="0">
+              <a:ln>
+                <a:noFill/>
+              </a:ln>
+              <a:solidFill>
+                <a:prstClr val="black"/>
+              </a:solidFill>
+              <a:effectLst/>
+              <a:uLnTx/>
+              <a:uFillTx/>
+              <a:latin typeface="Arial"/>
+            </a:endParaRPr>
+          </a:p>
+        </p:txBody>
+      </p:sp>
+      <p:sp>
+        <p:nvSpPr>
+          <p:cNvPr id="2" name="Rectangle 1">
+            <a:extLst>
+              <a:ext uri="{FF2B5EF4-FFF2-40B4-BE49-F238E27FC236}">
+                <a16:creationId xmlns:a16="http://schemas.microsoft.com/office/drawing/2014/main" id="{9DE1CAD7-03FC-4067-9B3E-ADA6881713DE}"/>
+              </a:ext>
+            </a:extLst>
+          </p:cNvPr>
+          <p:cNvSpPr/>
+          <p:nvPr/>
+        </p:nvSpPr>
+        <p:spPr>
+          <a:xfrm>
+            <a:off x="167580" y="4924991"/>
+            <a:ext cx="6096000" cy="307777"/>
+          </a:xfrm>
+          <a:prstGeom prst="rect">
+            <a:avLst/>
+          </a:prstGeom>
+        </p:spPr>
+        <p:txBody>
+          <a:bodyPr>
+            <a:spAutoFit/>
+          </a:bodyPr>
+          <a:lstStyle/>
+          <a:p>
+            <a:r>
+              <a:rPr lang="en-US" sz="1400" dirty="0"/>
+              <a:t>https://dynamicsvalue.com/blog/fake-xrm-easy-versus-other-frameworks</a:t>
+            </a:r>
+          </a:p>
+        </p:txBody>
+      </p:sp>
+      <p:sp>
+        <p:nvSpPr>
+          <p:cNvPr id="9" name="Rectangle 8">
+            <a:extLst>
+              <a:ext uri="{FF2B5EF4-FFF2-40B4-BE49-F238E27FC236}">
+                <a16:creationId xmlns:a16="http://schemas.microsoft.com/office/drawing/2014/main" id="{5002D12E-D56A-468F-A797-E1F9E886E1C7}"/>
+              </a:ext>
+            </a:extLst>
+          </p:cNvPr>
+          <p:cNvSpPr/>
+          <p:nvPr/>
+        </p:nvSpPr>
+        <p:spPr>
+          <a:xfrm>
+            <a:off x="167580" y="4609188"/>
+            <a:ext cx="6096000" cy="307777"/>
+          </a:xfrm>
+          <a:prstGeom prst="rect">
+            <a:avLst/>
+          </a:prstGeom>
+        </p:spPr>
+        <p:txBody>
+          <a:bodyPr>
+            <a:spAutoFit/>
+          </a:bodyPr>
+          <a:lstStyle/>
+          <a:p>
+            <a:r>
+              <a:rPr lang="en-US" sz="1400" dirty="0"/>
+              <a:t>https://dynamicsvalue.com/blog/whats-the-total-cost-of-a-software-bug</a:t>
+            </a:r>
           </a:p>
         </p:txBody>
       </p:sp>
     </p:spTree>
+    <p:extLst>
+      <p:ext uri="{BB962C8B-B14F-4D97-AF65-F5344CB8AC3E}">
+        <p14:creationId xmlns:p14="http://schemas.microsoft.com/office/powerpoint/2010/main" val="3159568984"/>
+      </p:ext>
+    </p:extLst>
   </p:cSld>
   <p:clrMapOvr>
     <a:masterClrMapping/>
@@ -13342,11 +17766,12 @@
   <p:cSld>
     <p:bg>
       <p:bgPr>
-        <a:solidFill>
-          <a:srgbClr val="3B2CAC">
-            <a:alpha val="0"/>
-          </a:srgbClr>
-        </a:solidFill>
+        <a:blipFill rotWithShape="0">
+          <a:blip r:embed="rId2"/>
+          <a:stretch>
+            <a:fillRect/>
+          </a:stretch>
+        </a:blipFill>
         <a:effectLst/>
       </p:bgPr>
     </p:bg>
@@ -13366,14 +17791,93 @@
       </p:grpSpPr>
       <p:sp>
         <p:nvSpPr>
-          <p:cNvPr id="305" name="CustomShape 1"/>
+          <p:cNvPr id="2" name="Rectangle 1">
+            <a:extLst>
+              <a:ext uri="{FF2B5EF4-FFF2-40B4-BE49-F238E27FC236}">
+                <a16:creationId xmlns:a16="http://schemas.microsoft.com/office/drawing/2014/main" id="{0A19AC19-DFD2-4B92-B26A-EECB7D079130}"/>
+              </a:ext>
+            </a:extLst>
+          </p:cNvPr>
           <p:cNvSpPr/>
           <p:nvPr/>
         </p:nvSpPr>
         <p:spPr>
           <a:xfrm>
-            <a:off x="1812600" y="4700160"/>
-            <a:ext cx="8804520" cy="913320"/>
+            <a:off x="949141" y="1237939"/>
+            <a:ext cx="2090571" cy="2307455"/>
+          </a:xfrm>
+          <a:prstGeom prst="rect">
+            <a:avLst/>
+          </a:prstGeom>
+          <a:solidFill>
+            <a:schemeClr val="bg1"/>
+          </a:solidFill>
+          <a:ln>
+            <a:noFill/>
+          </a:ln>
+        </p:spPr>
+        <p:style>
+          <a:lnRef idx="2">
+            <a:schemeClr val="accent1">
+              <a:shade val="50000"/>
+            </a:schemeClr>
+          </a:lnRef>
+          <a:fillRef idx="1">
+            <a:schemeClr val="accent1"/>
+          </a:fillRef>
+          <a:effectRef idx="0">
+            <a:schemeClr val="accent1"/>
+          </a:effectRef>
+          <a:fontRef idx="minor">
+            <a:schemeClr val="lt1"/>
+          </a:fontRef>
+        </p:style>
+        <p:txBody>
+          <a:bodyPr rtlCol="0" anchor="ctr"/>
+          <a:lstStyle/>
+          <a:p>
+            <a:pPr marL="0" marR="0" lvl="0" indent="0" algn="ctr" defTabSz="914400" rtl="0" eaLnBrk="1" fontAlgn="auto" latinLnBrk="0" hangingPunct="1">
+              <a:lnSpc>
+                <a:spcPct val="100000"/>
+              </a:lnSpc>
+              <a:spcBef>
+                <a:spcPts val="0"/>
+              </a:spcBef>
+              <a:spcAft>
+                <a:spcPts val="0"/>
+              </a:spcAft>
+              <a:buClrTx/>
+              <a:buSzTx/>
+              <a:buFontTx/>
+              <a:buNone/>
+              <a:tabLst/>
+              <a:defRPr/>
+            </a:pPr>
+            <a:endParaRPr kumimoji="0" lang="en-US" sz="1800" b="0" i="0" u="none" strike="noStrike" kern="1200" cap="none" spc="0" normalizeH="0" baseline="0" noProof="0">
+              <a:ln>
+                <a:noFill/>
+              </a:ln>
+              <a:solidFill>
+                <a:prstClr val="white"/>
+              </a:solidFill>
+              <a:effectLst/>
+              <a:uLnTx/>
+              <a:uFillTx/>
+              <a:latin typeface="Arial"/>
+            </a:endParaRPr>
+          </a:p>
+        </p:txBody>
+      </p:sp>
+      <p:sp>
+        <p:nvSpPr>
+          <p:cNvPr id="298" name="CustomShape 1"/>
+          <p:cNvSpPr/>
+          <p:nvPr/>
+        </p:nvSpPr>
+        <p:spPr>
+          <a:xfrm>
+            <a:off x="115570" y="-35242"/>
+            <a:ext cx="8091981" cy="1533960"/>
           </a:xfrm>
           <a:prstGeom prst="rect">
             <a:avLst/>
@@ -13396,40 +17900,77 @@
           <a:fontRef idx="minor"/>
         </p:style>
         <p:txBody>
-          <a:bodyPr lIns="90000" tIns="45000" rIns="90000" bIns="45000" anchor="b"/>
-          <a:lstStyle/>
-          <a:p>
-            <a:pPr>
+          <a:bodyPr lIns="90000" tIns="45000" rIns="90000" bIns="45000" anchor="ctr"/>
+          <a:lstStyle/>
+          <a:p>
+            <a:pPr marL="0" marR="0" lvl="0" indent="0" algn="l" defTabSz="914400" rtl="0" eaLnBrk="1" fontAlgn="auto" latinLnBrk="0" hangingPunct="1">
               <a:lnSpc>
                 <a:spcPct val="90000"/>
               </a:lnSpc>
+              <a:spcBef>
+                <a:spcPts val="0"/>
+              </a:spcBef>
+              <a:spcAft>
+                <a:spcPts val="0"/>
+              </a:spcAft>
+              <a:buClrTx/>
+              <a:buSzTx/>
+              <a:buFontTx/>
+              <a:buNone/>
+              <a:tabLst/>
+              <a:defRPr/>
             </a:pPr>
             <a:r>
-              <a:rPr lang="en-US" sz="5500" b="1" strike="noStrike" spc="-1">
+              <a:rPr kumimoji="0" lang="en-US" sz="4000" b="1" i="0" u="none" strike="noStrike" kern="1200" cap="none" spc="-1" normalizeH="0" baseline="0" noProof="0" dirty="0" err="1">
+                <a:ln>
+                  <a:noFill/>
+                </a:ln>
                 <a:solidFill>
-                  <a:srgbClr val="FFFFFF"/>
+                  <a:srgbClr val="BE005A"/>
+                </a:solidFill>
+                <a:effectLst/>
+                <a:uLnTx/>
+                <a:uFillTx/>
+                <a:latin typeface="Avenir Next LT Pro"/>
+                <a:ea typeface="DejaVu Sans"/>
+              </a:rPr>
+              <a:t>FakeXrmEasy</a:t>
+            </a:r>
+            <a:r>
+              <a:rPr lang="en-US" sz="4000" b="1" spc="-1" dirty="0">
+                <a:solidFill>
+                  <a:srgbClr val="BE005A"/>
                 </a:solidFill>
                 <a:latin typeface="Avenir Next LT Pro"/>
                 <a:ea typeface="DejaVu Sans"/>
               </a:rPr>
-              <a:t>THANK YOU!</a:t>
+              <a:t> Overview</a:t>
             </a:r>
-            <a:endParaRPr lang="en-US" sz="5500" b="0" strike="noStrike" spc="-1">
-              <a:latin typeface="Arial"/>
-            </a:endParaRPr>
-          </a:p>
-        </p:txBody>
-      </p:sp>
-      <p:sp>
-        <p:nvSpPr>
-          <p:cNvPr id="306" name="CustomShape 2"/>
+            <a:endParaRPr kumimoji="0" lang="en-US" sz="4000" b="0" i="0" u="none" strike="noStrike" kern="1200" cap="none" spc="-1" normalizeH="0" baseline="0" noProof="0" dirty="0">
+              <a:ln>
+                <a:noFill/>
+              </a:ln>
+              <a:solidFill>
+                <a:prstClr val="black"/>
+              </a:solidFill>
+              <a:effectLst/>
+              <a:uLnTx/>
+              <a:uFillTx/>
+              <a:latin typeface="Arial"/>
+            </a:endParaRPr>
+          </a:p>
+        </p:txBody>
+      </p:sp>
+      <p:sp>
+        <p:nvSpPr>
+          <p:cNvPr id="299" name="CustomShape 2"/>
           <p:cNvSpPr/>
           <p:nvPr/>
         </p:nvSpPr>
         <p:spPr>
           <a:xfrm>
-            <a:off x="1812600" y="5963040"/>
-            <a:ext cx="9141480" cy="599400"/>
+            <a:off x="614880" y="6187680"/>
+            <a:ext cx="3254040" cy="362520"/>
           </a:xfrm>
           <a:prstGeom prst="rect">
             <a:avLst/>
@@ -13452,40 +17993,219 @@
           <a:fontRef idx="minor"/>
         </p:style>
         <p:txBody>
+          <a:bodyPr lIns="90000" tIns="45000" rIns="90000" bIns="45000" anchor="ctr"/>
+          <a:lstStyle/>
+          <a:p>
+            <a:pPr marL="0" marR="0" lvl="0" indent="0" algn="l" defTabSz="914400" rtl="0" eaLnBrk="1" fontAlgn="auto" latinLnBrk="0" hangingPunct="1">
+              <a:lnSpc>
+                <a:spcPct val="100000"/>
+              </a:lnSpc>
+              <a:spcBef>
+                <a:spcPts val="0"/>
+              </a:spcBef>
+              <a:spcAft>
+                <a:spcPts val="0"/>
+              </a:spcAft>
+              <a:buClrTx/>
+              <a:buSzTx/>
+              <a:buFontTx/>
+              <a:buNone/>
+              <a:tabLst/>
+              <a:defRPr/>
+            </a:pPr>
+            <a:r>
+              <a:rPr kumimoji="0" lang="en-US" sz="1200" b="0" i="1" u="none" strike="noStrike" kern="1200" cap="none" spc="-1" normalizeH="0" baseline="0" noProof="0">
+                <a:ln>
+                  <a:noFill/>
+                </a:ln>
+                <a:solidFill>
+                  <a:srgbClr val="3B2CAC"/>
+                </a:solidFill>
+                <a:effectLst/>
+                <a:uLnTx/>
+                <a:uFillTx/>
+                <a:latin typeface="Speak Pro"/>
+                <a:ea typeface="DejaVu Sans"/>
+              </a:rPr>
+              <a:t>What’s new in FakeXrmEasy v2.x</a:t>
+            </a:r>
+            <a:endParaRPr kumimoji="0" lang="en-US" sz="1200" b="0" i="0" u="none" strike="noStrike" kern="1200" cap="none" spc="-1" normalizeH="0" baseline="0" noProof="0">
+              <a:ln>
+                <a:noFill/>
+              </a:ln>
+              <a:solidFill>
+                <a:prstClr val="black"/>
+              </a:solidFill>
+              <a:effectLst/>
+              <a:uLnTx/>
+              <a:uFillTx/>
+              <a:latin typeface="Arial"/>
+            </a:endParaRPr>
+          </a:p>
+        </p:txBody>
+      </p:sp>
+      <p:sp>
+        <p:nvSpPr>
+          <p:cNvPr id="300" name="CustomShape 3"/>
+          <p:cNvSpPr/>
+          <p:nvPr/>
+        </p:nvSpPr>
+        <p:spPr>
+          <a:xfrm>
+            <a:off x="8849880" y="6187680"/>
+            <a:ext cx="2740680" cy="362520"/>
+          </a:xfrm>
+          <a:prstGeom prst="rect">
+            <a:avLst/>
+          </a:prstGeom>
+          <a:noFill/>
+          <a:ln>
+            <a:noFill/>
+          </a:ln>
+        </p:spPr>
+        <p:style>
+          <a:lnRef idx="0">
+            <a:scrgbClr r="0" g="0" b="0"/>
+          </a:lnRef>
+          <a:fillRef idx="0">
+            <a:scrgbClr r="0" g="0" b="0"/>
+          </a:fillRef>
+          <a:effectRef idx="0">
+            <a:scrgbClr r="0" g="0" b="0"/>
+          </a:effectRef>
+          <a:fontRef idx="minor"/>
+        </p:style>
+        <p:txBody>
+          <a:bodyPr lIns="90000" tIns="45000" rIns="90000" bIns="45000" anchor="ctr"/>
+          <a:lstStyle/>
+          <a:p>
+            <a:pPr marL="0" marR="0" lvl="0" indent="0" algn="r" defTabSz="914400" rtl="0" eaLnBrk="1" fontAlgn="auto" latinLnBrk="0" hangingPunct="1">
+              <a:lnSpc>
+                <a:spcPct val="100000"/>
+              </a:lnSpc>
+              <a:spcBef>
+                <a:spcPts val="0"/>
+              </a:spcBef>
+              <a:spcAft>
+                <a:spcPts val="0"/>
+              </a:spcAft>
+              <a:buClrTx/>
+              <a:buSzTx/>
+              <a:buFontTx/>
+              <a:buNone/>
+              <a:tabLst/>
+              <a:defRPr/>
+            </a:pPr>
+            <a:fld id="{4C2995D3-8C24-48C6-9F78-0D1D23F82B58}" type="slidenum">
+              <a:rPr kumimoji="0" lang="en-US" sz="1200" b="0" i="1" u="none" strike="noStrike" kern="1200" cap="none" spc="-1" normalizeH="0" baseline="0" noProof="0">
+                <a:ln>
+                  <a:noFill/>
+                </a:ln>
+                <a:solidFill>
+                  <a:srgbClr val="FFCD6B"/>
+                </a:solidFill>
+                <a:effectLst/>
+                <a:uLnTx/>
+                <a:uFillTx/>
+                <a:latin typeface="Speak Pro"/>
+                <a:ea typeface="DejaVu Sans"/>
+              </a:rPr>
+              <a:pPr marL="0" marR="0" lvl="0" indent="0" algn="r" defTabSz="914400" rtl="0" eaLnBrk="1" fontAlgn="auto" latinLnBrk="0" hangingPunct="1">
+                <a:lnSpc>
+                  <a:spcPct val="100000"/>
+                </a:lnSpc>
+                <a:spcBef>
+                  <a:spcPts val="0"/>
+                </a:spcBef>
+                <a:spcAft>
+                  <a:spcPts val="0"/>
+                </a:spcAft>
+                <a:buClrTx/>
+                <a:buSzTx/>
+                <a:buFontTx/>
+                <a:buNone/>
+                <a:tabLst/>
+                <a:defRPr/>
+              </a:pPr>
+              <a:t>9</a:t>
+            </a:fld>
+            <a:endParaRPr kumimoji="0" lang="en-US" sz="1200" b="0" i="0" u="none" strike="noStrike" kern="1200" cap="none" spc="-1" normalizeH="0" baseline="0" noProof="0">
+              <a:ln>
+                <a:noFill/>
+              </a:ln>
+              <a:solidFill>
+                <a:prstClr val="black"/>
+              </a:solidFill>
+              <a:effectLst/>
+              <a:uLnTx/>
+              <a:uFillTx/>
+              <a:latin typeface="Arial"/>
+            </a:endParaRPr>
+          </a:p>
+        </p:txBody>
+      </p:sp>
+      <p:sp>
+        <p:nvSpPr>
+          <p:cNvPr id="301" name="CustomShape 4"/>
+          <p:cNvSpPr/>
+          <p:nvPr/>
+        </p:nvSpPr>
+        <p:spPr>
+          <a:xfrm>
+            <a:off x="1509006" y="2833735"/>
+            <a:ext cx="4141080" cy="690120"/>
+          </a:xfrm>
+          <a:prstGeom prst="rect">
+            <a:avLst/>
+          </a:prstGeom>
+          <a:noFill/>
+          <a:ln>
+            <a:noFill/>
+          </a:ln>
+        </p:spPr>
+        <p:style>
+          <a:lnRef idx="0">
+            <a:scrgbClr r="0" g="0" b="0"/>
+          </a:lnRef>
+          <a:fillRef idx="0">
+            <a:scrgbClr r="0" g="0" b="0"/>
+          </a:fillRef>
+          <a:effectRef idx="0">
+            <a:scrgbClr r="0" g="0" b="0"/>
+          </a:effectRef>
+          <a:fontRef idx="minor"/>
+        </p:style>
+        <p:txBody>
           <a:bodyPr lIns="90000" tIns="45000" rIns="90000" bIns="45000"/>
           <a:lstStyle/>
           <a:p>
-            <a:pPr>
+            <a:pPr marL="0" marR="0" lvl="0" indent="0" algn="l" defTabSz="914400" rtl="0" eaLnBrk="1" fontAlgn="auto" latinLnBrk="0" hangingPunct="1">
               <a:lnSpc>
                 <a:spcPct val="90000"/>
               </a:lnSpc>
               <a:spcBef>
                 <a:spcPts val="1001"/>
               </a:spcBef>
+              <a:spcAft>
+                <a:spcPts val="0"/>
+              </a:spcAft>
+              <a:buClrTx/>
+              <a:buSzTx/>
+              <a:buFontTx/>
+              <a:buNone/>
+              <a:tabLst/>
+              <a:defRPr/>
             </a:pPr>
-            <a:r>
-              <a:rPr lang="en-US" sz="3000" b="1" strike="noStrike" spc="-1">
-                <a:solidFill>
-                  <a:srgbClr val="FFCD6B"/>
-                </a:solidFill>
-                <a:latin typeface="Speak Pro"/>
-                <a:ea typeface="DejaVu Sans"/>
-              </a:rPr>
-              <a:t>Fill out survey: </a:t>
-            </a:r>
-            <a:r>
-              <a:rPr lang="en-US" sz="3000" b="1" u="sng" strike="noStrike" spc="-1">
-                <a:solidFill>
-                  <a:srgbClr val="FFFFFF"/>
-                </a:solidFill>
-                <a:uFillTx/>
-                <a:latin typeface="Speak Pro"/>
-                <a:ea typeface="DejaVu Sans"/>
-                <a:hlinkClick r:id="rId2"/>
-              </a:rPr>
-              <a:t>https://bit.ly/2A9VfiY</a:t>
-            </a:r>
-            <a:endParaRPr lang="en-US" sz="3000" b="0" strike="noStrike" spc="-1">
+            <a:endParaRPr kumimoji="0" lang="en-US" sz="2000" b="0" i="0" u="none" strike="noStrike" kern="1200" cap="none" spc="-1" normalizeH="0" baseline="0" noProof="0" dirty="0">
+              <a:ln>
+                <a:noFill/>
+              </a:ln>
+              <a:solidFill>
+                <a:prstClr val="black"/>
+              </a:solidFill>
+              <a:effectLst/>
+              <a:uLnTx/>
+              <a:uFillTx/>
               <a:latin typeface="Arial"/>
             </a:endParaRPr>
           </a:p>
@@ -13493,19 +18213,20 @@
       </p:sp>
       <p:pic>
         <p:nvPicPr>
-          <p:cNvPr id="307" name="Picture 8"/>
+          <p:cNvPr id="302" name="Picture 9"/>
           <p:cNvPicPr/>
           <p:nvPr/>
         </p:nvPicPr>
         <p:blipFill>
-          <a:blip r:embed="rId3"/>
-          <a:srcRect b="28588"/>
+          <a:blip r:embed="rId3">
+            <a:lum bright="70000" contrast="-70000"/>
+          </a:blip>
           <a:stretch/>
         </p:blipFill>
         <p:spPr>
           <a:xfrm>
-            <a:off x="0" y="0"/>
-            <a:ext cx="12189600" cy="4350960"/>
+            <a:off x="11210040" y="829800"/>
+            <a:ext cx="939240" cy="482040"/>
           </a:xfrm>
           <a:prstGeom prst="rect">
             <a:avLst/>
@@ -13515,30 +18236,821 @@
           </a:ln>
         </p:spPr>
       </p:pic>
-      <p:pic>
-        <p:nvPicPr>
-          <p:cNvPr id="308" name="Picture 307"/>
-          <p:cNvPicPr/>
+      <p:sp>
+        <p:nvSpPr>
+          <p:cNvPr id="303" name="CustomShape 5"/>
+          <p:cNvSpPr/>
           <p:nvPr/>
-        </p:nvPicPr>
-        <p:blipFill>
-          <a:blip r:embed="rId4"/>
-          <a:stretch/>
-        </p:blipFill>
-        <p:spPr>
-          <a:xfrm>
-            <a:off x="10003680" y="4700160"/>
-            <a:ext cx="2079720" cy="2079720"/>
-          </a:xfrm>
-          <a:prstGeom prst="rect">
-            <a:avLst/>
-          </a:prstGeom>
+        </p:nvSpPr>
+        <p:spPr>
+          <a:xfrm>
+            <a:off x="6355214" y="942806"/>
+            <a:ext cx="5209920" cy="3838320"/>
+          </a:xfrm>
+          <a:prstGeom prst="rect">
+            <a:avLst/>
+          </a:prstGeom>
+          <a:noFill/>
           <a:ln>
             <a:noFill/>
           </a:ln>
         </p:spPr>
-      </p:pic>
+        <p:style>
+          <a:lnRef idx="0">
+            <a:scrgbClr r="0" g="0" b="0"/>
+          </a:lnRef>
+          <a:fillRef idx="0">
+            <a:scrgbClr r="0" g="0" b="0"/>
+          </a:fillRef>
+          <a:effectRef idx="0">
+            <a:scrgbClr r="0" g="0" b="0"/>
+          </a:effectRef>
+          <a:fontRef idx="minor"/>
+        </p:style>
+        <p:txBody>
+          <a:bodyPr lIns="90000" tIns="45000" rIns="90000" bIns="45000">
+            <a:normAutofit/>
+          </a:bodyPr>
+          <a:lstStyle/>
+          <a:p>
+            <a:pPr marL="0" marR="0" lvl="0" indent="0" algn="l" defTabSz="914400" rtl="0" eaLnBrk="1" fontAlgn="auto" latinLnBrk="0" hangingPunct="1">
+              <a:lnSpc>
+                <a:spcPct val="100000"/>
+              </a:lnSpc>
+              <a:spcBef>
+                <a:spcPts val="601"/>
+              </a:spcBef>
+              <a:spcAft>
+                <a:spcPts val="0"/>
+              </a:spcAft>
+              <a:buClrTx/>
+              <a:buSzTx/>
+              <a:buFontTx/>
+              <a:buNone/>
+              <a:tabLst/>
+              <a:defRPr/>
+            </a:pPr>
+            <a:endParaRPr kumimoji="0" lang="en-US" sz="1800" b="0" i="0" u="none" strike="noStrike" kern="1200" cap="none" spc="-1" normalizeH="0" baseline="0" noProof="0">
+              <a:ln>
+                <a:noFill/>
+              </a:ln>
+              <a:solidFill>
+                <a:prstClr val="black"/>
+              </a:solidFill>
+              <a:effectLst/>
+              <a:uLnTx/>
+              <a:uFillTx/>
+              <a:latin typeface="Arial"/>
+            </a:endParaRPr>
+          </a:p>
+          <a:p>
+            <a:pPr marL="0" marR="0" lvl="0" indent="0" algn="l" defTabSz="914400" rtl="0" eaLnBrk="1" fontAlgn="auto" latinLnBrk="0" hangingPunct="1">
+              <a:lnSpc>
+                <a:spcPct val="100000"/>
+              </a:lnSpc>
+              <a:spcBef>
+                <a:spcPts val="601"/>
+              </a:spcBef>
+              <a:spcAft>
+                <a:spcPts val="0"/>
+              </a:spcAft>
+              <a:buClrTx/>
+              <a:buSzTx/>
+              <a:buFontTx/>
+              <a:buNone/>
+              <a:tabLst/>
+              <a:defRPr/>
+            </a:pPr>
+            <a:endParaRPr kumimoji="0" lang="en-US" sz="1800" b="0" i="0" u="none" strike="noStrike" kern="1200" cap="none" spc="-1" normalizeH="0" baseline="0" noProof="0">
+              <a:ln>
+                <a:noFill/>
+              </a:ln>
+              <a:solidFill>
+                <a:prstClr val="black"/>
+              </a:solidFill>
+              <a:effectLst/>
+              <a:uLnTx/>
+              <a:uFillTx/>
+              <a:latin typeface="Arial"/>
+            </a:endParaRPr>
+          </a:p>
+          <a:p>
+            <a:pPr marL="0" marR="0" lvl="0" indent="0" algn="l" defTabSz="914400" rtl="0" eaLnBrk="1" fontAlgn="auto" latinLnBrk="0" hangingPunct="1">
+              <a:lnSpc>
+                <a:spcPct val="100000"/>
+              </a:lnSpc>
+              <a:spcBef>
+                <a:spcPts val="601"/>
+              </a:spcBef>
+              <a:spcAft>
+                <a:spcPts val="0"/>
+              </a:spcAft>
+              <a:buClrTx/>
+              <a:buSzTx/>
+              <a:buFontTx/>
+              <a:buNone/>
+              <a:tabLst/>
+              <a:defRPr/>
+            </a:pPr>
+            <a:endParaRPr kumimoji="0" lang="en-US" sz="1800" b="0" i="0" u="none" strike="noStrike" kern="1200" cap="none" spc="-1" normalizeH="0" baseline="0" noProof="0">
+              <a:ln>
+                <a:noFill/>
+              </a:ln>
+              <a:solidFill>
+                <a:prstClr val="black"/>
+              </a:solidFill>
+              <a:effectLst/>
+              <a:uLnTx/>
+              <a:uFillTx/>
+              <a:latin typeface="Arial"/>
+            </a:endParaRPr>
+          </a:p>
+        </p:txBody>
+      </p:sp>
+      <p:sp>
+        <p:nvSpPr>
+          <p:cNvPr id="10" name="Title 1">
+            <a:extLst>
+              <a:ext uri="{FF2B5EF4-FFF2-40B4-BE49-F238E27FC236}">
+                <a16:creationId xmlns:a16="http://schemas.microsoft.com/office/drawing/2014/main" id="{48269178-303C-4722-A7FC-1A4082EDC771}"/>
+              </a:ext>
+            </a:extLst>
+          </p:cNvPr>
+          <p:cNvSpPr txBox="1">
+            <a:spLocks/>
+          </p:cNvSpPr>
+          <p:nvPr/>
+        </p:nvSpPr>
+        <p:spPr>
+          <a:xfrm>
+            <a:off x="-882973" y="2163870"/>
+            <a:ext cx="12328624" cy="3749045"/>
+          </a:xfrm>
+          <a:prstGeom prst="rect">
+            <a:avLst/>
+          </a:prstGeom>
+        </p:spPr>
+        <p:txBody>
+          <a:bodyPr vert="horz" lIns="91440" tIns="45720" rIns="91440" bIns="45720" rtlCol="0" anchor="b">
+            <a:normAutofit/>
+          </a:bodyPr>
+          <a:lstStyle>
+            <a:lvl1pPr algn="ctr" defTabSz="914400" rtl="0" eaLnBrk="1" latinLnBrk="0" hangingPunct="1">
+              <a:lnSpc>
+                <a:spcPct val="90000"/>
+              </a:lnSpc>
+              <a:spcBef>
+                <a:spcPct val="0"/>
+              </a:spcBef>
+              <a:buNone/>
+              <a:defRPr sz="6000" kern="1200">
+                <a:solidFill>
+                  <a:schemeClr val="tx1"/>
+                </a:solidFill>
+                <a:latin typeface="+mj-lt"/>
+                <a:ea typeface="+mj-ea"/>
+                <a:cs typeface="+mj-cs"/>
+              </a:defRPr>
+            </a:lvl1pPr>
+          </a:lstStyle>
+          <a:p>
+            <a:pPr marL="0" marR="0" lvl="0" indent="0" algn="ctr" defTabSz="914400" rtl="0" eaLnBrk="1" fontAlgn="auto" latinLnBrk="0" hangingPunct="1">
+              <a:lnSpc>
+                <a:spcPct val="90000"/>
+              </a:lnSpc>
+              <a:spcBef>
+                <a:spcPct val="0"/>
+              </a:spcBef>
+              <a:spcAft>
+                <a:spcPts val="0"/>
+              </a:spcAft>
+              <a:buClrTx/>
+              <a:buSzTx/>
+              <a:buFontTx/>
+              <a:buNone/>
+              <a:tabLst/>
+              <a:defRPr/>
+            </a:pPr>
+            <a:r>
+              <a:rPr kumimoji="0" lang="en-GB" sz="6000" b="0" i="0" u="none" strike="noStrike" kern="1200" cap="none" spc="0" normalizeH="0" baseline="0" noProof="0" dirty="0">
+                <a:ln>
+                  <a:noFill/>
+                </a:ln>
+                <a:solidFill>
+                  <a:prstClr val="white"/>
+                </a:solidFill>
+                <a:effectLst/>
+                <a:uLnTx/>
+                <a:uFillTx/>
+                <a:latin typeface="Arial"/>
+              </a:rPr>
+              <a:t>        </a:t>
+            </a:r>
+          </a:p>
+          <a:p>
+            <a:pPr marL="0" marR="0" lvl="0" indent="0" algn="ctr" defTabSz="914400" rtl="0" eaLnBrk="1" fontAlgn="auto" latinLnBrk="0" hangingPunct="1">
+              <a:lnSpc>
+                <a:spcPct val="90000"/>
+              </a:lnSpc>
+              <a:spcBef>
+                <a:spcPct val="0"/>
+              </a:spcBef>
+              <a:spcAft>
+                <a:spcPts val="0"/>
+              </a:spcAft>
+              <a:buClrTx/>
+              <a:buSzTx/>
+              <a:buFontTx/>
+              <a:buNone/>
+              <a:tabLst/>
+              <a:defRPr/>
+            </a:pPr>
+            <a:endParaRPr kumimoji="0" lang="en-GB" sz="6000" b="0" i="0" u="none" strike="noStrike" kern="1200" cap="none" spc="0" normalizeH="0" baseline="0" noProof="0" dirty="0">
+              <a:ln>
+                <a:noFill/>
+              </a:ln>
+              <a:solidFill>
+                <a:prstClr val="white"/>
+              </a:solidFill>
+              <a:effectLst/>
+              <a:uLnTx/>
+              <a:uFillTx/>
+              <a:latin typeface="Arial"/>
+            </a:endParaRPr>
+          </a:p>
+          <a:p>
+            <a:pPr marL="0" marR="0" lvl="0" indent="0" algn="ctr" defTabSz="914400" rtl="0" eaLnBrk="1" fontAlgn="auto" latinLnBrk="0" hangingPunct="1">
+              <a:lnSpc>
+                <a:spcPct val="90000"/>
+              </a:lnSpc>
+              <a:spcBef>
+                <a:spcPct val="0"/>
+              </a:spcBef>
+              <a:spcAft>
+                <a:spcPts val="0"/>
+              </a:spcAft>
+              <a:buClrTx/>
+              <a:buSzTx/>
+              <a:buFontTx/>
+              <a:buNone/>
+              <a:tabLst/>
+              <a:defRPr/>
+            </a:pPr>
+            <a:r>
+              <a:rPr kumimoji="0" lang="en-GB" sz="6000" b="0" i="0" u="none" strike="noStrike" kern="1200" cap="none" spc="0" normalizeH="0" baseline="0" noProof="0" dirty="0">
+                <a:ln>
+                  <a:noFill/>
+                </a:ln>
+                <a:solidFill>
+                  <a:prstClr val="white"/>
+                </a:solidFill>
+                <a:effectLst/>
+                <a:uLnTx/>
+                <a:uFillTx/>
+                <a:latin typeface="Arial"/>
+              </a:rPr>
+              <a:t>                </a:t>
+            </a:r>
+            <a:endParaRPr kumimoji="0" lang="es-ES" sz="6000" b="1" i="0" u="none" strike="noStrike" kern="1200" cap="none" spc="0" normalizeH="0" baseline="0" noProof="0" dirty="0">
+              <a:ln>
+                <a:noFill/>
+              </a:ln>
+              <a:solidFill>
+                <a:srgbClr val="FFFFFF"/>
+              </a:solidFill>
+              <a:effectLst/>
+              <a:uLnTx/>
+              <a:uFillTx/>
+              <a:latin typeface="Arial"/>
+            </a:endParaRPr>
+          </a:p>
+        </p:txBody>
+      </p:sp>
+      <p:sp>
+        <p:nvSpPr>
+          <p:cNvPr id="11" name="Rectangle 10">
+            <a:extLst>
+              <a:ext uri="{FF2B5EF4-FFF2-40B4-BE49-F238E27FC236}">
+                <a16:creationId xmlns:a16="http://schemas.microsoft.com/office/drawing/2014/main" id="{DA698FA3-B772-4C77-A6FD-70C416455815}"/>
+              </a:ext>
+            </a:extLst>
+          </p:cNvPr>
+          <p:cNvSpPr/>
+          <p:nvPr/>
+        </p:nvSpPr>
+        <p:spPr>
+          <a:xfrm>
+            <a:off x="597334" y="4652300"/>
+            <a:ext cx="11036740" cy="930420"/>
+          </a:xfrm>
+          <a:prstGeom prst="rect">
+            <a:avLst/>
+          </a:prstGeom>
+          <a:solidFill>
+            <a:schemeClr val="accent2">
+              <a:lumMod val="50000"/>
+            </a:schemeClr>
+          </a:solidFill>
+        </p:spPr>
+        <p:style>
+          <a:lnRef idx="2">
+            <a:schemeClr val="accent1">
+              <a:shade val="50000"/>
+            </a:schemeClr>
+          </a:lnRef>
+          <a:fillRef idx="1">
+            <a:schemeClr val="accent1"/>
+          </a:fillRef>
+          <a:effectRef idx="0">
+            <a:schemeClr val="accent1"/>
+          </a:effectRef>
+          <a:fontRef idx="minor">
+            <a:schemeClr val="lt1"/>
+          </a:fontRef>
+        </p:style>
+        <p:txBody>
+          <a:bodyPr rtlCol="0" anchor="ctr"/>
+          <a:lstStyle/>
+          <a:p>
+            <a:pPr marL="0" marR="0" lvl="0" indent="0" algn="ctr" defTabSz="914400" rtl="0" eaLnBrk="1" fontAlgn="auto" latinLnBrk="0" hangingPunct="1">
+              <a:lnSpc>
+                <a:spcPct val="100000"/>
+              </a:lnSpc>
+              <a:spcBef>
+                <a:spcPts val="0"/>
+              </a:spcBef>
+              <a:spcAft>
+                <a:spcPts val="0"/>
+              </a:spcAft>
+              <a:buClrTx/>
+              <a:buSzTx/>
+              <a:buFontTx/>
+              <a:buNone/>
+              <a:tabLst/>
+              <a:defRPr/>
+            </a:pPr>
+            <a:r>
+              <a:rPr kumimoji="0" lang="es-ES" sz="2400" b="1" i="0" u="none" strike="noStrike" kern="1200" cap="none" spc="0" normalizeH="0" baseline="0" noProof="0" dirty="0">
+                <a:ln>
+                  <a:noFill/>
+                </a:ln>
+                <a:solidFill>
+                  <a:prstClr val="white"/>
+                </a:solidFill>
+                <a:effectLst/>
+                <a:uLnTx/>
+                <a:uFillTx/>
+                <a:latin typeface="Arial"/>
+              </a:rPr>
+              <a:t>In-</a:t>
+            </a:r>
+            <a:r>
+              <a:rPr kumimoji="0" lang="es-ES" sz="2400" b="1" i="0" u="none" strike="noStrike" kern="1200" cap="none" spc="0" normalizeH="0" baseline="0" noProof="0" dirty="0" err="1">
+                <a:ln>
+                  <a:noFill/>
+                </a:ln>
+                <a:solidFill>
+                  <a:prstClr val="white"/>
+                </a:solidFill>
+                <a:effectLst/>
+                <a:uLnTx/>
+                <a:uFillTx/>
+                <a:latin typeface="Arial"/>
+              </a:rPr>
+              <a:t>Memory</a:t>
+            </a:r>
+            <a:r>
+              <a:rPr kumimoji="0" lang="es-ES" sz="2400" b="1" i="0" u="none" strike="noStrike" kern="1200" cap="none" spc="0" normalizeH="0" baseline="0" noProof="0" dirty="0">
+                <a:ln>
+                  <a:noFill/>
+                </a:ln>
+                <a:solidFill>
+                  <a:prstClr val="white"/>
+                </a:solidFill>
+                <a:effectLst/>
+                <a:uLnTx/>
+                <a:uFillTx/>
+                <a:latin typeface="Arial"/>
+              </a:rPr>
+              <a:t> DB</a:t>
+            </a:r>
+            <a:r>
+              <a:rPr kumimoji="0" lang="es-ES" sz="1800" b="1" i="0" u="none" strike="noStrike" kern="1200" cap="none" spc="0" normalizeH="0" baseline="0" noProof="0" dirty="0">
+                <a:ln>
+                  <a:noFill/>
+                </a:ln>
+                <a:solidFill>
+                  <a:prstClr val="white"/>
+                </a:solidFill>
+                <a:effectLst/>
+                <a:uLnTx/>
+                <a:uFillTx/>
+                <a:latin typeface="Arial"/>
+              </a:rPr>
+              <a:t> </a:t>
+            </a:r>
+            <a:r>
+              <a:rPr kumimoji="0" lang="es-ES" sz="1800" b="0" i="0" u="none" strike="noStrike" kern="1200" cap="none" spc="0" normalizeH="0" baseline="0" noProof="0" dirty="0">
+                <a:ln>
+                  <a:noFill/>
+                </a:ln>
+                <a:solidFill>
+                  <a:prstClr val="white"/>
+                </a:solidFill>
+                <a:effectLst/>
+                <a:uLnTx/>
+                <a:uFillTx/>
+                <a:latin typeface="Arial"/>
+              </a:rPr>
+              <a:t>(</a:t>
+            </a:r>
+            <a:r>
+              <a:rPr kumimoji="0" lang="es-ES" sz="1800" b="0" i="0" u="none" strike="noStrike" kern="1200" cap="none" spc="0" normalizeH="0" baseline="0" noProof="0" dirty="0" err="1">
+                <a:ln>
+                  <a:noFill/>
+                </a:ln>
+                <a:solidFill>
+                  <a:prstClr val="white"/>
+                </a:solidFill>
+                <a:effectLst/>
+                <a:uLnTx/>
+                <a:uFillTx/>
+                <a:latin typeface="Arial"/>
+              </a:rPr>
+              <a:t>Dictionaries</a:t>
+            </a:r>
+            <a:r>
+              <a:rPr kumimoji="0" lang="es-ES" sz="1800" b="0" i="0" u="none" strike="noStrike" kern="1200" cap="none" spc="0" normalizeH="0" baseline="0" noProof="0" dirty="0">
+                <a:ln>
+                  <a:noFill/>
+                </a:ln>
+                <a:solidFill>
+                  <a:prstClr val="white"/>
+                </a:solidFill>
+                <a:effectLst/>
+                <a:uLnTx/>
+                <a:uFillTx/>
+                <a:latin typeface="Arial"/>
+              </a:rPr>
+              <a:t>)</a:t>
+            </a:r>
+            <a:endParaRPr kumimoji="0" lang="en-GB" sz="1800" b="0" i="0" u="none" strike="noStrike" kern="1200" cap="none" spc="0" normalizeH="0" baseline="0" noProof="0" dirty="0">
+              <a:ln>
+                <a:noFill/>
+              </a:ln>
+              <a:solidFill>
+                <a:prstClr val="white"/>
+              </a:solidFill>
+              <a:effectLst/>
+              <a:uLnTx/>
+              <a:uFillTx/>
+              <a:latin typeface="Arial"/>
+            </a:endParaRPr>
+          </a:p>
+        </p:txBody>
+      </p:sp>
+      <p:sp>
+        <p:nvSpPr>
+          <p:cNvPr id="12" name="Rectangle 11">
+            <a:extLst>
+              <a:ext uri="{FF2B5EF4-FFF2-40B4-BE49-F238E27FC236}">
+                <a16:creationId xmlns:a16="http://schemas.microsoft.com/office/drawing/2014/main" id="{BB191CE6-9BF9-4559-A45F-BBB577ED5291}"/>
+              </a:ext>
+            </a:extLst>
+          </p:cNvPr>
+          <p:cNvSpPr/>
+          <p:nvPr/>
+        </p:nvSpPr>
+        <p:spPr>
+          <a:xfrm>
+            <a:off x="3213510" y="1580690"/>
+            <a:ext cx="5064210" cy="616830"/>
+          </a:xfrm>
+          <a:prstGeom prst="rect">
+            <a:avLst/>
+          </a:prstGeom>
+          <a:solidFill>
+            <a:schemeClr val="tx1"/>
+          </a:solidFill>
+        </p:spPr>
+        <p:style>
+          <a:lnRef idx="2">
+            <a:schemeClr val="accent1">
+              <a:shade val="50000"/>
+            </a:schemeClr>
+          </a:lnRef>
+          <a:fillRef idx="1">
+            <a:schemeClr val="accent1"/>
+          </a:fillRef>
+          <a:effectRef idx="0">
+            <a:schemeClr val="accent1"/>
+          </a:effectRef>
+          <a:fontRef idx="minor">
+            <a:schemeClr val="lt1"/>
+          </a:fontRef>
+        </p:style>
+        <p:txBody>
+          <a:bodyPr rtlCol="0" anchor="ctr"/>
+          <a:lstStyle/>
+          <a:p>
+            <a:pPr marL="0" marR="0" lvl="0" indent="0" algn="ctr" defTabSz="914400" rtl="0" eaLnBrk="1" fontAlgn="auto" latinLnBrk="0" hangingPunct="1">
+              <a:lnSpc>
+                <a:spcPct val="100000"/>
+              </a:lnSpc>
+              <a:spcBef>
+                <a:spcPts val="0"/>
+              </a:spcBef>
+              <a:spcAft>
+                <a:spcPts val="0"/>
+              </a:spcAft>
+              <a:buClrTx/>
+              <a:buSzTx/>
+              <a:buFontTx/>
+              <a:buNone/>
+              <a:tabLst/>
+              <a:defRPr/>
+            </a:pPr>
+            <a:r>
+              <a:rPr kumimoji="0" lang="es-ES" sz="3200" b="0" i="0" u="none" strike="noStrike" kern="1200" cap="none" spc="0" normalizeH="0" baseline="0" noProof="0" dirty="0" err="1">
+                <a:ln>
+                  <a:noFill/>
+                </a:ln>
+                <a:solidFill>
+                  <a:prstClr val="white"/>
+                </a:solidFill>
+                <a:effectLst/>
+                <a:uLnTx/>
+                <a:uFillTx/>
+                <a:latin typeface="Arial"/>
+              </a:rPr>
+              <a:t>IOrganizationService</a:t>
+            </a:r>
+            <a:endParaRPr kumimoji="0" lang="en-GB" sz="3200" b="0" i="0" u="none" strike="noStrike" kern="1200" cap="none" spc="0" normalizeH="0" baseline="0" noProof="0" dirty="0">
+              <a:ln>
+                <a:noFill/>
+              </a:ln>
+              <a:solidFill>
+                <a:prstClr val="white"/>
+              </a:solidFill>
+              <a:effectLst/>
+              <a:uLnTx/>
+              <a:uFillTx/>
+              <a:latin typeface="Arial"/>
+            </a:endParaRPr>
+          </a:p>
+        </p:txBody>
+      </p:sp>
+      <p:sp>
+        <p:nvSpPr>
+          <p:cNvPr id="13" name="Rectangle 12">
+            <a:extLst>
+              <a:ext uri="{FF2B5EF4-FFF2-40B4-BE49-F238E27FC236}">
+                <a16:creationId xmlns:a16="http://schemas.microsoft.com/office/drawing/2014/main" id="{C440DAD1-EED0-4F44-959E-0A62F8D3420F}"/>
+              </a:ext>
+            </a:extLst>
+          </p:cNvPr>
+          <p:cNvSpPr/>
+          <p:nvPr/>
+        </p:nvSpPr>
+        <p:spPr>
+          <a:xfrm>
+            <a:off x="3823334" y="3258587"/>
+            <a:ext cx="3580340" cy="930420"/>
+          </a:xfrm>
+          <a:prstGeom prst="rect">
+            <a:avLst/>
+          </a:prstGeom>
+          <a:solidFill>
+            <a:schemeClr val="accent1">
+              <a:lumMod val="50000"/>
+            </a:schemeClr>
+          </a:solidFill>
+        </p:spPr>
+        <p:style>
+          <a:lnRef idx="2">
+            <a:schemeClr val="accent1">
+              <a:shade val="50000"/>
+            </a:schemeClr>
+          </a:lnRef>
+          <a:fillRef idx="1">
+            <a:schemeClr val="accent1"/>
+          </a:fillRef>
+          <a:effectRef idx="0">
+            <a:schemeClr val="accent1"/>
+          </a:effectRef>
+          <a:fontRef idx="minor">
+            <a:schemeClr val="lt1"/>
+          </a:fontRef>
+        </p:style>
+        <p:txBody>
+          <a:bodyPr rtlCol="0" anchor="ctr"/>
+          <a:lstStyle/>
+          <a:p>
+            <a:pPr marL="0" marR="0" lvl="0" indent="0" algn="ctr" defTabSz="914400" rtl="0" eaLnBrk="1" fontAlgn="auto" latinLnBrk="0" hangingPunct="1">
+              <a:lnSpc>
+                <a:spcPct val="100000"/>
+              </a:lnSpc>
+              <a:spcBef>
+                <a:spcPts val="0"/>
+              </a:spcBef>
+              <a:spcAft>
+                <a:spcPts val="0"/>
+              </a:spcAft>
+              <a:buClrTx/>
+              <a:buSzTx/>
+              <a:buFontTx/>
+              <a:buNone/>
+              <a:tabLst/>
+              <a:defRPr/>
+            </a:pPr>
+            <a:r>
+              <a:rPr kumimoji="0" lang="es-ES" sz="3200" b="0" i="0" u="none" strike="noStrike" kern="1200" cap="none" spc="0" normalizeH="0" baseline="0" noProof="0" dirty="0" err="1">
+                <a:ln>
+                  <a:noFill/>
+                </a:ln>
+                <a:solidFill>
+                  <a:prstClr val="white"/>
+                </a:solidFill>
+                <a:effectLst/>
+                <a:uLnTx/>
+                <a:uFillTx/>
+                <a:latin typeface="Arial"/>
+              </a:rPr>
+              <a:t>FakeItEasy</a:t>
+            </a:r>
+            <a:endParaRPr kumimoji="0" lang="en-GB" sz="3200" b="0" i="0" u="none" strike="noStrike" kern="1200" cap="none" spc="0" normalizeH="0" baseline="0" noProof="0" dirty="0">
+              <a:ln>
+                <a:noFill/>
+              </a:ln>
+              <a:solidFill>
+                <a:prstClr val="white"/>
+              </a:solidFill>
+              <a:effectLst/>
+              <a:uLnTx/>
+              <a:uFillTx/>
+              <a:latin typeface="Arial"/>
+            </a:endParaRPr>
+          </a:p>
+        </p:txBody>
+      </p:sp>
+      <p:sp>
+        <p:nvSpPr>
+          <p:cNvPr id="15" name="Arrow: Down 14">
+            <a:extLst>
+              <a:ext uri="{FF2B5EF4-FFF2-40B4-BE49-F238E27FC236}">
+                <a16:creationId xmlns:a16="http://schemas.microsoft.com/office/drawing/2014/main" id="{21D94B95-4CCF-478B-8266-82EF9D2CB4B1}"/>
+              </a:ext>
+            </a:extLst>
+          </p:cNvPr>
+          <p:cNvSpPr/>
+          <p:nvPr/>
+        </p:nvSpPr>
+        <p:spPr>
+          <a:xfrm>
+            <a:off x="5417227" y="4049627"/>
+            <a:ext cx="454143" cy="1020931"/>
+          </a:xfrm>
+          <a:prstGeom prst="downArrow">
+            <a:avLst/>
+          </a:prstGeom>
+          <a:solidFill>
+            <a:schemeClr val="bg1"/>
+          </a:solidFill>
+        </p:spPr>
+        <p:style>
+          <a:lnRef idx="2">
+            <a:schemeClr val="accent1">
+              <a:shade val="50000"/>
+            </a:schemeClr>
+          </a:lnRef>
+          <a:fillRef idx="1">
+            <a:schemeClr val="accent1"/>
+          </a:fillRef>
+          <a:effectRef idx="0">
+            <a:schemeClr val="accent1"/>
+          </a:effectRef>
+          <a:fontRef idx="minor">
+            <a:schemeClr val="lt1"/>
+          </a:fontRef>
+        </p:style>
+        <p:txBody>
+          <a:bodyPr rtlCol="0" anchor="ctr"/>
+          <a:lstStyle/>
+          <a:p>
+            <a:pPr marL="0" marR="0" lvl="0" indent="0" algn="ctr" defTabSz="914400" rtl="0" eaLnBrk="1" fontAlgn="auto" latinLnBrk="0" hangingPunct="1">
+              <a:lnSpc>
+                <a:spcPct val="100000"/>
+              </a:lnSpc>
+              <a:spcBef>
+                <a:spcPts val="0"/>
+              </a:spcBef>
+              <a:spcAft>
+                <a:spcPts val="0"/>
+              </a:spcAft>
+              <a:buClrTx/>
+              <a:buSzTx/>
+              <a:buFontTx/>
+              <a:buNone/>
+              <a:tabLst/>
+              <a:defRPr/>
+            </a:pPr>
+            <a:endParaRPr kumimoji="0" lang="en-GB" sz="1800" b="0" i="0" u="none" strike="noStrike" kern="1200" cap="none" spc="0" normalizeH="0" baseline="0" noProof="0">
+              <a:ln>
+                <a:noFill/>
+              </a:ln>
+              <a:solidFill>
+                <a:prstClr val="white"/>
+              </a:solidFill>
+              <a:effectLst/>
+              <a:uLnTx/>
+              <a:uFillTx/>
+              <a:latin typeface="Arial"/>
+            </a:endParaRPr>
+          </a:p>
+        </p:txBody>
+      </p:sp>
+      <p:sp>
+        <p:nvSpPr>
+          <p:cNvPr id="18" name="Arrow: Down 17">
+            <a:extLst>
+              <a:ext uri="{FF2B5EF4-FFF2-40B4-BE49-F238E27FC236}">
+                <a16:creationId xmlns:a16="http://schemas.microsoft.com/office/drawing/2014/main" id="{DF05D1B6-FA14-4025-867E-EC0C75F975A6}"/>
+              </a:ext>
+            </a:extLst>
+          </p:cNvPr>
+          <p:cNvSpPr/>
+          <p:nvPr/>
+        </p:nvSpPr>
+        <p:spPr>
+          <a:xfrm>
+            <a:off x="5390118" y="2197297"/>
+            <a:ext cx="446772" cy="1235945"/>
+          </a:xfrm>
+          <a:prstGeom prst="downArrow">
+            <a:avLst/>
+          </a:prstGeom>
+          <a:solidFill>
+            <a:schemeClr val="bg1"/>
+          </a:solidFill>
+        </p:spPr>
+        <p:style>
+          <a:lnRef idx="2">
+            <a:schemeClr val="accent1">
+              <a:shade val="50000"/>
+            </a:schemeClr>
+          </a:lnRef>
+          <a:fillRef idx="1">
+            <a:schemeClr val="accent1"/>
+          </a:fillRef>
+          <a:effectRef idx="0">
+            <a:schemeClr val="accent1"/>
+          </a:effectRef>
+          <a:fontRef idx="minor">
+            <a:schemeClr val="lt1"/>
+          </a:fontRef>
+        </p:style>
+        <p:txBody>
+          <a:bodyPr rtlCol="0" anchor="ctr"/>
+          <a:lstStyle/>
+          <a:p>
+            <a:pPr marL="0" marR="0" lvl="0" indent="0" algn="ctr" defTabSz="914400" rtl="0" eaLnBrk="1" fontAlgn="auto" latinLnBrk="0" hangingPunct="1">
+              <a:lnSpc>
+                <a:spcPct val="100000"/>
+              </a:lnSpc>
+              <a:spcBef>
+                <a:spcPts val="0"/>
+              </a:spcBef>
+              <a:spcAft>
+                <a:spcPts val="0"/>
+              </a:spcAft>
+              <a:buClrTx/>
+              <a:buSzTx/>
+              <a:buFontTx/>
+              <a:buNone/>
+              <a:tabLst/>
+              <a:defRPr/>
+            </a:pPr>
+            <a:endParaRPr kumimoji="0" lang="en-GB" sz="1800" b="0" i="0" u="none" strike="noStrike" kern="1200" cap="none" spc="0" normalizeH="0" baseline="0" noProof="0" dirty="0">
+              <a:ln>
+                <a:noFill/>
+              </a:ln>
+              <a:solidFill>
+                <a:prstClr val="white"/>
+              </a:solidFill>
+              <a:effectLst/>
+              <a:uLnTx/>
+              <a:uFillTx/>
+              <a:latin typeface="Arial"/>
+            </a:endParaRPr>
+          </a:p>
+        </p:txBody>
+      </p:sp>
     </p:spTree>
+    <p:extLst>
+      <p:ext uri="{BB962C8B-B14F-4D97-AF65-F5344CB8AC3E}">
+        <p14:creationId xmlns:p14="http://schemas.microsoft.com/office/powerpoint/2010/main" val="1935598715"/>
+      </p:ext>
+    </p:extLst>
   </p:cSld>
   <p:clrMapOvr>
     <a:masterClrMapping/>

--- a/slides.pptx
+++ b/slides.pptx
@@ -20,7 +20,9 @@
     <p:sldId id="272" r:id="rId14"/>
     <p:sldId id="276" r:id="rId15"/>
     <p:sldId id="270" r:id="rId16"/>
-    <p:sldId id="271" r:id="rId17"/>
+    <p:sldId id="278" r:id="rId17"/>
+    <p:sldId id="277" r:id="rId18"/>
+    <p:sldId id="271" r:id="rId19"/>
   </p:sldIdLst>
   <p:sldSz cx="12192000" cy="6858000"/>
   <p:notesSz cx="7559675" cy="10691813"/>
@@ -11782,6 +11784,1075 @@
   <p:cSld>
     <p:bg>
       <p:bgPr>
+        <a:blipFill rotWithShape="0">
+          <a:blip r:embed="rId2"/>
+          <a:stretch>
+            <a:fillRect/>
+          </a:stretch>
+        </a:blipFill>
+        <a:effectLst/>
+      </p:bgPr>
+    </p:bg>
+    <p:spTree>
+      <p:nvGrpSpPr>
+        <p:cNvPr id="1" name=""/>
+        <p:cNvGrpSpPr/>
+        <p:nvPr/>
+      </p:nvGrpSpPr>
+      <p:grpSpPr>
+        <a:xfrm>
+          <a:off x="0" y="0"/>
+          <a:ext cx="0" cy="0"/>
+          <a:chOff x="0" y="0"/>
+          <a:chExt cx="0" cy="0"/>
+        </a:xfrm>
+      </p:grpSpPr>
+      <p:sp>
+        <p:nvSpPr>
+          <p:cNvPr id="298" name="CustomShape 1"/>
+          <p:cNvSpPr/>
+          <p:nvPr/>
+        </p:nvSpPr>
+        <p:spPr>
+          <a:xfrm>
+            <a:off x="1527480" y="1700280"/>
+            <a:ext cx="4141080" cy="1533960"/>
+          </a:xfrm>
+          <a:prstGeom prst="rect">
+            <a:avLst/>
+          </a:prstGeom>
+          <a:noFill/>
+          <a:ln>
+            <a:noFill/>
+          </a:ln>
+        </p:spPr>
+        <p:style>
+          <a:lnRef idx="0">
+            <a:scrgbClr r="0" g="0" b="0"/>
+          </a:lnRef>
+          <a:fillRef idx="0">
+            <a:scrgbClr r="0" g="0" b="0"/>
+          </a:fillRef>
+          <a:effectRef idx="0">
+            <a:scrgbClr r="0" g="0" b="0"/>
+          </a:effectRef>
+          <a:fontRef idx="minor"/>
+        </p:style>
+        <p:txBody>
+          <a:bodyPr lIns="90000" tIns="45000" rIns="90000" bIns="45000" anchor="ctr"/>
+          <a:lstStyle/>
+          <a:p>
+            <a:pPr marL="0" marR="0" lvl="0" indent="0" algn="l" defTabSz="914400" rtl="0" eaLnBrk="1" fontAlgn="auto" latinLnBrk="0" hangingPunct="1">
+              <a:lnSpc>
+                <a:spcPct val="90000"/>
+              </a:lnSpc>
+              <a:spcBef>
+                <a:spcPts val="0"/>
+              </a:spcBef>
+              <a:spcAft>
+                <a:spcPts val="0"/>
+              </a:spcAft>
+              <a:buClrTx/>
+              <a:buSzTx/>
+              <a:buFontTx/>
+              <a:buNone/>
+              <a:tabLst/>
+              <a:defRPr/>
+            </a:pPr>
+            <a:r>
+              <a:rPr kumimoji="0" lang="en-US" sz="4000" b="1" i="0" u="none" strike="noStrike" kern="1200" cap="none" spc="-1" normalizeH="0" baseline="0" noProof="0" dirty="0">
+                <a:ln>
+                  <a:noFill/>
+                </a:ln>
+                <a:solidFill>
+                  <a:srgbClr val="BE005A"/>
+                </a:solidFill>
+                <a:effectLst/>
+                <a:uLnTx/>
+                <a:uFillTx/>
+                <a:latin typeface="Avenir Next LT Pro"/>
+                <a:ea typeface="DejaVu Sans"/>
+              </a:rPr>
+              <a:t>Q &amp; A?</a:t>
+            </a:r>
+            <a:endParaRPr kumimoji="0" lang="en-US" sz="4000" b="0" i="0" u="none" strike="noStrike" kern="1200" cap="none" spc="-1" normalizeH="0" baseline="0" noProof="0" dirty="0">
+              <a:ln>
+                <a:noFill/>
+              </a:ln>
+              <a:solidFill>
+                <a:prstClr val="black"/>
+              </a:solidFill>
+              <a:effectLst/>
+              <a:uLnTx/>
+              <a:uFillTx/>
+              <a:latin typeface="Arial"/>
+            </a:endParaRPr>
+          </a:p>
+        </p:txBody>
+      </p:sp>
+      <p:sp>
+        <p:nvSpPr>
+          <p:cNvPr id="299" name="CustomShape 2"/>
+          <p:cNvSpPr/>
+          <p:nvPr/>
+        </p:nvSpPr>
+        <p:spPr>
+          <a:xfrm>
+            <a:off x="614880" y="6187680"/>
+            <a:ext cx="3254040" cy="362520"/>
+          </a:xfrm>
+          <a:prstGeom prst="rect">
+            <a:avLst/>
+          </a:prstGeom>
+          <a:noFill/>
+          <a:ln>
+            <a:noFill/>
+          </a:ln>
+        </p:spPr>
+        <p:style>
+          <a:lnRef idx="0">
+            <a:scrgbClr r="0" g="0" b="0"/>
+          </a:lnRef>
+          <a:fillRef idx="0">
+            <a:scrgbClr r="0" g="0" b="0"/>
+          </a:fillRef>
+          <a:effectRef idx="0">
+            <a:scrgbClr r="0" g="0" b="0"/>
+          </a:effectRef>
+          <a:fontRef idx="minor"/>
+        </p:style>
+        <p:txBody>
+          <a:bodyPr lIns="90000" tIns="45000" rIns="90000" bIns="45000" anchor="ctr"/>
+          <a:lstStyle/>
+          <a:p>
+            <a:pPr marL="0" marR="0" lvl="0" indent="0" algn="l" defTabSz="914400" rtl="0" eaLnBrk="1" fontAlgn="auto" latinLnBrk="0" hangingPunct="1">
+              <a:lnSpc>
+                <a:spcPct val="100000"/>
+              </a:lnSpc>
+              <a:spcBef>
+                <a:spcPts val="0"/>
+              </a:spcBef>
+              <a:spcAft>
+                <a:spcPts val="0"/>
+              </a:spcAft>
+              <a:buClrTx/>
+              <a:buSzTx/>
+              <a:buFontTx/>
+              <a:buNone/>
+              <a:tabLst/>
+              <a:defRPr/>
+            </a:pPr>
+            <a:r>
+              <a:rPr kumimoji="0" lang="en-US" sz="1200" b="0" i="1" u="none" strike="noStrike" kern="1200" cap="none" spc="-1" normalizeH="0" baseline="0" noProof="0">
+                <a:ln>
+                  <a:noFill/>
+                </a:ln>
+                <a:solidFill>
+                  <a:srgbClr val="3B2CAC"/>
+                </a:solidFill>
+                <a:effectLst/>
+                <a:uLnTx/>
+                <a:uFillTx/>
+                <a:latin typeface="Speak Pro"/>
+                <a:ea typeface="DejaVu Sans"/>
+              </a:rPr>
+              <a:t>What’s new in FakeXrmEasy v2.x</a:t>
+            </a:r>
+            <a:endParaRPr kumimoji="0" lang="en-US" sz="1200" b="0" i="0" u="none" strike="noStrike" kern="1200" cap="none" spc="-1" normalizeH="0" baseline="0" noProof="0">
+              <a:ln>
+                <a:noFill/>
+              </a:ln>
+              <a:solidFill>
+                <a:prstClr val="black"/>
+              </a:solidFill>
+              <a:effectLst/>
+              <a:uLnTx/>
+              <a:uFillTx/>
+              <a:latin typeface="Arial"/>
+            </a:endParaRPr>
+          </a:p>
+        </p:txBody>
+      </p:sp>
+      <p:sp>
+        <p:nvSpPr>
+          <p:cNvPr id="300" name="CustomShape 3"/>
+          <p:cNvSpPr/>
+          <p:nvPr/>
+        </p:nvSpPr>
+        <p:spPr>
+          <a:xfrm>
+            <a:off x="8849880" y="6187680"/>
+            <a:ext cx="2740680" cy="362520"/>
+          </a:xfrm>
+          <a:prstGeom prst="rect">
+            <a:avLst/>
+          </a:prstGeom>
+          <a:noFill/>
+          <a:ln>
+            <a:noFill/>
+          </a:ln>
+        </p:spPr>
+        <p:style>
+          <a:lnRef idx="0">
+            <a:scrgbClr r="0" g="0" b="0"/>
+          </a:lnRef>
+          <a:fillRef idx="0">
+            <a:scrgbClr r="0" g="0" b="0"/>
+          </a:fillRef>
+          <a:effectRef idx="0">
+            <a:scrgbClr r="0" g="0" b="0"/>
+          </a:effectRef>
+          <a:fontRef idx="minor"/>
+        </p:style>
+        <p:txBody>
+          <a:bodyPr lIns="90000" tIns="45000" rIns="90000" bIns="45000" anchor="ctr"/>
+          <a:lstStyle/>
+          <a:p>
+            <a:pPr marL="0" marR="0" lvl="0" indent="0" algn="r" defTabSz="914400" rtl="0" eaLnBrk="1" fontAlgn="auto" latinLnBrk="0" hangingPunct="1">
+              <a:lnSpc>
+                <a:spcPct val="100000"/>
+              </a:lnSpc>
+              <a:spcBef>
+                <a:spcPts val="0"/>
+              </a:spcBef>
+              <a:spcAft>
+                <a:spcPts val="0"/>
+              </a:spcAft>
+              <a:buClrTx/>
+              <a:buSzTx/>
+              <a:buFontTx/>
+              <a:buNone/>
+              <a:tabLst/>
+              <a:defRPr/>
+            </a:pPr>
+            <a:fld id="{4C2995D3-8C24-48C6-9F78-0D1D23F82B58}" type="slidenum">
+              <a:rPr kumimoji="0" lang="en-US" sz="1200" b="0" i="1" u="none" strike="noStrike" kern="1200" cap="none" spc="-1" normalizeH="0" baseline="0" noProof="0">
+                <a:ln>
+                  <a:noFill/>
+                </a:ln>
+                <a:solidFill>
+                  <a:srgbClr val="FFCD6B"/>
+                </a:solidFill>
+                <a:effectLst/>
+                <a:uLnTx/>
+                <a:uFillTx/>
+                <a:latin typeface="Speak Pro"/>
+                <a:ea typeface="DejaVu Sans"/>
+              </a:rPr>
+              <a:pPr marL="0" marR="0" lvl="0" indent="0" algn="r" defTabSz="914400" rtl="0" eaLnBrk="1" fontAlgn="auto" latinLnBrk="0" hangingPunct="1">
+                <a:lnSpc>
+                  <a:spcPct val="100000"/>
+                </a:lnSpc>
+                <a:spcBef>
+                  <a:spcPts val="0"/>
+                </a:spcBef>
+                <a:spcAft>
+                  <a:spcPts val="0"/>
+                </a:spcAft>
+                <a:buClrTx/>
+                <a:buSzTx/>
+                <a:buFontTx/>
+                <a:buNone/>
+                <a:tabLst/>
+                <a:defRPr/>
+              </a:pPr>
+              <a:t>13</a:t>
+            </a:fld>
+            <a:endParaRPr kumimoji="0" lang="en-US" sz="1200" b="0" i="0" u="none" strike="noStrike" kern="1200" cap="none" spc="-1" normalizeH="0" baseline="0" noProof="0">
+              <a:ln>
+                <a:noFill/>
+              </a:ln>
+              <a:solidFill>
+                <a:prstClr val="black"/>
+              </a:solidFill>
+              <a:effectLst/>
+              <a:uLnTx/>
+              <a:uFillTx/>
+              <a:latin typeface="Arial"/>
+            </a:endParaRPr>
+          </a:p>
+        </p:txBody>
+      </p:sp>
+      <p:sp>
+        <p:nvSpPr>
+          <p:cNvPr id="301" name="CustomShape 4"/>
+          <p:cNvSpPr/>
+          <p:nvPr/>
+        </p:nvSpPr>
+        <p:spPr>
+          <a:xfrm>
+            <a:off x="1527480" y="3279960"/>
+            <a:ext cx="4141080" cy="690120"/>
+          </a:xfrm>
+          <a:prstGeom prst="rect">
+            <a:avLst/>
+          </a:prstGeom>
+          <a:noFill/>
+          <a:ln>
+            <a:noFill/>
+          </a:ln>
+        </p:spPr>
+        <p:style>
+          <a:lnRef idx="0">
+            <a:scrgbClr r="0" g="0" b="0"/>
+          </a:lnRef>
+          <a:fillRef idx="0">
+            <a:scrgbClr r="0" g="0" b="0"/>
+          </a:fillRef>
+          <a:effectRef idx="0">
+            <a:scrgbClr r="0" g="0" b="0"/>
+          </a:effectRef>
+          <a:fontRef idx="minor"/>
+        </p:style>
+        <p:txBody>
+          <a:bodyPr lIns="90000" tIns="45000" rIns="90000" bIns="45000"/>
+          <a:lstStyle/>
+          <a:p>
+            <a:pPr marL="0" marR="0" lvl="0" indent="0" algn="l" defTabSz="914400" rtl="0" eaLnBrk="1" fontAlgn="auto" latinLnBrk="0" hangingPunct="1">
+              <a:lnSpc>
+                <a:spcPct val="90000"/>
+              </a:lnSpc>
+              <a:spcBef>
+                <a:spcPts val="1001"/>
+              </a:spcBef>
+              <a:spcAft>
+                <a:spcPts val="0"/>
+              </a:spcAft>
+              <a:buClrTx/>
+              <a:buSzTx/>
+              <a:buFontTx/>
+              <a:buNone/>
+              <a:tabLst/>
+              <a:defRPr/>
+            </a:pPr>
+            <a:endParaRPr kumimoji="0" lang="en-US" sz="2000" b="0" i="0" u="none" strike="noStrike" kern="1200" cap="none" spc="-1" normalizeH="0" baseline="0" noProof="0" dirty="0">
+              <a:ln>
+                <a:noFill/>
+              </a:ln>
+              <a:solidFill>
+                <a:prstClr val="black"/>
+              </a:solidFill>
+              <a:effectLst/>
+              <a:uLnTx/>
+              <a:uFillTx/>
+              <a:latin typeface="Arial"/>
+            </a:endParaRPr>
+          </a:p>
+        </p:txBody>
+      </p:sp>
+      <p:pic>
+        <p:nvPicPr>
+          <p:cNvPr id="302" name="Picture 9"/>
+          <p:cNvPicPr/>
+          <p:nvPr/>
+        </p:nvPicPr>
+        <p:blipFill>
+          <a:blip r:embed="rId3">
+            <a:lum bright="70000" contrast="-70000"/>
+          </a:blip>
+          <a:stretch/>
+        </p:blipFill>
+        <p:spPr>
+          <a:xfrm>
+            <a:off x="11210040" y="829800"/>
+            <a:ext cx="939240" cy="482040"/>
+          </a:xfrm>
+          <a:prstGeom prst="rect">
+            <a:avLst/>
+          </a:prstGeom>
+          <a:ln>
+            <a:noFill/>
+          </a:ln>
+        </p:spPr>
+      </p:pic>
+      <p:sp>
+        <p:nvSpPr>
+          <p:cNvPr id="303" name="CustomShape 5"/>
+          <p:cNvSpPr/>
+          <p:nvPr/>
+        </p:nvSpPr>
+        <p:spPr>
+          <a:xfrm>
+            <a:off x="6400800" y="1385280"/>
+            <a:ext cx="5209920" cy="3838320"/>
+          </a:xfrm>
+          <a:prstGeom prst="rect">
+            <a:avLst/>
+          </a:prstGeom>
+          <a:noFill/>
+          <a:ln>
+            <a:noFill/>
+          </a:ln>
+        </p:spPr>
+        <p:style>
+          <a:lnRef idx="0">
+            <a:scrgbClr r="0" g="0" b="0"/>
+          </a:lnRef>
+          <a:fillRef idx="0">
+            <a:scrgbClr r="0" g="0" b="0"/>
+          </a:fillRef>
+          <a:effectRef idx="0">
+            <a:scrgbClr r="0" g="0" b="0"/>
+          </a:effectRef>
+          <a:fontRef idx="minor"/>
+        </p:style>
+        <p:txBody>
+          <a:bodyPr lIns="90000" tIns="45000" rIns="90000" bIns="45000">
+            <a:normAutofit/>
+          </a:bodyPr>
+          <a:lstStyle/>
+          <a:p>
+            <a:pPr marL="0" marR="0" lvl="0" indent="0" algn="l" defTabSz="914400" rtl="0" eaLnBrk="1" fontAlgn="auto" latinLnBrk="0" hangingPunct="1">
+              <a:lnSpc>
+                <a:spcPct val="100000"/>
+              </a:lnSpc>
+              <a:spcBef>
+                <a:spcPts val="601"/>
+              </a:spcBef>
+              <a:spcAft>
+                <a:spcPts val="0"/>
+              </a:spcAft>
+              <a:buClrTx/>
+              <a:buSzTx/>
+              <a:buFontTx/>
+              <a:buNone/>
+              <a:tabLst/>
+              <a:defRPr/>
+            </a:pPr>
+            <a:endParaRPr kumimoji="0" lang="en-US" sz="1800" b="0" i="0" u="none" strike="noStrike" kern="1200" cap="none" spc="-1" normalizeH="0" baseline="0" noProof="0">
+              <a:ln>
+                <a:noFill/>
+              </a:ln>
+              <a:solidFill>
+                <a:prstClr val="black"/>
+              </a:solidFill>
+              <a:effectLst/>
+              <a:uLnTx/>
+              <a:uFillTx/>
+              <a:latin typeface="Arial"/>
+            </a:endParaRPr>
+          </a:p>
+          <a:p>
+            <a:pPr marL="0" marR="0" lvl="0" indent="0" algn="l" defTabSz="914400" rtl="0" eaLnBrk="1" fontAlgn="auto" latinLnBrk="0" hangingPunct="1">
+              <a:lnSpc>
+                <a:spcPct val="100000"/>
+              </a:lnSpc>
+              <a:spcBef>
+                <a:spcPts val="601"/>
+              </a:spcBef>
+              <a:spcAft>
+                <a:spcPts val="0"/>
+              </a:spcAft>
+              <a:buClrTx/>
+              <a:buSzTx/>
+              <a:buFontTx/>
+              <a:buNone/>
+              <a:tabLst/>
+              <a:defRPr/>
+            </a:pPr>
+            <a:endParaRPr kumimoji="0" lang="en-US" sz="1800" b="0" i="0" u="none" strike="noStrike" kern="1200" cap="none" spc="-1" normalizeH="0" baseline="0" noProof="0">
+              <a:ln>
+                <a:noFill/>
+              </a:ln>
+              <a:solidFill>
+                <a:prstClr val="black"/>
+              </a:solidFill>
+              <a:effectLst/>
+              <a:uLnTx/>
+              <a:uFillTx/>
+              <a:latin typeface="Arial"/>
+            </a:endParaRPr>
+          </a:p>
+          <a:p>
+            <a:pPr marL="0" marR="0" lvl="0" indent="0" algn="l" defTabSz="914400" rtl="0" eaLnBrk="1" fontAlgn="auto" latinLnBrk="0" hangingPunct="1">
+              <a:lnSpc>
+                <a:spcPct val="100000"/>
+              </a:lnSpc>
+              <a:spcBef>
+                <a:spcPts val="601"/>
+              </a:spcBef>
+              <a:spcAft>
+                <a:spcPts val="0"/>
+              </a:spcAft>
+              <a:buClrTx/>
+              <a:buSzTx/>
+              <a:buFontTx/>
+              <a:buNone/>
+              <a:tabLst/>
+              <a:defRPr/>
+            </a:pPr>
+            <a:endParaRPr kumimoji="0" lang="en-US" sz="1800" b="0" i="0" u="none" strike="noStrike" kern="1200" cap="none" spc="-1" normalizeH="0" baseline="0" noProof="0">
+              <a:ln>
+                <a:noFill/>
+              </a:ln>
+              <a:solidFill>
+                <a:prstClr val="black"/>
+              </a:solidFill>
+              <a:effectLst/>
+              <a:uLnTx/>
+              <a:uFillTx/>
+              <a:latin typeface="Arial"/>
+            </a:endParaRPr>
+          </a:p>
+        </p:txBody>
+      </p:sp>
+      <p:sp>
+        <p:nvSpPr>
+          <p:cNvPr id="304" name="TextShape 6"/>
+          <p:cNvSpPr txBox="1"/>
+          <p:nvPr/>
+        </p:nvSpPr>
+        <p:spPr>
+          <a:xfrm>
+            <a:off x="6583680" y="3310920"/>
+            <a:ext cx="5394960" cy="346680"/>
+          </a:xfrm>
+          <a:prstGeom prst="rect">
+            <a:avLst/>
+          </a:prstGeom>
+          <a:noFill/>
+          <a:ln>
+            <a:noFill/>
+          </a:ln>
+        </p:spPr>
+        <p:txBody>
+          <a:bodyPr lIns="90000" tIns="45000" rIns="90000" bIns="45000"/>
+          <a:lstStyle/>
+          <a:p>
+            <a:pPr marL="0" marR="0" lvl="0" indent="0" algn="l" defTabSz="914400" rtl="0" eaLnBrk="1" fontAlgn="auto" latinLnBrk="0" hangingPunct="1">
+              <a:lnSpc>
+                <a:spcPct val="100000"/>
+              </a:lnSpc>
+              <a:spcBef>
+                <a:spcPts val="0"/>
+              </a:spcBef>
+              <a:spcAft>
+                <a:spcPts val="0"/>
+              </a:spcAft>
+              <a:buClrTx/>
+              <a:buSzTx/>
+              <a:buFontTx/>
+              <a:buNone/>
+              <a:tabLst/>
+              <a:defRPr/>
+            </a:pPr>
+            <a:endParaRPr kumimoji="0" lang="en-US" sz="1400" b="0" i="0" u="none" strike="noStrike" kern="1200" cap="none" spc="-1" normalizeH="0" baseline="0" noProof="0" dirty="0">
+              <a:ln>
+                <a:noFill/>
+              </a:ln>
+              <a:solidFill>
+                <a:srgbClr val="FFFFFF"/>
+              </a:solidFill>
+              <a:effectLst/>
+              <a:uLnTx/>
+              <a:uFillTx/>
+              <a:latin typeface="Arial"/>
+            </a:endParaRPr>
+          </a:p>
+        </p:txBody>
+      </p:sp>
+    </p:spTree>
+    <p:extLst>
+      <p:ext uri="{BB962C8B-B14F-4D97-AF65-F5344CB8AC3E}">
+        <p14:creationId xmlns:p14="http://schemas.microsoft.com/office/powerpoint/2010/main" val="2181329441"/>
+      </p:ext>
+    </p:extLst>
+  </p:cSld>
+  <p:clrMapOvr>
+    <a:masterClrMapping/>
+  </p:clrMapOvr>
+  <p:timing>
+    <p:tnLst>
+      <p:par>
+        <p:cTn id="1" dur="indefinite" restart="never" nodeType="tmRoot">
+          <p:childTnLst>
+            <p:seq>
+              <p:cTn id="2" dur="indefinite" nodeType="mainSeq"/>
+              <p:prevCondLst>
+                <p:cond evt="onPrev" delay="0">
+                  <p:tgtEl>
+                    <p:sldTgt/>
+                  </p:tgtEl>
+                </p:cond>
+              </p:prevCondLst>
+              <p:nextCondLst>
+                <p:cond evt="onNext" delay="0">
+                  <p:tgtEl>
+                    <p:sldTgt/>
+                  </p:tgtEl>
+                </p:cond>
+              </p:nextCondLst>
+            </p:seq>
+          </p:childTnLst>
+        </p:cTn>
+      </p:par>
+    </p:tnLst>
+  </p:timing>
+</p:sld>
+</file>
+
+<file path=ppt/slides/slide14.xml><?xml version="1.0" encoding="utf-8"?>
+<p:sld xmlns:a="http://schemas.openxmlformats.org/drawingml/2006/main" xmlns:r="http://schemas.openxmlformats.org/officeDocument/2006/relationships" xmlns:p="http://schemas.openxmlformats.org/presentationml/2006/main">
+  <p:cSld>
+    <p:bg>
+      <p:bgPr>
+        <a:blipFill rotWithShape="0">
+          <a:blip r:embed="rId2"/>
+          <a:stretch>
+            <a:fillRect/>
+          </a:stretch>
+        </a:blipFill>
+        <a:effectLst/>
+      </p:bgPr>
+    </p:bg>
+    <p:spTree>
+      <p:nvGrpSpPr>
+        <p:cNvPr id="1" name=""/>
+        <p:cNvGrpSpPr/>
+        <p:nvPr/>
+      </p:nvGrpSpPr>
+      <p:grpSpPr>
+        <a:xfrm>
+          <a:off x="0" y="0"/>
+          <a:ext cx="0" cy="0"/>
+          <a:chOff x="0" y="0"/>
+          <a:chExt cx="0" cy="0"/>
+        </a:xfrm>
+      </p:grpSpPr>
+      <p:sp>
+        <p:nvSpPr>
+          <p:cNvPr id="298" name="CustomShape 1"/>
+          <p:cNvSpPr/>
+          <p:nvPr/>
+        </p:nvSpPr>
+        <p:spPr>
+          <a:xfrm>
+            <a:off x="1527480" y="1700280"/>
+            <a:ext cx="4141080" cy="1533960"/>
+          </a:xfrm>
+          <a:prstGeom prst="rect">
+            <a:avLst/>
+          </a:prstGeom>
+          <a:noFill/>
+          <a:ln>
+            <a:noFill/>
+          </a:ln>
+        </p:spPr>
+        <p:style>
+          <a:lnRef idx="0">
+            <a:scrgbClr r="0" g="0" b="0"/>
+          </a:lnRef>
+          <a:fillRef idx="0">
+            <a:scrgbClr r="0" g="0" b="0"/>
+          </a:fillRef>
+          <a:effectRef idx="0">
+            <a:scrgbClr r="0" g="0" b="0"/>
+          </a:effectRef>
+          <a:fontRef idx="minor"/>
+        </p:style>
+        <p:txBody>
+          <a:bodyPr lIns="90000" tIns="45000" rIns="90000" bIns="45000" anchor="ctr"/>
+          <a:lstStyle/>
+          <a:p>
+            <a:pPr>
+              <a:lnSpc>
+                <a:spcPct val="90000"/>
+              </a:lnSpc>
+            </a:pPr>
+            <a:r>
+              <a:rPr lang="en-US" sz="4000" b="1" strike="noStrike" spc="-1" dirty="0">
+                <a:solidFill>
+                  <a:srgbClr val="BE005A"/>
+                </a:solidFill>
+                <a:latin typeface="Avenir Next LT Pro"/>
+                <a:ea typeface="DejaVu Sans"/>
+              </a:rPr>
+              <a:t>New Course coming!</a:t>
+            </a:r>
+            <a:endParaRPr lang="en-US" sz="4000" b="0" strike="noStrike" spc="-1" dirty="0">
+              <a:latin typeface="Arial"/>
+            </a:endParaRPr>
+          </a:p>
+        </p:txBody>
+      </p:sp>
+      <p:sp>
+        <p:nvSpPr>
+          <p:cNvPr id="299" name="CustomShape 2"/>
+          <p:cNvSpPr/>
+          <p:nvPr/>
+        </p:nvSpPr>
+        <p:spPr>
+          <a:xfrm>
+            <a:off x="614880" y="6187680"/>
+            <a:ext cx="3254040" cy="362520"/>
+          </a:xfrm>
+          <a:prstGeom prst="rect">
+            <a:avLst/>
+          </a:prstGeom>
+          <a:noFill/>
+          <a:ln>
+            <a:noFill/>
+          </a:ln>
+        </p:spPr>
+        <p:style>
+          <a:lnRef idx="0">
+            <a:scrgbClr r="0" g="0" b="0"/>
+          </a:lnRef>
+          <a:fillRef idx="0">
+            <a:scrgbClr r="0" g="0" b="0"/>
+          </a:fillRef>
+          <a:effectRef idx="0">
+            <a:scrgbClr r="0" g="0" b="0"/>
+          </a:effectRef>
+          <a:fontRef idx="minor"/>
+        </p:style>
+        <p:txBody>
+          <a:bodyPr lIns="90000" tIns="45000" rIns="90000" bIns="45000" anchor="ctr"/>
+          <a:lstStyle/>
+          <a:p>
+            <a:pPr>
+              <a:lnSpc>
+                <a:spcPct val="100000"/>
+              </a:lnSpc>
+            </a:pPr>
+            <a:r>
+              <a:rPr lang="en-US" sz="1200" b="0" i="1" strike="noStrike" spc="-1">
+                <a:solidFill>
+                  <a:srgbClr val="3B2CAC"/>
+                </a:solidFill>
+                <a:latin typeface="Speak Pro"/>
+                <a:ea typeface="DejaVu Sans"/>
+              </a:rPr>
+              <a:t>What’s new in FakeXrmEasy v2.x</a:t>
+            </a:r>
+            <a:endParaRPr lang="en-US" sz="1200" b="0" strike="noStrike" spc="-1">
+              <a:latin typeface="Arial"/>
+            </a:endParaRPr>
+          </a:p>
+        </p:txBody>
+      </p:sp>
+      <p:sp>
+        <p:nvSpPr>
+          <p:cNvPr id="300" name="CustomShape 3"/>
+          <p:cNvSpPr/>
+          <p:nvPr/>
+        </p:nvSpPr>
+        <p:spPr>
+          <a:xfrm>
+            <a:off x="8849880" y="6187680"/>
+            <a:ext cx="2740680" cy="362520"/>
+          </a:xfrm>
+          <a:prstGeom prst="rect">
+            <a:avLst/>
+          </a:prstGeom>
+          <a:noFill/>
+          <a:ln>
+            <a:noFill/>
+          </a:ln>
+        </p:spPr>
+        <p:style>
+          <a:lnRef idx="0">
+            <a:scrgbClr r="0" g="0" b="0"/>
+          </a:lnRef>
+          <a:fillRef idx="0">
+            <a:scrgbClr r="0" g="0" b="0"/>
+          </a:fillRef>
+          <a:effectRef idx="0">
+            <a:scrgbClr r="0" g="0" b="0"/>
+          </a:effectRef>
+          <a:fontRef idx="minor"/>
+        </p:style>
+        <p:txBody>
+          <a:bodyPr lIns="90000" tIns="45000" rIns="90000" bIns="45000" anchor="ctr"/>
+          <a:lstStyle/>
+          <a:p>
+            <a:pPr algn="r">
+              <a:lnSpc>
+                <a:spcPct val="100000"/>
+              </a:lnSpc>
+            </a:pPr>
+            <a:fld id="{4C2995D3-8C24-48C6-9F78-0D1D23F82B58}" type="slidenum">
+              <a:rPr lang="en-US" sz="1200" b="0" i="1" strike="noStrike" spc="-1">
+                <a:solidFill>
+                  <a:srgbClr val="FFCD6B"/>
+                </a:solidFill>
+                <a:latin typeface="Speak Pro"/>
+                <a:ea typeface="DejaVu Sans"/>
+              </a:rPr>
+              <a:t>14</a:t>
+            </a:fld>
+            <a:endParaRPr lang="en-US" sz="1200" b="0" strike="noStrike" spc="-1">
+              <a:latin typeface="Arial"/>
+            </a:endParaRPr>
+          </a:p>
+        </p:txBody>
+      </p:sp>
+      <p:sp>
+        <p:nvSpPr>
+          <p:cNvPr id="301" name="CustomShape 4"/>
+          <p:cNvSpPr/>
+          <p:nvPr/>
+        </p:nvSpPr>
+        <p:spPr>
+          <a:xfrm>
+            <a:off x="755123" y="3675780"/>
+            <a:ext cx="4141080" cy="690120"/>
+          </a:xfrm>
+          <a:prstGeom prst="rect">
+            <a:avLst/>
+          </a:prstGeom>
+          <a:noFill/>
+          <a:ln>
+            <a:noFill/>
+          </a:ln>
+        </p:spPr>
+        <p:style>
+          <a:lnRef idx="0">
+            <a:scrgbClr r="0" g="0" b="0"/>
+          </a:lnRef>
+          <a:fillRef idx="0">
+            <a:scrgbClr r="0" g="0" b="0"/>
+          </a:fillRef>
+          <a:effectRef idx="0">
+            <a:scrgbClr r="0" g="0" b="0"/>
+          </a:effectRef>
+          <a:fontRef idx="minor"/>
+        </p:style>
+        <p:txBody>
+          <a:bodyPr lIns="90000" tIns="45000" rIns="90000" bIns="45000"/>
+          <a:lstStyle/>
+          <a:p>
+            <a:pPr>
+              <a:lnSpc>
+                <a:spcPct val="90000"/>
+              </a:lnSpc>
+              <a:spcBef>
+                <a:spcPts val="1001"/>
+              </a:spcBef>
+            </a:pPr>
+            <a:endParaRPr lang="en-US" sz="2000" b="0" strike="noStrike" spc="-1" dirty="0">
+              <a:latin typeface="Arial"/>
+            </a:endParaRPr>
+          </a:p>
+        </p:txBody>
+      </p:sp>
+      <p:pic>
+        <p:nvPicPr>
+          <p:cNvPr id="302" name="Picture 9"/>
+          <p:cNvPicPr/>
+          <p:nvPr/>
+        </p:nvPicPr>
+        <p:blipFill>
+          <a:blip r:embed="rId3">
+            <a:lum bright="70000" contrast="-70000"/>
+          </a:blip>
+          <a:stretch/>
+        </p:blipFill>
+        <p:spPr>
+          <a:xfrm>
+            <a:off x="11210040" y="829800"/>
+            <a:ext cx="939240" cy="482040"/>
+          </a:xfrm>
+          <a:prstGeom prst="rect">
+            <a:avLst/>
+          </a:prstGeom>
+          <a:ln>
+            <a:noFill/>
+          </a:ln>
+        </p:spPr>
+      </p:pic>
+      <p:sp>
+        <p:nvSpPr>
+          <p:cNvPr id="303" name="CustomShape 5"/>
+          <p:cNvSpPr/>
+          <p:nvPr/>
+        </p:nvSpPr>
+        <p:spPr>
+          <a:xfrm>
+            <a:off x="6400800" y="1385280"/>
+            <a:ext cx="5209920" cy="3838320"/>
+          </a:xfrm>
+          <a:prstGeom prst="rect">
+            <a:avLst/>
+          </a:prstGeom>
+          <a:noFill/>
+          <a:ln>
+            <a:noFill/>
+          </a:ln>
+        </p:spPr>
+        <p:style>
+          <a:lnRef idx="0">
+            <a:scrgbClr r="0" g="0" b="0"/>
+          </a:lnRef>
+          <a:fillRef idx="0">
+            <a:scrgbClr r="0" g="0" b="0"/>
+          </a:fillRef>
+          <a:effectRef idx="0">
+            <a:scrgbClr r="0" g="0" b="0"/>
+          </a:effectRef>
+          <a:fontRef idx="minor"/>
+        </p:style>
+        <p:txBody>
+          <a:bodyPr lIns="90000" tIns="45000" rIns="90000" bIns="45000">
+            <a:normAutofit/>
+          </a:bodyPr>
+          <a:lstStyle/>
+          <a:p>
+            <a:pPr>
+              <a:lnSpc>
+                <a:spcPct val="100000"/>
+              </a:lnSpc>
+              <a:spcBef>
+                <a:spcPts val="601"/>
+              </a:spcBef>
+            </a:pPr>
+            <a:endParaRPr lang="en-US" sz="1800" b="0" strike="noStrike" spc="-1">
+              <a:latin typeface="Arial"/>
+            </a:endParaRPr>
+          </a:p>
+          <a:p>
+            <a:pPr>
+              <a:lnSpc>
+                <a:spcPct val="100000"/>
+              </a:lnSpc>
+              <a:spcBef>
+                <a:spcPts val="601"/>
+              </a:spcBef>
+            </a:pPr>
+            <a:endParaRPr lang="en-US" sz="1800" b="0" strike="noStrike" spc="-1">
+              <a:latin typeface="Arial"/>
+            </a:endParaRPr>
+          </a:p>
+          <a:p>
+            <a:pPr>
+              <a:lnSpc>
+                <a:spcPct val="100000"/>
+              </a:lnSpc>
+              <a:spcBef>
+                <a:spcPts val="601"/>
+              </a:spcBef>
+            </a:pPr>
+            <a:endParaRPr lang="en-US" sz="1800" b="0" strike="noStrike" spc="-1">
+              <a:latin typeface="Arial"/>
+            </a:endParaRPr>
+          </a:p>
+        </p:txBody>
+      </p:sp>
+      <p:pic>
+        <p:nvPicPr>
+          <p:cNvPr id="4" name="Picture 3">
+            <a:extLst>
+              <a:ext uri="{FF2B5EF4-FFF2-40B4-BE49-F238E27FC236}">
+                <a16:creationId xmlns:a16="http://schemas.microsoft.com/office/drawing/2014/main" id="{836EA7A3-5A63-4EB1-ACDD-47CE552749D6}"/>
+              </a:ext>
+            </a:extLst>
+          </p:cNvPr>
+          <p:cNvPicPr>
+            <a:picLocks noChangeAspect="1"/>
+          </p:cNvPicPr>
+          <p:nvPr/>
+        </p:nvPicPr>
+        <p:blipFill>
+          <a:blip r:embed="rId4">
+            <a:extLst>
+              <a:ext uri="{28A0092B-C50C-407E-A947-70E740481C1C}">
+                <a14:useLocalDpi xmlns:a14="http://schemas.microsoft.com/office/drawing/2010/main" val="0"/>
+              </a:ext>
+            </a:extLst>
+          </a:blip>
+          <a:stretch>
+            <a:fillRect/>
+          </a:stretch>
+        </p:blipFill>
+        <p:spPr>
+          <a:xfrm>
+            <a:off x="5326602" y="1610934"/>
+            <a:ext cx="6865398" cy="3861786"/>
+          </a:xfrm>
+          <a:prstGeom prst="rect">
+            <a:avLst/>
+          </a:prstGeom>
+        </p:spPr>
+      </p:pic>
+      <p:sp>
+        <p:nvSpPr>
+          <p:cNvPr id="5" name="Rectangle 4">
+            <a:extLst>
+              <a:ext uri="{FF2B5EF4-FFF2-40B4-BE49-F238E27FC236}">
+                <a16:creationId xmlns:a16="http://schemas.microsoft.com/office/drawing/2014/main" id="{00BF0966-792F-4EBA-8751-238817ECD7F1}"/>
+              </a:ext>
+            </a:extLst>
+          </p:cNvPr>
+          <p:cNvSpPr/>
+          <p:nvPr/>
+        </p:nvSpPr>
+        <p:spPr>
+          <a:xfrm>
+            <a:off x="546834" y="3836174"/>
+            <a:ext cx="4288353" cy="369332"/>
+          </a:xfrm>
+          <a:prstGeom prst="rect">
+            <a:avLst/>
+          </a:prstGeom>
+        </p:spPr>
+        <p:txBody>
+          <a:bodyPr wrap="none">
+            <a:spAutoFit/>
+          </a:bodyPr>
+          <a:lstStyle/>
+          <a:p>
+            <a:r>
+              <a:rPr lang="en-US" dirty="0"/>
+              <a:t>https://forms.gle/n97oC1LsZgPGmrWh7</a:t>
+            </a:r>
+          </a:p>
+        </p:txBody>
+      </p:sp>
+    </p:spTree>
+    <p:extLst>
+      <p:ext uri="{BB962C8B-B14F-4D97-AF65-F5344CB8AC3E}">
+        <p14:creationId xmlns:p14="http://schemas.microsoft.com/office/powerpoint/2010/main" val="1625419107"/>
+      </p:ext>
+    </p:extLst>
+  </p:cSld>
+  <p:clrMapOvr>
+    <a:masterClrMapping/>
+  </p:clrMapOvr>
+  <p:timing>
+    <p:tnLst>
+      <p:par>
+        <p:cTn id="1" dur="indefinite" restart="never" nodeType="tmRoot">
+          <p:childTnLst>
+            <p:seq>
+              <p:cTn id="2" dur="indefinite" nodeType="mainSeq"/>
+              <p:prevCondLst>
+                <p:cond evt="onPrev" delay="0">
+                  <p:tgtEl>
+                    <p:sldTgt/>
+                  </p:tgtEl>
+                </p:cond>
+              </p:prevCondLst>
+              <p:nextCondLst>
+                <p:cond evt="onNext" delay="0">
+                  <p:tgtEl>
+                    <p:sldTgt/>
+                  </p:tgtEl>
+                </p:cond>
+              </p:nextCondLst>
+            </p:seq>
+          </p:childTnLst>
+        </p:cTn>
+      </p:par>
+    </p:tnLst>
+  </p:timing>
+</p:sld>
+</file>
+
+<file path=ppt/slides/slide15.xml><?xml version="1.0" encoding="utf-8"?>
+<p:sld xmlns:a="http://schemas.openxmlformats.org/drawingml/2006/main" xmlns:r="http://schemas.openxmlformats.org/officeDocument/2006/relationships" xmlns:p="http://schemas.openxmlformats.org/presentationml/2006/main">
+  <p:cSld>
+    <p:bg>
+      <p:bgPr>
         <a:solidFill>
           <a:srgbClr val="3B2CAC">
             <a:alpha val="0"/>
@@ -15973,6 +17044,36 @@
               </a:spcBef>
             </a:pPr>
             <a:r>
+              <a:rPr lang="en-US" sz="1600" b="0" strike="noStrike" spc="-1" dirty="0">
+                <a:solidFill>
+                  <a:srgbClr val="FFFFFF"/>
+                </a:solidFill>
+                <a:latin typeface="Speak Pro"/>
+                <a:ea typeface="DejaVu Sans"/>
+              </a:rPr>
+              <a:t>Aimed at developers using </a:t>
+            </a:r>
+            <a:r>
+              <a:rPr lang="en-US" sz="1600" b="0" strike="noStrike" spc="-1" dirty="0" err="1">
+                <a:solidFill>
+                  <a:srgbClr val="FFFFFF"/>
+                </a:solidFill>
+                <a:latin typeface="Speak Pro"/>
+                <a:ea typeface="DejaVu Sans"/>
+              </a:rPr>
+              <a:t>.net</a:t>
+            </a:r>
+            <a:r>
+              <a:rPr lang="en-US" sz="1600" b="0" strike="noStrike" spc="-1" dirty="0">
+                <a:solidFill>
+                  <a:srgbClr val="FFFFFF"/>
+                </a:solidFill>
+                <a:latin typeface="Speak Pro"/>
+                <a:ea typeface="DejaVu Sans"/>
+              </a:rPr>
+              <a:t> and Power Platform / CDS, </a:t>
+            </a:r>
+            <a:r>
               <a:rPr lang="en-US" sz="1600" b="0" strike="noStrike" spc="-1">
                 <a:solidFill>
                   <a:srgbClr val="FFFFFF"/>
@@ -15980,7 +17081,7 @@
                 <a:latin typeface="Speak Pro"/>
                 <a:ea typeface="DejaVu Sans"/>
               </a:rPr>
-              <a:t>Aimed at developers using .net and Power Platform / CDS</a:t>
+              <a:t>MIT licensed</a:t>
             </a:r>
             <a:endParaRPr lang="en-US" sz="1600" b="0" strike="noStrike" spc="-1">
               <a:latin typeface="Arial"/>
